--- a/ExpenseManager-main/Project Presentation/Expense PPT.pptx
+++ b/ExpenseManager-main/Project Presentation/Expense PPT.pptx
@@ -9254,7 +9254,7 @@
         </p:nvSpPr>
         <p:spPr>
           <a:xfrm>
-            <a:off x="625294" y="3192236"/>
+            <a:off x="1025344" y="3290208"/>
             <a:ext cx="3020966" cy="1608186"/>
           </a:xfrm>
           <a:prstGeom prst="rect">
@@ -9502,19 +9502,6 @@
                 <a:ea typeface="Calibri" panose="020F0502020204030204" pitchFamily="34" charset="0"/>
                 <a:cs typeface="Poppins SemiBold" panose="00000700000000000000" pitchFamily="2" charset="0"/>
               </a:rPr>
-              <a:t>Project Presentation </a:t>
-            </a:r>
-          </a:p>
-          <a:p>
-            <a:r>
-              <a:rPr lang="en-US" sz="2000" b="1" dirty="0">
-                <a:solidFill>
-                  <a:schemeClr val="tx1"/>
-                </a:solidFill>
-                <a:latin typeface="Poppins SemiBold" panose="00000700000000000000" pitchFamily="2" charset="0"/>
-                <a:ea typeface="Calibri" panose="020F0502020204030204" pitchFamily="34" charset="0"/>
-                <a:cs typeface="Poppins SemiBold" panose="00000700000000000000" pitchFamily="2" charset="0"/>
-              </a:rPr>
               <a:t>By</a:t>
             </a:r>
           </a:p>
@@ -9551,6 +9538,18 @@
   <p:clrMapOvr>
     <a:masterClrMapping/>
   </p:clrMapOvr>
+  <mc:AlternateContent xmlns:mc="http://schemas.openxmlformats.org/markup-compatibility/2006">
+    <mc:Choice xmlns:p14="http://schemas.microsoft.com/office/powerpoint/2010/main" Requires="p14">
+      <p:transition spd="slow" p14:dur="800">
+        <p14:flythrough dir="out"/>
+      </p:transition>
+    </mc:Choice>
+    <mc:Fallback>
+      <p:transition spd="slow">
+        <p:fade/>
+      </p:transition>
+    </mc:Fallback>
+  </mc:AlternateContent>
 </p:sld>
 </file>
 
@@ -9897,6 +9896,18 @@
   <p:clrMapOvr>
     <a:masterClrMapping/>
   </p:clrMapOvr>
+  <mc:AlternateContent xmlns:mc="http://schemas.openxmlformats.org/markup-compatibility/2006">
+    <mc:Choice xmlns:p14="http://schemas.microsoft.com/office/powerpoint/2010/main" Requires="p14">
+      <p:transition spd="slow" p14:dur="800">
+        <p14:flythrough dir="out"/>
+      </p:transition>
+    </mc:Choice>
+    <mc:Fallback>
+      <p:transition spd="slow">
+        <p:fade/>
+      </p:transition>
+    </mc:Fallback>
+  </mc:AlternateContent>
 </p:sld>
 </file>
 
@@ -10196,6 +10207,18 @@
   <p:clrMapOvr>
     <a:masterClrMapping/>
   </p:clrMapOvr>
+  <mc:AlternateContent xmlns:mc="http://schemas.openxmlformats.org/markup-compatibility/2006">
+    <mc:Choice xmlns:p14="http://schemas.microsoft.com/office/powerpoint/2010/main" Requires="p14">
+      <p:transition spd="slow" p14:dur="800">
+        <p14:flythrough dir="out"/>
+      </p:transition>
+    </mc:Choice>
+    <mc:Fallback>
+      <p:transition spd="slow">
+        <p:fade/>
+      </p:transition>
+    </mc:Fallback>
+  </mc:AlternateContent>
 </p:sld>
 </file>
 
@@ -10443,6 +10466,18 @@
   <p:clrMapOvr>
     <a:masterClrMapping/>
   </p:clrMapOvr>
+  <mc:AlternateContent xmlns:mc="http://schemas.openxmlformats.org/markup-compatibility/2006">
+    <mc:Choice xmlns:p14="http://schemas.microsoft.com/office/powerpoint/2010/main" Requires="p14">
+      <p:transition spd="slow" p14:dur="800">
+        <p14:flythrough dir="out"/>
+      </p:transition>
+    </mc:Choice>
+    <mc:Fallback>
+      <p:transition spd="slow">
+        <p:fade/>
+      </p:transition>
+    </mc:Fallback>
+  </mc:AlternateContent>
 </p:sld>
 </file>
 
@@ -10492,8 +10527,8 @@
         </p:blipFill>
         <p:spPr bwMode="auto">
           <a:xfrm>
-            <a:off x="6988628" y="2932615"/>
-            <a:ext cx="1890842" cy="1890842"/>
+            <a:off x="6278336" y="354644"/>
+            <a:ext cx="2380698" cy="2380698"/>
           </a:xfrm>
           <a:prstGeom prst="rect">
             <a:avLst/>
@@ -10571,7 +10606,7 @@
         <p:spPr>
           <a:xfrm>
             <a:off x="582597" y="1126672"/>
-            <a:ext cx="7842946" cy="2246769"/>
+            <a:ext cx="7842946" cy="3539430"/>
           </a:xfrm>
           <a:prstGeom prst="rect">
             <a:avLst/>
@@ -10584,18 +10619,25 @@
           </a:bodyPr>
           <a:lstStyle/>
           <a:p>
-            <a:pPr algn="just"/>
+            <a:pPr algn="just">
+              <a:lnSpc>
+                <a:spcPct val="150000"/>
+              </a:lnSpc>
+            </a:pPr>
             <a:r>
               <a:rPr lang="en-IN" sz="1400" dirty="0">
                 <a:latin typeface="Poppins SemiBold" panose="00000700000000000000" pitchFamily="2" charset="0"/>
                 <a:ea typeface="Calibri" panose="020F0502020204030204" pitchFamily="34" charset="0"/>
                 <a:cs typeface="Poppins SemiBold" panose="00000700000000000000" pitchFamily="2" charset="0"/>
               </a:rPr>
-              <a:t>As Future Enhancements, I would like to add feature like:</a:t>
+              <a:t>As Future Enhancements, I would like to add features like:</a:t>
             </a:r>
           </a:p>
           <a:p>
             <a:pPr marL="342900" indent="-342900" algn="just">
+              <a:lnSpc>
+                <a:spcPct val="150000"/>
+              </a:lnSpc>
               <a:buFont typeface="Arial" panose="020B0604020202020204" pitchFamily="34" charset="0"/>
               <a:buChar char="•"/>
             </a:pPr>
@@ -10605,39 +10647,92 @@
                 <a:ea typeface="Calibri" panose="020F0502020204030204" pitchFamily="34" charset="0"/>
                 <a:cs typeface="Poppins SemiBold" panose="00000700000000000000" pitchFamily="2" charset="0"/>
               </a:rPr>
-              <a:t>Live Budget alerts</a:t>
+              <a:t>Live Budget </a:t>
+            </a:r>
+            <a:r>
+              <a:rPr lang="en-IN" sz="1400" dirty="0">
+                <a:solidFill>
+                  <a:srgbClr val="FF0000"/>
+                </a:solidFill>
+                <a:latin typeface="Poppins SemiBold" panose="00000700000000000000" pitchFamily="2" charset="0"/>
+                <a:ea typeface="Calibri" panose="020F0502020204030204" pitchFamily="34" charset="0"/>
+                <a:cs typeface="Poppins SemiBold" panose="00000700000000000000" pitchFamily="2" charset="0"/>
+              </a:rPr>
+              <a:t>alerts</a:t>
+            </a:r>
+            <a:r>
+              <a:rPr lang="en-IN" sz="1400" dirty="0">
+                <a:solidFill>
+                  <a:schemeClr val="tx1"/>
+                </a:solidFill>
+                <a:latin typeface="Poppins SemiBold" panose="00000700000000000000" pitchFamily="2" charset="0"/>
+                <a:ea typeface="Calibri" panose="020F0502020204030204" pitchFamily="34" charset="0"/>
+                <a:cs typeface="Poppins SemiBold" panose="00000700000000000000" pitchFamily="2" charset="0"/>
+              </a:rPr>
+              <a:t>.</a:t>
             </a:r>
           </a:p>
           <a:p>
             <a:pPr marL="342900" indent="-342900" algn="just">
+              <a:lnSpc>
+                <a:spcPct val="150000"/>
+              </a:lnSpc>
               <a:buFont typeface="Arial" panose="020B0604020202020204" pitchFamily="34" charset="0"/>
               <a:buChar char="•"/>
             </a:pPr>
             <a:r>
               <a:rPr lang="en-IN" sz="1400" dirty="0">
+                <a:solidFill>
+                  <a:srgbClr val="FF0000"/>
+                </a:solidFill>
                 <a:latin typeface="Poppins SemiBold" panose="00000700000000000000" pitchFamily="2" charset="0"/>
                 <a:ea typeface="Calibri" panose="020F0502020204030204" pitchFamily="34" charset="0"/>
                 <a:cs typeface="Poppins SemiBold" panose="00000700000000000000" pitchFamily="2" charset="0"/>
               </a:rPr>
-              <a:t>Live income and expense insertion after transactions</a:t>
+              <a:t>Automated</a:t>
+            </a:r>
+            <a:r>
+              <a:rPr lang="en-IN" sz="1400" dirty="0">
+                <a:latin typeface="Poppins SemiBold" panose="00000700000000000000" pitchFamily="2" charset="0"/>
+                <a:ea typeface="Calibri" panose="020F0502020204030204" pitchFamily="34" charset="0"/>
+                <a:cs typeface="Poppins SemiBold" panose="00000700000000000000" pitchFamily="2" charset="0"/>
+              </a:rPr>
+              <a:t> income and expense insertion.</a:t>
             </a:r>
           </a:p>
           <a:p>
             <a:pPr marL="342900" indent="-342900" algn="just">
+              <a:lnSpc>
+                <a:spcPct val="150000"/>
+              </a:lnSpc>
               <a:buFont typeface="Arial" panose="020B0604020202020204" pitchFamily="34" charset="0"/>
               <a:buChar char="•"/>
             </a:pPr>
             <a:r>
               <a:rPr lang="en-IN" sz="1400" dirty="0">
+                <a:solidFill>
+                  <a:srgbClr val="FF0000"/>
+                </a:solidFill>
                 <a:latin typeface="Poppins SemiBold" panose="00000700000000000000" pitchFamily="2" charset="0"/>
                 <a:ea typeface="Calibri" panose="020F0502020204030204" pitchFamily="34" charset="0"/>
                 <a:cs typeface="Poppins SemiBold" panose="00000700000000000000" pitchFamily="2" charset="0"/>
               </a:rPr>
-              <a:t>Ability to customize the income and expense summaries shown as graph on the basis of dates.</a:t>
+              <a:t>Customization</a:t>
+            </a:r>
+            <a:r>
+              <a:rPr lang="en-IN" sz="1400" dirty="0">
+                <a:latin typeface="Poppins SemiBold" panose="00000700000000000000" pitchFamily="2" charset="0"/>
+                <a:ea typeface="Calibri" panose="020F0502020204030204" pitchFamily="34" charset="0"/>
+                <a:cs typeface="Poppins SemiBold" panose="00000700000000000000" pitchFamily="2" charset="0"/>
+              </a:rPr>
+              <a:t> on income and expense summary.</a:t>
             </a:r>
           </a:p>
           <a:p>
             <a:pPr marL="342900" indent="-342900" algn="just">
+              <a:lnSpc>
+                <a:spcPct val="150000"/>
+              </a:lnSpc>
               <a:buFont typeface="Arial" panose="020B0604020202020204" pitchFamily="34" charset="0"/>
               <a:buChar char="•"/>
             </a:pPr>
@@ -10647,35 +10742,186 @@
                 <a:ea typeface="Calibri" panose="020F0502020204030204" pitchFamily="34" charset="0"/>
                 <a:cs typeface="Poppins SemiBold" panose="00000700000000000000" pitchFamily="2" charset="0"/>
               </a:rPr>
-              <a:t>Live Currency conversion rates and the ability to customize the incomes and expenses on the basis of these conversion rates.</a:t>
+              <a:t>Live </a:t>
+            </a:r>
+            <a:r>
+              <a:rPr lang="en-IN" sz="1400" dirty="0">
+                <a:solidFill>
+                  <a:srgbClr val="FF0000"/>
+                </a:solidFill>
+                <a:latin typeface="Poppins SemiBold" panose="00000700000000000000" pitchFamily="2" charset="0"/>
+                <a:ea typeface="Calibri" panose="020F0502020204030204" pitchFamily="34" charset="0"/>
+                <a:cs typeface="Poppins SemiBold" panose="00000700000000000000" pitchFamily="2" charset="0"/>
+              </a:rPr>
+              <a:t>Currency conversion rates</a:t>
+            </a:r>
+            <a:r>
+              <a:rPr lang="en-IN" sz="1400" dirty="0">
+                <a:solidFill>
+                  <a:schemeClr val="tx1"/>
+                </a:solidFill>
+                <a:latin typeface="Poppins SemiBold" panose="00000700000000000000" pitchFamily="2" charset="0"/>
+                <a:ea typeface="Calibri" panose="020F0502020204030204" pitchFamily="34" charset="0"/>
+                <a:cs typeface="Poppins SemiBold" panose="00000700000000000000" pitchFamily="2" charset="0"/>
+              </a:rPr>
+              <a:t>.</a:t>
             </a:r>
           </a:p>
           <a:p>
             <a:pPr marL="342900" indent="-342900" algn="just">
+              <a:lnSpc>
+                <a:spcPct val="150000"/>
+              </a:lnSpc>
               <a:buFont typeface="Arial" panose="020B0604020202020204" pitchFamily="34" charset="0"/>
               <a:buChar char="•"/>
             </a:pPr>
             <a:r>
-              <a:rPr lang="en-IN" sz="1400" dirty="0">
+              <a:rPr lang="en-IN" dirty="0">
+                <a:solidFill>
+                  <a:schemeClr val="tx1"/>
+                </a:solidFill>
                 <a:latin typeface="Poppins SemiBold" panose="00000700000000000000" pitchFamily="2" charset="0"/>
                 <a:ea typeface="Calibri" panose="020F0502020204030204" pitchFamily="34" charset="0"/>
                 <a:cs typeface="Poppins SemiBold" panose="00000700000000000000" pitchFamily="2" charset="0"/>
               </a:rPr>
-              <a:t>Expense and Income import feature from excel</a:t>
-            </a:r>
+              <a:t>Ability to </a:t>
+            </a:r>
+            <a:r>
+              <a:rPr lang="en-IN" dirty="0">
+                <a:solidFill>
+                  <a:srgbClr val="FF0000"/>
+                </a:solidFill>
+                <a:latin typeface="Poppins SemiBold" panose="00000700000000000000" pitchFamily="2" charset="0"/>
+                <a:ea typeface="Calibri" panose="020F0502020204030204" pitchFamily="34" charset="0"/>
+                <a:cs typeface="Poppins SemiBold" panose="00000700000000000000" pitchFamily="2" charset="0"/>
+              </a:rPr>
+              <a:t>convert expenses and incomes </a:t>
+            </a:r>
+            <a:r>
+              <a:rPr lang="en-IN" dirty="0">
+                <a:solidFill>
+                  <a:schemeClr val="tx1"/>
+                </a:solidFill>
+                <a:latin typeface="Poppins SemiBold" panose="00000700000000000000" pitchFamily="2" charset="0"/>
+                <a:ea typeface="Calibri" panose="020F0502020204030204" pitchFamily="34" charset="0"/>
+                <a:cs typeface="Poppins SemiBold" panose="00000700000000000000" pitchFamily="2" charset="0"/>
+              </a:rPr>
+              <a:t>based on conversion rates.</a:t>
+            </a:r>
+            <a:endParaRPr lang="en-IN" sz="1400" dirty="0">
+              <a:solidFill>
+                <a:schemeClr val="tx1"/>
+              </a:solidFill>
+              <a:latin typeface="Poppins SemiBold" panose="00000700000000000000" pitchFamily="2" charset="0"/>
+              <a:ea typeface="Calibri" panose="020F0502020204030204" pitchFamily="34" charset="0"/>
+              <a:cs typeface="Poppins SemiBold" panose="00000700000000000000" pitchFamily="2" charset="0"/>
+            </a:endParaRPr>
           </a:p>
           <a:p>
             <a:pPr marL="342900" indent="-342900" algn="just">
+              <a:lnSpc>
+                <a:spcPct val="150000"/>
+              </a:lnSpc>
               <a:buFont typeface="Arial" panose="020B0604020202020204" pitchFamily="34" charset="0"/>
               <a:buChar char="•"/>
             </a:pPr>
             <a:r>
               <a:rPr lang="en-IN" sz="1400" dirty="0">
+                <a:solidFill>
+                  <a:srgbClr val="FF0000"/>
+                </a:solidFill>
                 <a:latin typeface="Poppins SemiBold" panose="00000700000000000000" pitchFamily="2" charset="0"/>
                 <a:ea typeface="Calibri" panose="020F0502020204030204" pitchFamily="34" charset="0"/>
                 <a:cs typeface="Poppins SemiBold" panose="00000700000000000000" pitchFamily="2" charset="0"/>
               </a:rPr>
-              <a:t>Smart budget recommendation from analysis on previous transactions</a:t>
+              <a:t>Import</a:t>
+            </a:r>
+            <a:r>
+              <a:rPr lang="en-IN" sz="1400" dirty="0">
+                <a:latin typeface="Poppins SemiBold" panose="00000700000000000000" pitchFamily="2" charset="0"/>
+                <a:ea typeface="Calibri" panose="020F0502020204030204" pitchFamily="34" charset="0"/>
+                <a:cs typeface="Poppins SemiBold" panose="00000700000000000000" pitchFamily="2" charset="0"/>
+              </a:rPr>
+              <a:t> feature for expense and Income from excel.</a:t>
+            </a:r>
+          </a:p>
+          <a:p>
+            <a:pPr marL="342900" indent="-342900" algn="just">
+              <a:lnSpc>
+                <a:spcPct val="150000"/>
+              </a:lnSpc>
+              <a:buFont typeface="Arial" panose="020B0604020202020204" pitchFamily="34" charset="0"/>
+              <a:buChar char="•"/>
+            </a:pPr>
+            <a:r>
+              <a:rPr lang="en-IN" sz="1400" dirty="0">
+                <a:solidFill>
+                  <a:srgbClr val="FF0000"/>
+                </a:solidFill>
+                <a:latin typeface="Poppins SemiBold" panose="00000700000000000000" pitchFamily="2" charset="0"/>
+                <a:ea typeface="Calibri" panose="020F0502020204030204" pitchFamily="34" charset="0"/>
+                <a:cs typeface="Poppins SemiBold" panose="00000700000000000000" pitchFamily="2" charset="0"/>
+              </a:rPr>
+              <a:t>Smart budget recommendation </a:t>
+            </a:r>
+            <a:r>
+              <a:rPr lang="en-IN" sz="1400" dirty="0">
+                <a:latin typeface="Poppins SemiBold" panose="00000700000000000000" pitchFamily="2" charset="0"/>
+                <a:ea typeface="Calibri" panose="020F0502020204030204" pitchFamily="34" charset="0"/>
+                <a:cs typeface="Poppins SemiBold" panose="00000700000000000000" pitchFamily="2" charset="0"/>
+              </a:rPr>
+              <a:t>from analysis on previous transactions.</a:t>
+            </a:r>
+          </a:p>
+          <a:p>
+            <a:pPr marL="342900" indent="-342900" algn="just">
+              <a:lnSpc>
+                <a:spcPct val="150000"/>
+              </a:lnSpc>
+              <a:buFont typeface="Arial" panose="020B0604020202020204" pitchFamily="34" charset="0"/>
+              <a:buChar char="•"/>
+            </a:pPr>
+            <a:r>
+              <a:rPr lang="en-IN" b="0" i="0" dirty="0">
+                <a:solidFill>
+                  <a:srgbClr val="FF0000"/>
+                </a:solidFill>
+                <a:effectLst/>
+                <a:latin typeface="Poppins SemiBold" panose="00000700000000000000" pitchFamily="2" charset="0"/>
+                <a:cs typeface="Poppins SemiBold" panose="00000700000000000000" pitchFamily="2" charset="0"/>
+              </a:rPr>
+              <a:t>Smart Receipt Scanning</a:t>
+            </a:r>
+          </a:p>
+          <a:p>
+            <a:pPr marL="342900" indent="-342900" algn="just">
+              <a:lnSpc>
+                <a:spcPct val="150000"/>
+              </a:lnSpc>
+              <a:buFont typeface="Arial" panose="020B0604020202020204" pitchFamily="34" charset="0"/>
+              <a:buChar char="•"/>
+            </a:pPr>
+            <a:r>
+              <a:rPr lang="en-IN" sz="1400" dirty="0">
+                <a:solidFill>
+                  <a:srgbClr val="FF0000"/>
+                </a:solidFill>
+                <a:latin typeface="Poppins SemiBold" panose="00000700000000000000" pitchFamily="2" charset="0"/>
+                <a:ea typeface="Calibri" panose="020F0502020204030204" pitchFamily="34" charset="0"/>
+                <a:cs typeface="Poppins SemiBold" panose="00000700000000000000" pitchFamily="2" charset="0"/>
+              </a:rPr>
+              <a:t>Bill reminders </a:t>
+            </a:r>
+            <a:r>
+              <a:rPr lang="en-IN" sz="1400" dirty="0">
+                <a:solidFill>
+                  <a:schemeClr val="tx1"/>
+                </a:solidFill>
+                <a:latin typeface="Poppins SemiBold" panose="00000700000000000000" pitchFamily="2" charset="0"/>
+                <a:ea typeface="Calibri" panose="020F0502020204030204" pitchFamily="34" charset="0"/>
+                <a:cs typeface="Poppins SemiBold" panose="00000700000000000000" pitchFamily="2" charset="0"/>
+              </a:rPr>
+              <a:t>from various receipts.</a:t>
             </a:r>
           </a:p>
           <a:p>
@@ -10698,6 +10944,18 @@
   <p:clrMapOvr>
     <a:masterClrMapping/>
   </p:clrMapOvr>
+  <mc:AlternateContent xmlns:mc="http://schemas.openxmlformats.org/markup-compatibility/2006">
+    <mc:Choice xmlns:p14="http://schemas.microsoft.com/office/powerpoint/2010/main" Requires="p14">
+      <p:transition spd="slow" p14:dur="800">
+        <p14:flythrough dir="out"/>
+      </p:transition>
+    </mc:Choice>
+    <mc:Fallback>
+      <p:transition spd="slow">
+        <p:fade/>
+      </p:transition>
+    </mc:Fallback>
+  </mc:AlternateContent>
 </p:sld>
 </file>
 
@@ -10779,7 +11037,7 @@
         <p:spPr>
           <a:xfrm>
             <a:off x="582597" y="1126672"/>
-            <a:ext cx="7842946" cy="3323987"/>
+            <a:ext cx="7842946" cy="3616631"/>
           </a:xfrm>
           <a:prstGeom prst="rect">
             <a:avLst/>
@@ -10792,7 +11050,13 @@
           </a:bodyPr>
           <a:lstStyle/>
           <a:p>
-            <a:pPr algn="just"/>
+            <a:pPr marL="285750" indent="-285750" algn="just">
+              <a:lnSpc>
+                <a:spcPct val="150000"/>
+              </a:lnSpc>
+              <a:buFont typeface="Arial" panose="020B0604020202020204" pitchFamily="34" charset="0"/>
+              <a:buChar char="•"/>
+            </a:pPr>
             <a:r>
               <a:rPr lang="en-US" sz="1400" b="0" i="0" dirty="0">
                 <a:effectLst/>
@@ -10800,7 +11064,7 @@
                 <a:ea typeface="Calibri" panose="020F0502020204030204" pitchFamily="34" charset="0"/>
                 <a:cs typeface="Poppins SemiBold" panose="00000700000000000000" pitchFamily="2" charset="0"/>
               </a:rPr>
-              <a:t>In conclusion, the Expense Management application is a </a:t>
+              <a:t>The Expense manager is a </a:t>
             </a:r>
             <a:r>
               <a:rPr lang="en-US" sz="1400" b="1" i="0" dirty="0">
@@ -10821,20 +11085,17 @@
                 <a:ea typeface="Calibri" panose="020F0502020204030204" pitchFamily="34" charset="0"/>
                 <a:cs typeface="Poppins SemiBold" panose="00000700000000000000" pitchFamily="2" charset="0"/>
               </a:rPr>
-              <a:t> tool that simplifies and enhances personal expense management. With its user-friendly interface and robust features, users can </a:t>
-            </a:r>
-            <a:r>
-              <a:rPr lang="en-US" sz="1400" b="1" i="0" dirty="0">
-                <a:solidFill>
-                  <a:srgbClr val="FF0000"/>
-                </a:solidFill>
-                <a:effectLst/>
-                <a:latin typeface="Poppins SemiBold" panose="00000700000000000000" pitchFamily="2" charset="0"/>
-                <a:ea typeface="Calibri" panose="020F0502020204030204" pitchFamily="34" charset="0"/>
-                <a:cs typeface="Poppins SemiBold" panose="00000700000000000000" pitchFamily="2" charset="0"/>
-              </a:rPr>
-              <a:t>effortlessly track, categorize, and control their expenses</a:t>
-            </a:r>
+              <a:t> tool that simplifies and enhances personal expense management.</a:t>
+            </a:r>
+          </a:p>
+          <a:p>
+            <a:pPr marL="285750" indent="-285750" algn="just">
+              <a:lnSpc>
+                <a:spcPct val="150000"/>
+              </a:lnSpc>
+              <a:buFont typeface="Arial" panose="020B0604020202020204" pitchFamily="34" charset="0"/>
+              <a:buChar char="•"/>
+            </a:pPr>
             <a:r>
               <a:rPr lang="en-US" sz="1400" b="0" i="0" dirty="0">
                 <a:effectLst/>
@@ -10842,18 +11103,38 @@
                 <a:ea typeface="Calibri" panose="020F0502020204030204" pitchFamily="34" charset="0"/>
                 <a:cs typeface="Poppins SemiBold" panose="00000700000000000000" pitchFamily="2" charset="0"/>
               </a:rPr>
+              <a:t>With its user-friendly interface and robust features, users can </a:t>
+            </a:r>
+            <a:r>
+              <a:rPr lang="en-US" sz="1400" b="1" i="0" dirty="0">
+                <a:solidFill>
+                  <a:srgbClr val="FF0000"/>
+                </a:solidFill>
+                <a:effectLst/>
+                <a:latin typeface="Poppins SemiBold" panose="00000700000000000000" pitchFamily="2" charset="0"/>
+                <a:ea typeface="Calibri" panose="020F0502020204030204" pitchFamily="34" charset="0"/>
+                <a:cs typeface="Poppins SemiBold" panose="00000700000000000000" pitchFamily="2" charset="0"/>
+              </a:rPr>
+              <a:t>effortlessly track, categorize, and control their expenses</a:t>
+            </a:r>
+            <a:r>
+              <a:rPr lang="en-US" sz="1400" b="0" i="0" dirty="0">
+                <a:effectLst/>
+                <a:latin typeface="Poppins SemiBold" panose="00000700000000000000" pitchFamily="2" charset="0"/>
+                <a:ea typeface="Calibri" panose="020F0502020204030204" pitchFamily="34" charset="0"/>
+                <a:cs typeface="Poppins SemiBold" panose="00000700000000000000" pitchFamily="2" charset="0"/>
+              </a:rPr>
               <a:t>, leading to better financial health and improved financial well-being.</a:t>
             </a:r>
           </a:p>
           <a:p>
-            <a:pPr algn="just"/>
-            <a:br>
-              <a:rPr lang="en-US" sz="1400" dirty="0">
-                <a:latin typeface="Poppins SemiBold" panose="00000700000000000000" pitchFamily="2" charset="0"/>
-                <a:ea typeface="Calibri" panose="020F0502020204030204" pitchFamily="34" charset="0"/>
-                <a:cs typeface="Poppins SemiBold" panose="00000700000000000000" pitchFamily="2" charset="0"/>
-              </a:rPr>
-            </a:br>
+            <a:pPr marL="285750" indent="-285750" algn="just">
+              <a:lnSpc>
+                <a:spcPct val="150000"/>
+              </a:lnSpc>
+              <a:buFont typeface="Arial" panose="020B0604020202020204" pitchFamily="34" charset="0"/>
+              <a:buChar char="•"/>
+            </a:pPr>
             <a:r>
               <a:rPr lang="en-US" sz="1400" b="0" i="0" dirty="0">
                 <a:effectLst/>
@@ -10861,7 +11142,7 @@
                 <a:ea typeface="Calibri" panose="020F0502020204030204" pitchFamily="34" charset="0"/>
                 <a:cs typeface="Poppins SemiBold" panose="00000700000000000000" pitchFamily="2" charset="0"/>
               </a:rPr>
-              <a:t>Through </a:t>
+              <a:t>With </a:t>
             </a:r>
             <a:r>
               <a:rPr lang="en-US" sz="1400" b="1" i="0" dirty="0">
@@ -10882,11 +11163,46 @@
                 <a:ea typeface="Calibri" panose="020F0502020204030204" pitchFamily="34" charset="0"/>
                 <a:cs typeface="Poppins SemiBold" panose="00000700000000000000" pitchFamily="2" charset="0"/>
               </a:rPr>
-              <a:t>, the application provides users with clear and concise summaries of their financial data. These analytics enable users to identify spending patterns, recognize areas for improvement, and make informed financial decisions.</a:t>
+              <a:t>, the application provides users with clear and concise summaries of their financial data.</a:t>
             </a:r>
           </a:p>
           <a:p>
-            <a:pPr algn="just"/>
+            <a:pPr marL="285750" indent="-285750" algn="just">
+              <a:lnSpc>
+                <a:spcPct val="150000"/>
+              </a:lnSpc>
+              <a:buFont typeface="Arial" panose="020B0604020202020204" pitchFamily="34" charset="0"/>
+              <a:buChar char="•"/>
+            </a:pPr>
+            <a:r>
+              <a:rPr lang="en-US" dirty="0">
+                <a:latin typeface="Poppins SemiBold" panose="00000700000000000000" pitchFamily="2" charset="0"/>
+                <a:ea typeface="Calibri" panose="020F0502020204030204" pitchFamily="34" charset="0"/>
+                <a:cs typeface="Poppins SemiBold" panose="00000700000000000000" pitchFamily="2" charset="0"/>
+              </a:rPr>
+              <a:t>It is a valuable tool for </a:t>
+            </a:r>
+            <a:r>
+              <a:rPr lang="en-US" sz="1400" b="0" i="0" dirty="0">
+                <a:effectLst/>
+                <a:latin typeface="Poppins SemiBold" panose="00000700000000000000" pitchFamily="2" charset="0"/>
+                <a:ea typeface="Calibri" panose="020F0502020204030204" pitchFamily="34" charset="0"/>
+                <a:cs typeface="Poppins SemiBold" panose="00000700000000000000" pitchFamily="2" charset="0"/>
+              </a:rPr>
+              <a:t>individuals seeking to </a:t>
+            </a:r>
+            <a:r>
+              <a:rPr lang="en-US" sz="1400" b="1" i="0" dirty="0">
+                <a:solidFill>
+                  <a:srgbClr val="FF0000"/>
+                </a:solidFill>
+                <a:effectLst/>
+                <a:latin typeface="Poppins SemiBold" panose="00000700000000000000" pitchFamily="2" charset="0"/>
+                <a:ea typeface="Calibri" panose="020F0502020204030204" pitchFamily="34" charset="0"/>
+                <a:cs typeface="Poppins SemiBold" panose="00000700000000000000" pitchFamily="2" charset="0"/>
+              </a:rPr>
+              <a:t>gain control over their finances, achieve their financial goals, and improve their overall financial well-being</a:t>
+            </a:r>
             <a:endParaRPr lang="en-US" sz="1400" b="0" i="0" dirty="0">
               <a:effectLst/>
               <a:latin typeface="Poppins SemiBold" panose="00000700000000000000" pitchFamily="2" charset="0"/>
@@ -10895,37 +11211,18 @@
             </a:endParaRPr>
           </a:p>
           <a:p>
-            <a:pPr algn="just"/>
-            <a:r>
-              <a:rPr lang="en-US" sz="1400" b="0" i="0" dirty="0">
-                <a:effectLst/>
+            <a:pPr algn="just">
+              <a:lnSpc>
+                <a:spcPct val="150000"/>
+              </a:lnSpc>
+            </a:pPr>
+            <a:br>
+              <a:rPr lang="en-US" sz="1400" dirty="0">
                 <a:latin typeface="Poppins SemiBold" panose="00000700000000000000" pitchFamily="2" charset="0"/>
                 <a:ea typeface="Calibri" panose="020F0502020204030204" pitchFamily="34" charset="0"/>
                 <a:cs typeface="Poppins SemiBold" panose="00000700000000000000" pitchFamily="2" charset="0"/>
               </a:rPr>
-              <a:t>Overall, the Expense Management application is a valuable tool for individuals seeking to </a:t>
-            </a:r>
-            <a:r>
-              <a:rPr lang="en-US" sz="1400" b="1" i="0" dirty="0">
-                <a:solidFill>
-                  <a:srgbClr val="FF0000"/>
-                </a:solidFill>
-                <a:effectLst/>
-                <a:latin typeface="Poppins SemiBold" panose="00000700000000000000" pitchFamily="2" charset="0"/>
-                <a:ea typeface="Calibri" panose="020F0502020204030204" pitchFamily="34" charset="0"/>
-                <a:cs typeface="Poppins SemiBold" panose="00000700000000000000" pitchFamily="2" charset="0"/>
-              </a:rPr>
-              <a:t>gain control over their finances, achieve their financial goals, and improve their overall financial well-being</a:t>
-            </a:r>
-            <a:r>
-              <a:rPr lang="en-US" sz="1400" b="0" i="0" dirty="0">
-                <a:effectLst/>
-                <a:latin typeface="Poppins SemiBold" panose="00000700000000000000" pitchFamily="2" charset="0"/>
-                <a:ea typeface="Calibri" panose="020F0502020204030204" pitchFamily="34" charset="0"/>
-                <a:cs typeface="Poppins SemiBold" panose="00000700000000000000" pitchFamily="2" charset="0"/>
-              </a:rPr>
-              <a:t>. By simplifying expense management and providing useful features, the application empowers users to make smarter financial choices and navigate their financial journey with confidence.</a:t>
-            </a:r>
+            </a:br>
             <a:endParaRPr lang="en-IN" sz="1400" dirty="0">
               <a:latin typeface="Poppins SemiBold" panose="00000700000000000000" pitchFamily="2" charset="0"/>
               <a:ea typeface="Calibri" panose="020F0502020204030204" pitchFamily="34" charset="0"/>
@@ -10944,6 +11241,18 @@
   <p:clrMapOvr>
     <a:masterClrMapping/>
   </p:clrMapOvr>
+  <mc:AlternateContent xmlns:mc="http://schemas.openxmlformats.org/markup-compatibility/2006">
+    <mc:Choice xmlns:p14="http://schemas.microsoft.com/office/powerpoint/2010/main" Requires="p14">
+      <p:transition spd="slow" p14:dur="800">
+        <p14:flythrough dir="out"/>
+      </p:transition>
+    </mc:Choice>
+    <mc:Fallback>
+      <p:transition spd="slow">
+        <p:fade/>
+      </p:transition>
+    </mc:Fallback>
+  </mc:AlternateContent>
 </p:sld>
 </file>
 
@@ -11095,9 +11404,7 @@
             <a:r>
               <a:rPr lang="en-IN" sz="1600" dirty="0">
                 <a:solidFill>
-                  <a:schemeClr val="tx2">
-                    <a:lumMod val="75000"/>
-                  </a:schemeClr>
+                  <a:srgbClr val="FF0000"/>
                 </a:solidFill>
                 <a:latin typeface="Poppins SemiBold" panose="00000700000000000000" pitchFamily="2" charset="0"/>
                 <a:ea typeface="Calibri" panose="020F0502020204030204" pitchFamily="34" charset="0"/>
@@ -11260,6 +11567,18 @@
   <p:clrMapOvr>
     <a:masterClrMapping/>
   </p:clrMapOvr>
+  <mc:AlternateContent xmlns:mc="http://schemas.openxmlformats.org/markup-compatibility/2006">
+    <mc:Choice xmlns:p14="http://schemas.microsoft.com/office/powerpoint/2010/main" Requires="p14">
+      <p:transition spd="slow" p14:dur="800">
+        <p14:flythrough dir="out"/>
+      </p:transition>
+    </mc:Choice>
+    <mc:Fallback>
+      <p:transition spd="slow">
+        <p:fade/>
+      </p:transition>
+    </mc:Fallback>
+  </mc:AlternateContent>
 </p:sld>
 </file>
 
@@ -11674,6 +11993,18 @@
   <p:clrMapOvr>
     <a:masterClrMapping/>
   </p:clrMapOvr>
+  <mc:AlternateContent xmlns:mc="http://schemas.openxmlformats.org/markup-compatibility/2006">
+    <mc:Choice xmlns:p14="http://schemas.microsoft.com/office/powerpoint/2010/main" Requires="p14">
+      <p:transition spd="slow" p14:dur="800">
+        <p14:flythrough dir="out"/>
+      </p:transition>
+    </mc:Choice>
+    <mc:Fallback>
+      <p:transition spd="slow">
+        <p:fade/>
+      </p:transition>
+    </mc:Fallback>
+  </mc:AlternateContent>
 </p:sld>
 </file>
 
@@ -11723,8 +12054,8 @@
         </p:blipFill>
         <p:spPr bwMode="auto">
           <a:xfrm>
-            <a:off x="7927521" y="288381"/>
-            <a:ext cx="936261" cy="936261"/>
+            <a:off x="7062105" y="263888"/>
+            <a:ext cx="1834330" cy="1834334"/>
           </a:xfrm>
           <a:prstGeom prst="rect">
             <a:avLst/>
@@ -11800,7 +12131,7 @@
         </p:nvSpPr>
         <p:spPr>
           <a:xfrm>
-            <a:off x="720000" y="911590"/>
+            <a:off x="720000" y="919754"/>
             <a:ext cx="7272836" cy="3897175"/>
           </a:xfrm>
           <a:prstGeom prst="rect">
@@ -11813,379 +12144,322 @@
           </a:bodyPr>
           <a:lstStyle/>
           <a:p>
-            <a:pPr marL="0" marR="0" lvl="0" indent="0" algn="just" defTabSz="914400" rtl="0" eaLnBrk="1" fontAlgn="auto" latinLnBrk="0" hangingPunct="1">
-              <a:lnSpc>
-                <a:spcPct val="100000"/>
-              </a:lnSpc>
-              <a:spcBef>
-                <a:spcPts val="360"/>
-              </a:spcBef>
-              <a:spcAft>
-                <a:spcPts val="0"/>
-              </a:spcAft>
-              <a:buClrTx/>
-              <a:buSzTx/>
+            <a:pPr algn="l">
+              <a:lnSpc>
+                <a:spcPct val="150000"/>
+              </a:lnSpc>
               <a:buFont typeface="Arial" panose="020B0604020202020204" pitchFamily="34" charset="0"/>
-              <a:buNone/>
-              <a:tabLst/>
-              <a:defRPr/>
+              <a:buChar char="•"/>
             </a:pPr>
             <a:r>
-              <a:rPr kumimoji="0" lang="en-US" sz="1600" b="0" i="0" u="none" strike="noStrike" kern="1200" cap="none" spc="0" normalizeH="0" baseline="0" noProof="0" dirty="0">
-                <a:ln>
-                  <a:noFill/>
-                </a:ln>
-                <a:solidFill>
-                  <a:srgbClr val="000000"/>
-                </a:solidFill>
-                <a:effectLst/>
-                <a:uLnTx/>
-                <a:uFillTx/>
-                <a:latin typeface="Poppins SemiBold" panose="00000700000000000000" pitchFamily="2" charset="0"/>
-                <a:ea typeface="Calibri" panose="020F0502020204030204" pitchFamily="34" charset="0"/>
-                <a:cs typeface="Poppins SemiBold" panose="00000700000000000000" pitchFamily="2" charset="0"/>
-              </a:rPr>
-              <a:t>Managing personal expenses can be challenging in today's complex world. To address this, I introduce an </a:t>
-            </a:r>
-            <a:r>
-              <a:rPr kumimoji="0" lang="en-US" sz="1600" b="1" i="0" u="none" strike="noStrike" kern="1200" cap="none" spc="0" normalizeH="0" baseline="0" noProof="0" dirty="0">
-                <a:ln>
-                  <a:noFill/>
-                </a:ln>
+              <a:rPr lang="en-US" sz="1400" dirty="0">
+                <a:solidFill>
+                  <a:schemeClr val="tx1"/>
+                </a:solidFill>
+                <a:latin typeface="Poppins SemiBold" panose="00000700000000000000" pitchFamily="2" charset="0"/>
+                <a:cs typeface="Poppins SemiBold" panose="00000700000000000000" pitchFamily="2" charset="0"/>
+              </a:rPr>
+              <a:t>Expense Manager </a:t>
+            </a:r>
+            <a:r>
+              <a:rPr lang="en-US" sz="1400" dirty="0">
                 <a:solidFill>
                   <a:srgbClr val="FF0000"/>
                 </a:solidFill>
-                <a:effectLst/>
-                <a:uLnTx/>
-                <a:uFillTx/>
-                <a:latin typeface="Poppins SemiBold" panose="00000700000000000000" pitchFamily="2" charset="0"/>
-                <a:ea typeface="Calibri" panose="020F0502020204030204" pitchFamily="34" charset="0"/>
-                <a:cs typeface="Poppins SemiBold" panose="00000700000000000000" pitchFamily="2" charset="0"/>
-              </a:rPr>
-              <a:t>easy-to-use</a:t>
-            </a:r>
-            <a:r>
-              <a:rPr kumimoji="0" lang="en-US" sz="1600" b="0" i="0" u="none" strike="noStrike" kern="1200" cap="none" spc="0" normalizeH="0" baseline="0" noProof="0" dirty="0">
-                <a:ln>
-                  <a:noFill/>
-                </a:ln>
-                <a:solidFill>
-                  <a:srgbClr val="000000"/>
-                </a:solidFill>
-                <a:effectLst/>
-                <a:uLnTx/>
-                <a:uFillTx/>
-                <a:latin typeface="Poppins SemiBold" panose="00000700000000000000" pitchFamily="2" charset="0"/>
-                <a:ea typeface="Calibri" panose="020F0502020204030204" pitchFamily="34" charset="0"/>
-                <a:cs typeface="Poppins SemiBold" panose="00000700000000000000" pitchFamily="2" charset="0"/>
-              </a:rPr>
-              <a:t> Expense Manager application. This application helps users track and control their expenses </a:t>
-            </a:r>
-            <a:r>
-              <a:rPr kumimoji="0" lang="en-US" sz="1600" b="1" i="0" u="none" strike="noStrike" kern="1200" cap="none" spc="0" normalizeH="0" baseline="0" noProof="0" dirty="0">
-                <a:ln>
-                  <a:noFill/>
-                </a:ln>
-                <a:solidFill>
-                  <a:srgbClr val="FF0000"/>
-                </a:solidFill>
-                <a:effectLst/>
-                <a:uLnTx/>
-                <a:uFillTx/>
-                <a:latin typeface="Poppins SemiBold" panose="00000700000000000000" pitchFamily="2" charset="0"/>
-                <a:ea typeface="Calibri" panose="020F0502020204030204" pitchFamily="34" charset="0"/>
-                <a:cs typeface="Poppins SemiBold" panose="00000700000000000000" pitchFamily="2" charset="0"/>
-              </a:rPr>
-              <a:t>effectively</a:t>
-            </a:r>
-            <a:r>
-              <a:rPr kumimoji="0" lang="en-US" sz="1600" b="0" i="0" u="none" strike="noStrike" kern="1200" cap="none" spc="0" normalizeH="0" baseline="0" noProof="0" dirty="0">
-                <a:ln>
-                  <a:noFill/>
-                </a:ln>
-                <a:solidFill>
-                  <a:srgbClr val="000000"/>
-                </a:solidFill>
-                <a:effectLst/>
-                <a:uLnTx/>
-                <a:uFillTx/>
-                <a:latin typeface="Poppins SemiBold" panose="00000700000000000000" pitchFamily="2" charset="0"/>
-                <a:ea typeface="Calibri" panose="020F0502020204030204" pitchFamily="34" charset="0"/>
-                <a:cs typeface="Poppins SemiBold" panose="00000700000000000000" pitchFamily="2" charset="0"/>
-              </a:rPr>
-              <a:t>. This Expense Manager </a:t>
-            </a:r>
-            <a:r>
-              <a:rPr kumimoji="0" lang="en-US" sz="1600" b="1" i="0" u="none" strike="noStrike" kern="1200" cap="none" spc="0" normalizeH="0" baseline="0" noProof="0" dirty="0">
-                <a:ln>
-                  <a:noFill/>
-                </a:ln>
-                <a:solidFill>
-                  <a:srgbClr val="FF0000"/>
-                </a:solidFill>
-                <a:effectLst/>
-                <a:uLnTx/>
-                <a:uFillTx/>
-                <a:latin typeface="Poppins SemiBold" panose="00000700000000000000" pitchFamily="2" charset="0"/>
-                <a:ea typeface="Calibri" panose="020F0502020204030204" pitchFamily="34" charset="0"/>
-                <a:cs typeface="Poppins SemiBold" panose="00000700000000000000" pitchFamily="2" charset="0"/>
-              </a:rPr>
-              <a:t>simplifies</a:t>
-            </a:r>
-            <a:r>
-              <a:rPr kumimoji="0" lang="en-US" sz="1600" b="0" i="0" u="none" strike="noStrike" kern="1200" cap="none" spc="0" normalizeH="0" baseline="0" noProof="0" dirty="0">
-                <a:ln>
-                  <a:noFill/>
-                </a:ln>
-                <a:solidFill>
-                  <a:srgbClr val="000000"/>
-                </a:solidFill>
-                <a:effectLst/>
-                <a:uLnTx/>
-                <a:uFillTx/>
-                <a:latin typeface="Poppins SemiBold" panose="00000700000000000000" pitchFamily="2" charset="0"/>
-                <a:ea typeface="Calibri" panose="020F0502020204030204" pitchFamily="34" charset="0"/>
-                <a:cs typeface="Poppins SemiBold" panose="00000700000000000000" pitchFamily="2" charset="0"/>
-              </a:rPr>
-              <a:t> expense management with intuitive features. Users can effortlessly </a:t>
-            </a:r>
-            <a:r>
-              <a:rPr kumimoji="0" lang="en-US" sz="1600" b="1" i="0" u="none" strike="noStrike" kern="1200" cap="none" spc="0" normalizeH="0" baseline="0" noProof="0" dirty="0">
-                <a:ln>
-                  <a:noFill/>
-                </a:ln>
-                <a:solidFill>
-                  <a:srgbClr val="00B0F0"/>
-                </a:solidFill>
-                <a:effectLst/>
-                <a:uLnTx/>
-                <a:uFillTx/>
-                <a:latin typeface="Poppins SemiBold" panose="00000700000000000000" pitchFamily="2" charset="0"/>
-                <a:ea typeface="Calibri" panose="020F0502020204030204" pitchFamily="34" charset="0"/>
-                <a:cs typeface="Poppins SemiBold" panose="00000700000000000000" pitchFamily="2" charset="0"/>
-              </a:rPr>
-              <a:t>record expenses and monitor their financial health in real-time</a:t>
-            </a:r>
-            <a:r>
-              <a:rPr kumimoji="0" lang="en-US" sz="1600" b="0" i="0" u="none" strike="noStrike" kern="1200" cap="none" spc="0" normalizeH="0" baseline="0" noProof="0" dirty="0">
-                <a:ln>
-                  <a:noFill/>
-                </a:ln>
-                <a:solidFill>
-                  <a:srgbClr val="000000"/>
-                </a:solidFill>
-                <a:effectLst/>
-                <a:uLnTx/>
-                <a:uFillTx/>
-                <a:latin typeface="Poppins SemiBold" panose="00000700000000000000" pitchFamily="2" charset="0"/>
-                <a:ea typeface="Calibri" panose="020F0502020204030204" pitchFamily="34" charset="0"/>
-                <a:cs typeface="Poppins SemiBold" panose="00000700000000000000" pitchFamily="2" charset="0"/>
-              </a:rPr>
-              <a:t>. Expenses are </a:t>
-            </a:r>
-            <a:r>
-              <a:rPr kumimoji="0" lang="en-US" sz="1600" b="1" i="0" u="none" strike="noStrike" kern="1200" cap="none" spc="0" normalizeH="0" baseline="0" noProof="0" dirty="0">
-                <a:ln>
-                  <a:noFill/>
-                </a:ln>
-                <a:solidFill>
-                  <a:srgbClr val="FF0000"/>
-                </a:solidFill>
-                <a:effectLst/>
-                <a:uLnTx/>
-                <a:uFillTx/>
-                <a:latin typeface="Poppins SemiBold" panose="00000700000000000000" pitchFamily="2" charset="0"/>
-                <a:ea typeface="Calibri" panose="020F0502020204030204" pitchFamily="34" charset="0"/>
-                <a:cs typeface="Poppins SemiBold" panose="00000700000000000000" pitchFamily="2" charset="0"/>
-              </a:rPr>
-              <a:t>categorized</a:t>
-            </a:r>
-            <a:r>
-              <a:rPr kumimoji="0" lang="en-US" sz="1600" b="0" i="0" u="none" strike="noStrike" kern="1200" cap="none" spc="0" normalizeH="0" baseline="0" noProof="0" dirty="0">
-                <a:ln>
-                  <a:noFill/>
-                </a:ln>
-                <a:solidFill>
-                  <a:srgbClr val="000000"/>
-                </a:solidFill>
-                <a:effectLst/>
-                <a:uLnTx/>
-                <a:uFillTx/>
-                <a:latin typeface="Poppins SemiBold" panose="00000700000000000000" pitchFamily="2" charset="0"/>
-                <a:ea typeface="Calibri" panose="020F0502020204030204" pitchFamily="34" charset="0"/>
-                <a:cs typeface="Poppins SemiBold" panose="00000700000000000000" pitchFamily="2" charset="0"/>
-              </a:rPr>
-              <a:t> based on personal requirements, giving users insights into spending patterns and areas for improvement.</a:t>
+                <a:latin typeface="Poppins SemiBold" panose="00000700000000000000" pitchFamily="2" charset="0"/>
+                <a:cs typeface="Poppins SemiBold" panose="00000700000000000000" pitchFamily="2" charset="0"/>
+              </a:rPr>
+              <a:t>helps users track and control their expenses </a:t>
+            </a:r>
+            <a:r>
+              <a:rPr lang="en-US" sz="1400" dirty="0">
+                <a:solidFill>
+                  <a:schemeClr val="tx1"/>
+                </a:solidFill>
+                <a:latin typeface="Poppins SemiBold" panose="00000700000000000000" pitchFamily="2" charset="0"/>
+                <a:cs typeface="Poppins SemiBold" panose="00000700000000000000" pitchFamily="2" charset="0"/>
+              </a:rPr>
+              <a:t>effectively.</a:t>
             </a:r>
           </a:p>
           <a:p>
-            <a:pPr marL="0" marR="0" lvl="0" indent="0" algn="just" defTabSz="914400" rtl="0" eaLnBrk="1" fontAlgn="auto" latinLnBrk="0" hangingPunct="1">
-              <a:lnSpc>
-                <a:spcPct val="100000"/>
-              </a:lnSpc>
-              <a:spcBef>
-                <a:spcPts val="360"/>
-              </a:spcBef>
-              <a:spcAft>
-                <a:spcPts val="0"/>
-              </a:spcAft>
-              <a:buClrTx/>
-              <a:buSzTx/>
+            <a:pPr algn="l">
+              <a:lnSpc>
+                <a:spcPct val="150000"/>
+              </a:lnSpc>
               <a:buFont typeface="Arial" panose="020B0604020202020204" pitchFamily="34" charset="0"/>
-              <a:buNone/>
-              <a:tabLst/>
-              <a:defRPr/>
+              <a:buChar char="•"/>
             </a:pPr>
-            <a:endParaRPr kumimoji="0" lang="en-US" sz="1600" b="0" i="0" u="none" strike="noStrike" kern="1200" cap="none" spc="0" normalizeH="0" baseline="0" noProof="0" dirty="0">
-              <a:ln>
-                <a:noFill/>
-              </a:ln>
-              <a:solidFill>
-                <a:srgbClr val="000000"/>
-              </a:solidFill>
-              <a:effectLst/>
-              <a:uLnTx/>
-              <a:uFillTx/>
-              <a:latin typeface="Poppins SemiBold" panose="00000700000000000000" pitchFamily="2" charset="0"/>
-              <a:ea typeface="Calibri" panose="020F0502020204030204" pitchFamily="34" charset="0"/>
-              <a:cs typeface="Poppins SemiBold" panose="00000700000000000000" pitchFamily="2" charset="0"/>
-            </a:endParaRPr>
+            <a:r>
+              <a:rPr lang="en-US" sz="1400" b="0" i="0" dirty="0">
+                <a:solidFill>
+                  <a:schemeClr val="tx1"/>
+                </a:solidFill>
+                <a:effectLst/>
+                <a:latin typeface="Poppins SemiBold" panose="00000700000000000000" pitchFamily="2" charset="0"/>
+                <a:cs typeface="Poppins SemiBold" panose="00000700000000000000" pitchFamily="2" charset="0"/>
+              </a:rPr>
+              <a:t>Expense Manager </a:t>
+            </a:r>
+            <a:r>
+              <a:rPr lang="en-US" sz="1400" b="0" i="0" dirty="0">
+                <a:solidFill>
+                  <a:srgbClr val="FF0000"/>
+                </a:solidFill>
+                <a:effectLst/>
+                <a:latin typeface="Poppins SemiBold" panose="00000700000000000000" pitchFamily="2" charset="0"/>
+                <a:cs typeface="Poppins SemiBold" panose="00000700000000000000" pitchFamily="2" charset="0"/>
+              </a:rPr>
+              <a:t>simplifies expense management</a:t>
+            </a:r>
+            <a:r>
+              <a:rPr lang="en-US" sz="1400" b="0" i="0" dirty="0">
+                <a:solidFill>
+                  <a:schemeClr val="tx1"/>
+                </a:solidFill>
+                <a:effectLst/>
+                <a:latin typeface="Poppins SemiBold" panose="00000700000000000000" pitchFamily="2" charset="0"/>
+                <a:cs typeface="Poppins SemiBold" panose="00000700000000000000" pitchFamily="2" charset="0"/>
+              </a:rPr>
+              <a:t> with intuitive features</a:t>
+            </a:r>
+            <a:r>
+              <a:rPr lang="en-US" sz="1400" dirty="0">
+                <a:solidFill>
+                  <a:schemeClr val="tx1"/>
+                </a:solidFill>
+                <a:latin typeface="Poppins SemiBold" panose="00000700000000000000" pitchFamily="2" charset="0"/>
+                <a:cs typeface="Poppins SemiBold" panose="00000700000000000000" pitchFamily="2" charset="0"/>
+              </a:rPr>
+              <a:t>.</a:t>
+            </a:r>
           </a:p>
           <a:p>
-            <a:pPr marL="0" marR="0" lvl="0" indent="0" algn="just" defTabSz="914400" rtl="0" eaLnBrk="1" fontAlgn="auto" latinLnBrk="0" hangingPunct="1">
-              <a:lnSpc>
-                <a:spcPct val="100000"/>
-              </a:lnSpc>
-              <a:spcBef>
-                <a:spcPts val="360"/>
-              </a:spcBef>
-              <a:spcAft>
-                <a:spcPts val="0"/>
-              </a:spcAft>
-              <a:buClrTx/>
-              <a:buSzTx/>
+            <a:pPr algn="l">
+              <a:lnSpc>
+                <a:spcPct val="150000"/>
+              </a:lnSpc>
               <a:buFont typeface="Arial" panose="020B0604020202020204" pitchFamily="34" charset="0"/>
-              <a:buNone/>
-              <a:tabLst/>
-              <a:defRPr/>
+              <a:buChar char="•"/>
             </a:pPr>
             <a:r>
-              <a:rPr kumimoji="0" lang="en-US" sz="1600" b="0" i="0" u="none" strike="noStrike" kern="1200" cap="none" spc="0" normalizeH="0" baseline="0" noProof="0" dirty="0">
-                <a:ln>
-                  <a:noFill/>
-                </a:ln>
-                <a:solidFill>
-                  <a:srgbClr val="000000"/>
+              <a:rPr lang="en-US" sz="1400" b="0" i="0" dirty="0">
+                <a:solidFill>
+                  <a:schemeClr val="tx1"/>
                 </a:solidFill>
                 <a:effectLst/>
-                <a:uLnTx/>
-                <a:uFillTx/>
-                <a:latin typeface="Poppins SemiBold" panose="00000700000000000000" pitchFamily="2" charset="0"/>
-                <a:ea typeface="Calibri" panose="020F0502020204030204" pitchFamily="34" charset="0"/>
-                <a:cs typeface="Poppins SemiBold" panose="00000700000000000000" pitchFamily="2" charset="0"/>
-              </a:rPr>
-              <a:t>The Expense Manager provides </a:t>
-            </a:r>
-            <a:r>
-              <a:rPr kumimoji="0" lang="en-US" sz="1600" b="1" i="0" u="none" strike="noStrike" kern="1200" cap="none" spc="0" normalizeH="0" baseline="0" noProof="0" dirty="0">
-                <a:ln>
-                  <a:noFill/>
-                </a:ln>
+                <a:latin typeface="Poppins SemiBold" panose="00000700000000000000" pitchFamily="2" charset="0"/>
+                <a:cs typeface="Poppins SemiBold" panose="00000700000000000000" pitchFamily="2" charset="0"/>
+              </a:rPr>
+              <a:t>Users can </a:t>
+            </a:r>
+            <a:r>
+              <a:rPr lang="en-US" sz="1400" b="0" i="0" dirty="0">
                 <a:solidFill>
                   <a:srgbClr val="FF0000"/>
                 </a:solidFill>
                 <a:effectLst/>
-                <a:uLnTx/>
-                <a:uFillTx/>
-                <a:latin typeface="Poppins SemiBold" panose="00000700000000000000" pitchFamily="2" charset="0"/>
-                <a:ea typeface="Calibri" panose="020F0502020204030204" pitchFamily="34" charset="0"/>
-                <a:cs typeface="Poppins SemiBold" panose="00000700000000000000" pitchFamily="2" charset="0"/>
-              </a:rPr>
-              <a:t>visualizations and reports</a:t>
-            </a:r>
-            <a:r>
-              <a:rPr kumimoji="0" lang="en-US" sz="1600" b="0" i="0" u="none" strike="noStrike" kern="1200" cap="none" spc="0" normalizeH="0" baseline="0" noProof="0" dirty="0">
-                <a:ln>
-                  <a:noFill/>
-                </a:ln>
-                <a:solidFill>
-                  <a:srgbClr val="000000"/>
+                <a:latin typeface="Poppins SemiBold" panose="00000700000000000000" pitchFamily="2" charset="0"/>
+                <a:cs typeface="Poppins SemiBold" panose="00000700000000000000" pitchFamily="2" charset="0"/>
+              </a:rPr>
+              <a:t>effortlessly record expenses </a:t>
+            </a:r>
+            <a:r>
+              <a:rPr lang="en-US" sz="1400" b="0" i="0" dirty="0">
+                <a:solidFill>
+                  <a:schemeClr val="tx1"/>
                 </a:solidFill>
                 <a:effectLst/>
-                <a:uLnTx/>
-                <a:uFillTx/>
-                <a:latin typeface="Poppins SemiBold" panose="00000700000000000000" pitchFamily="2" charset="0"/>
-                <a:ea typeface="Calibri" panose="020F0502020204030204" pitchFamily="34" charset="0"/>
-                <a:cs typeface="Poppins SemiBold" panose="00000700000000000000" pitchFamily="2" charset="0"/>
-              </a:rPr>
-              <a:t>, summarizing financial data for easy analysis. In summary, our Expense Manager application is a </a:t>
-            </a:r>
-            <a:r>
-              <a:rPr kumimoji="0" lang="en-US" sz="1600" b="1" i="0" u="none" strike="noStrike" kern="1200" cap="none" spc="0" normalizeH="0" baseline="0" noProof="0" dirty="0">
-                <a:ln>
-                  <a:noFill/>
-                </a:ln>
+                <a:latin typeface="Poppins SemiBold" panose="00000700000000000000" pitchFamily="2" charset="0"/>
+                <a:cs typeface="Poppins SemiBold" panose="00000700000000000000" pitchFamily="2" charset="0"/>
+              </a:rPr>
+              <a:t>and </a:t>
+            </a:r>
+            <a:r>
+              <a:rPr lang="en-US" sz="1400" b="0" i="0" dirty="0">
                 <a:solidFill>
                   <a:srgbClr val="FF0000"/>
                 </a:solidFill>
                 <a:effectLst/>
-                <a:uLnTx/>
-                <a:uFillTx/>
-                <a:latin typeface="Poppins SemiBold" panose="00000700000000000000" pitchFamily="2" charset="0"/>
-                <a:ea typeface="Calibri" panose="020F0502020204030204" pitchFamily="34" charset="0"/>
-                <a:cs typeface="Poppins SemiBold" panose="00000700000000000000" pitchFamily="2" charset="0"/>
-              </a:rPr>
-              <a:t>user-friendly</a:t>
-            </a:r>
-            <a:r>
-              <a:rPr kumimoji="0" lang="en-US" sz="1600" b="0" i="0" u="none" strike="noStrike" kern="1200" cap="none" spc="0" normalizeH="0" baseline="0" noProof="0" dirty="0">
-                <a:ln>
-                  <a:noFill/>
-                </a:ln>
-                <a:solidFill>
-                  <a:srgbClr val="000000"/>
+                <a:latin typeface="Poppins SemiBold" panose="00000700000000000000" pitchFamily="2" charset="0"/>
+                <a:cs typeface="Poppins SemiBold" panose="00000700000000000000" pitchFamily="2" charset="0"/>
+              </a:rPr>
+              <a:t>monitor their financial health </a:t>
+            </a:r>
+            <a:r>
+              <a:rPr lang="en-US" sz="1400" b="0" i="0" dirty="0">
+                <a:solidFill>
+                  <a:schemeClr val="tx1"/>
                 </a:solidFill>
                 <a:effectLst/>
-                <a:uLnTx/>
-                <a:uFillTx/>
-                <a:latin typeface="Poppins SemiBold" panose="00000700000000000000" pitchFamily="2" charset="0"/>
-                <a:ea typeface="Calibri" panose="020F0502020204030204" pitchFamily="34" charset="0"/>
-                <a:cs typeface="Poppins SemiBold" panose="00000700000000000000" pitchFamily="2" charset="0"/>
-              </a:rPr>
-              <a:t> tool that simplifies personal expense management. With budgeting features, and clear analytics, users can take control of their finances, achieve their goals, and improve their financial well-being.</a:t>
-            </a:r>
-            <a:endParaRPr kumimoji="0" lang="en-IN" sz="1600" b="0" i="0" u="none" strike="noStrike" kern="1200" cap="none" spc="0" normalizeH="0" baseline="0" noProof="0" dirty="0">
-              <a:ln>
-                <a:noFill/>
-              </a:ln>
-              <a:solidFill>
-                <a:srgbClr val="000000"/>
-              </a:solidFill>
-              <a:effectLst/>
-              <a:uLnTx/>
-              <a:uFillTx/>
-              <a:latin typeface="Poppins SemiBold" panose="00000700000000000000" pitchFamily="2" charset="0"/>
-              <a:ea typeface="Calibri" panose="020F0502020204030204" pitchFamily="34" charset="0"/>
-              <a:cs typeface="Poppins SemiBold" panose="00000700000000000000" pitchFamily="2" charset="0"/>
-            </a:endParaRPr>
+                <a:latin typeface="Poppins SemiBold" panose="00000700000000000000" pitchFamily="2" charset="0"/>
+                <a:cs typeface="Poppins SemiBold" panose="00000700000000000000" pitchFamily="2" charset="0"/>
+              </a:rPr>
+              <a:t>in real-time.</a:t>
+            </a:r>
           </a:p>
           <a:p>
-            <a:endParaRPr lang="en-US" sz="1600" dirty="0">
+            <a:pPr algn="l">
+              <a:lnSpc>
+                <a:spcPct val="150000"/>
+              </a:lnSpc>
+              <a:buFont typeface="Arial" panose="020B0604020202020204" pitchFamily="34" charset="0"/>
+              <a:buChar char="•"/>
+            </a:pPr>
+            <a:r>
+              <a:rPr lang="en-US" sz="1400" b="0" i="0" dirty="0">
+                <a:solidFill>
+                  <a:schemeClr val="tx1"/>
+                </a:solidFill>
+                <a:effectLst/>
+                <a:latin typeface="Poppins SemiBold" panose="00000700000000000000" pitchFamily="2" charset="0"/>
+                <a:cs typeface="Poppins SemiBold" panose="00000700000000000000" pitchFamily="2" charset="0"/>
+              </a:rPr>
+              <a:t>Expenses are </a:t>
+            </a:r>
+            <a:r>
+              <a:rPr lang="en-US" sz="1400" b="0" i="0" dirty="0">
+                <a:solidFill>
+                  <a:srgbClr val="FF0000"/>
+                </a:solidFill>
+                <a:effectLst/>
+                <a:latin typeface="Poppins SemiBold" panose="00000700000000000000" pitchFamily="2" charset="0"/>
+                <a:cs typeface="Poppins SemiBold" panose="00000700000000000000" pitchFamily="2" charset="0"/>
+              </a:rPr>
+              <a:t>categorized</a:t>
+            </a:r>
+            <a:r>
+              <a:rPr lang="en-US" sz="1400" b="0" i="0" dirty="0">
+                <a:solidFill>
+                  <a:schemeClr val="tx1"/>
+                </a:solidFill>
+                <a:effectLst/>
+                <a:latin typeface="Poppins SemiBold" panose="00000700000000000000" pitchFamily="2" charset="0"/>
+                <a:cs typeface="Poppins SemiBold" panose="00000700000000000000" pitchFamily="2" charset="0"/>
+              </a:rPr>
+              <a:t> based on personal requirements, giving users insights into spending patterns and areas for improvement.</a:t>
+            </a:r>
+            <a:endParaRPr lang="en-US" sz="1400" dirty="0">
+              <a:solidFill>
+                <a:schemeClr val="tx1"/>
+              </a:solidFill>
               <a:latin typeface="Poppins SemiBold" panose="00000700000000000000" pitchFamily="2" charset="0"/>
               <a:cs typeface="Poppins SemiBold" panose="00000700000000000000" pitchFamily="2" charset="0"/>
             </a:endParaRPr>
           </a:p>
           <a:p>
-            <a:pPr marL="0" lvl="0" indent="0" algn="l" rtl="0">
-              <a:spcBef>
-                <a:spcPts val="0"/>
-              </a:spcBef>
-              <a:spcAft>
-                <a:spcPts val="0"/>
-              </a:spcAft>
-              <a:buNone/>
+            <a:pPr algn="l">
+              <a:lnSpc>
+                <a:spcPct val="150000"/>
+              </a:lnSpc>
+              <a:buFont typeface="Arial" panose="020B0604020202020204" pitchFamily="34" charset="0"/>
+              <a:buChar char="•"/>
             </a:pPr>
-            <a:endParaRPr sz="1600" dirty="0">
+            <a:r>
+              <a:rPr lang="en-US" sz="1400" b="0" i="0" dirty="0">
+                <a:solidFill>
+                  <a:schemeClr val="tx1"/>
+                </a:solidFill>
+                <a:effectLst/>
+                <a:latin typeface="Poppins SemiBold" panose="00000700000000000000" pitchFamily="2" charset="0"/>
+                <a:cs typeface="Poppins SemiBold" panose="00000700000000000000" pitchFamily="2" charset="0"/>
+              </a:rPr>
+              <a:t>Expense Manager </a:t>
+            </a:r>
+            <a:r>
+              <a:rPr lang="en-US" sz="1400" b="0" i="0" dirty="0">
+                <a:solidFill>
+                  <a:srgbClr val="FF0000"/>
+                </a:solidFill>
+                <a:effectLst/>
+                <a:latin typeface="Poppins SemiBold" panose="00000700000000000000" pitchFamily="2" charset="0"/>
+                <a:cs typeface="Poppins SemiBold" panose="00000700000000000000" pitchFamily="2" charset="0"/>
+              </a:rPr>
+              <a:t>provides visualizations and reports</a:t>
+            </a:r>
+            <a:r>
+              <a:rPr lang="en-US" sz="1400" b="0" i="0" dirty="0">
+                <a:solidFill>
+                  <a:schemeClr val="tx1"/>
+                </a:solidFill>
+                <a:effectLst/>
+                <a:latin typeface="Poppins SemiBold" panose="00000700000000000000" pitchFamily="2" charset="0"/>
+                <a:cs typeface="Poppins SemiBold" panose="00000700000000000000" pitchFamily="2" charset="0"/>
+              </a:rPr>
+              <a:t>, summarizing financial data for easy analysis.</a:t>
+            </a:r>
+          </a:p>
+          <a:p>
+            <a:pPr algn="l">
+              <a:lnSpc>
+                <a:spcPct val="150000"/>
+              </a:lnSpc>
+              <a:buFont typeface="Arial" panose="020B0604020202020204" pitchFamily="34" charset="0"/>
+              <a:buChar char="•"/>
+            </a:pPr>
+            <a:r>
+              <a:rPr lang="en-US" sz="1400" b="0" i="0" dirty="0">
+                <a:solidFill>
+                  <a:schemeClr val="tx1"/>
+                </a:solidFill>
+                <a:effectLst/>
+                <a:latin typeface="Poppins SemiBold" panose="00000700000000000000" pitchFamily="2" charset="0"/>
+                <a:cs typeface="Poppins SemiBold" panose="00000700000000000000" pitchFamily="2" charset="0"/>
+              </a:rPr>
+              <a:t>Expense Manager</a:t>
+            </a:r>
+            <a:r>
+              <a:rPr lang="en-US" sz="1400" dirty="0">
+                <a:solidFill>
+                  <a:schemeClr val="tx1"/>
+                </a:solidFill>
+                <a:latin typeface="Poppins SemiBold" panose="00000700000000000000" pitchFamily="2" charset="0"/>
+                <a:cs typeface="Poppins SemiBold" panose="00000700000000000000" pitchFamily="2" charset="0"/>
+              </a:rPr>
+              <a:t> is </a:t>
+            </a:r>
+            <a:r>
+              <a:rPr lang="en-US" sz="1400" dirty="0">
+                <a:solidFill>
+                  <a:srgbClr val="FF0000"/>
+                </a:solidFill>
+                <a:latin typeface="Poppins SemiBold" panose="00000700000000000000" pitchFamily="2" charset="0"/>
+                <a:cs typeface="Poppins SemiBold" panose="00000700000000000000" pitchFamily="2" charset="0"/>
+              </a:rPr>
+              <a:t>user friendly</a:t>
+            </a:r>
+            <a:r>
+              <a:rPr lang="en-US" sz="1400" dirty="0">
+                <a:solidFill>
+                  <a:schemeClr val="tx1"/>
+                </a:solidFill>
+                <a:latin typeface="Poppins SemiBold" panose="00000700000000000000" pitchFamily="2" charset="0"/>
+                <a:cs typeface="Poppins SemiBold" panose="00000700000000000000" pitchFamily="2" charset="0"/>
+              </a:rPr>
+              <a:t>.</a:t>
+            </a:r>
+          </a:p>
+          <a:p>
+            <a:pPr marL="127000" indent="0" algn="l"/>
+            <a:endParaRPr lang="en-US" sz="1400" b="0" i="0" dirty="0">
+              <a:solidFill>
+                <a:schemeClr val="tx1"/>
+              </a:solidFill>
+              <a:effectLst/>
+              <a:latin typeface="Poppins SemiBold" panose="00000700000000000000" pitchFamily="2" charset="0"/>
+              <a:cs typeface="Poppins SemiBold" panose="00000700000000000000" pitchFamily="2" charset="0"/>
+            </a:endParaRPr>
+          </a:p>
+          <a:p>
+            <a:pPr algn="l">
+              <a:buFont typeface="Arial" panose="020B0604020202020204" pitchFamily="34" charset="0"/>
+              <a:buChar char="•"/>
+            </a:pPr>
+            <a:endParaRPr lang="en-US" sz="1400" b="0" i="0" dirty="0">
+              <a:solidFill>
+                <a:schemeClr val="tx1"/>
+              </a:solidFill>
+              <a:effectLst/>
               <a:latin typeface="Poppins SemiBold" panose="00000700000000000000" pitchFamily="2" charset="0"/>
               <a:cs typeface="Poppins SemiBold" panose="00000700000000000000" pitchFamily="2" charset="0"/>
             </a:endParaRPr>
@@ -12197,6 +12471,18 @@
   <p:clrMapOvr>
     <a:masterClrMapping/>
   </p:clrMapOvr>
+  <mc:AlternateContent xmlns:mc="http://schemas.openxmlformats.org/markup-compatibility/2006">
+    <mc:Choice xmlns:p14="http://schemas.microsoft.com/office/powerpoint/2010/main" Requires="p14">
+      <p:transition spd="slow" p14:dur="800">
+        <p14:flythrough dir="out"/>
+      </p:transition>
+    </mc:Choice>
+    <mc:Fallback>
+      <p:transition spd="slow">
+        <p:fade/>
+      </p:transition>
+    </mc:Fallback>
+  </mc:AlternateContent>
 </p:sld>
 </file>
 
@@ -12278,7 +12564,7 @@
         <p:spPr>
           <a:xfrm>
             <a:off x="582597" y="1126672"/>
-            <a:ext cx="7532703" cy="3303468"/>
+            <a:ext cx="7532703" cy="3380669"/>
           </a:xfrm>
           <a:prstGeom prst="rect">
             <a:avLst/>
@@ -12293,7 +12579,7 @@
           <a:p>
             <a:pPr marL="0" marR="0" lvl="0" indent="0" defTabSz="914400" rtl="0" eaLnBrk="1" fontAlgn="auto" latinLnBrk="0" hangingPunct="1">
               <a:lnSpc>
-                <a:spcPct val="100000"/>
+                <a:spcPct val="150000"/>
               </a:lnSpc>
               <a:spcBef>
                 <a:spcPts val="360"/>
@@ -12314,7 +12600,7 @@
                   <a:noFill/>
                 </a:ln>
                 <a:solidFill>
-                  <a:srgbClr val="000000"/>
+                  <a:schemeClr val="tx1"/>
                 </a:solidFill>
                 <a:effectLst/>
                 <a:uLnTx/>
@@ -12331,9 +12617,7 @@
                   <a:noFill/>
                 </a:ln>
                 <a:solidFill>
-                  <a:schemeClr val="tx2">
-                    <a:lumMod val="50000"/>
-                  </a:schemeClr>
+                  <a:schemeClr val="tx1"/>
                 </a:solidFill>
                 <a:effectLst/>
                 <a:uLnTx/>
@@ -12344,13 +12628,46 @@
               </a:rPr>
               <a:t>Record and categorize expenses</a:t>
             </a:r>
+            <a:endParaRPr kumimoji="0" lang="en-US" sz="1400" b="0" i="0" u="none" strike="noStrike" kern="1200" cap="none" spc="0" normalizeH="0" baseline="0" noProof="0" dirty="0">
+              <a:ln>
+                <a:noFill/>
+              </a:ln>
+              <a:solidFill>
+                <a:schemeClr val="tx1"/>
+              </a:solidFill>
+              <a:effectLst/>
+              <a:uLnTx/>
+              <a:uFillTx/>
+              <a:latin typeface="Poppins SemiBold" panose="00000700000000000000" pitchFamily="2" charset="0"/>
+              <a:ea typeface="Calibri" panose="020F0502020204030204" pitchFamily="34" charset="0"/>
+              <a:cs typeface="Poppins SemiBold" panose="00000700000000000000" pitchFamily="2" charset="0"/>
+            </a:endParaRPr>
+          </a:p>
+          <a:p>
+            <a:pPr marL="0" marR="0" lvl="0" indent="0" defTabSz="914400" rtl="0" eaLnBrk="1" fontAlgn="auto" latinLnBrk="0" hangingPunct="1">
+              <a:lnSpc>
+                <a:spcPct val="150000"/>
+              </a:lnSpc>
+              <a:spcBef>
+                <a:spcPts val="360"/>
+              </a:spcBef>
+              <a:spcAft>
+                <a:spcPts val="0"/>
+              </a:spcAft>
+              <a:buClrTx/>
+              <a:buSzTx/>
+              <a:buFont typeface="Arial" panose="020B0604020202020204" pitchFamily="34" charset="0"/>
+              <a:buNone/>
+              <a:tabLst/>
+              <a:defRPr/>
+            </a:pPr>
             <a:r>
               <a:rPr kumimoji="0" lang="en-US" sz="1400" b="0" i="0" u="none" strike="noStrike" kern="1200" cap="none" spc="0" normalizeH="0" baseline="0" noProof="0" dirty="0">
                 <a:ln>
                   <a:noFill/>
                 </a:ln>
                 <a:solidFill>
-                  <a:srgbClr val="000000"/>
+                  <a:schemeClr val="tx1"/>
                 </a:solidFill>
                 <a:effectLst/>
                 <a:uLnTx/>
@@ -12359,13 +12676,44 @@
                 <a:ea typeface="Calibri" panose="020F0502020204030204" pitchFamily="34" charset="0"/>
                 <a:cs typeface="Poppins SemiBold" panose="00000700000000000000" pitchFamily="2" charset="0"/>
               </a:rPr>
-              <a:t>: provides users to add, edit and delete expenses  and incomes based on category</a:t>
-            </a:r>
+              <a:t>2. </a:t>
+            </a:r>
+            <a:r>
+              <a:rPr kumimoji="0" lang="en-US" sz="1400" b="1" i="0" u="none" strike="noStrike" kern="1200" cap="none" spc="0" normalizeH="0" baseline="0" noProof="0" dirty="0">
+                <a:ln>
+                  <a:noFill/>
+                </a:ln>
+                <a:solidFill>
+                  <a:schemeClr val="tx1"/>
+                </a:solidFill>
+                <a:effectLst/>
+                <a:uLnTx/>
+                <a:uFillTx/>
+                <a:latin typeface="Poppins SemiBold" panose="00000700000000000000" pitchFamily="2" charset="0"/>
+                <a:ea typeface="Calibri" panose="020F0502020204030204" pitchFamily="34" charset="0"/>
+                <a:cs typeface="Poppins SemiBold" panose="00000700000000000000" pitchFamily="2" charset="0"/>
+              </a:rPr>
+              <a:t>Budget Tracking</a:t>
+            </a:r>
+            <a:endParaRPr kumimoji="0" lang="en-US" sz="1400" b="0" i="0" u="none" strike="noStrike" kern="1200" cap="none" spc="0" normalizeH="0" baseline="0" noProof="0" dirty="0">
+              <a:ln>
+                <a:noFill/>
+              </a:ln>
+              <a:solidFill>
+                <a:schemeClr val="tx1"/>
+              </a:solidFill>
+              <a:effectLst/>
+              <a:uLnTx/>
+              <a:uFillTx/>
+              <a:latin typeface="Poppins SemiBold" panose="00000700000000000000" pitchFamily="2" charset="0"/>
+              <a:ea typeface="Calibri" panose="020F0502020204030204" pitchFamily="34" charset="0"/>
+              <a:cs typeface="Poppins SemiBold" panose="00000700000000000000" pitchFamily="2" charset="0"/>
+            </a:endParaRPr>
           </a:p>
           <a:p>
             <a:pPr marL="0" marR="0" lvl="0" indent="0" defTabSz="914400" rtl="0" eaLnBrk="1" fontAlgn="auto" latinLnBrk="0" hangingPunct="1">
               <a:lnSpc>
-                <a:spcPct val="100000"/>
+                <a:spcPct val="150000"/>
               </a:lnSpc>
               <a:spcBef>
                 <a:spcPts val="360"/>
@@ -12386,7 +12734,7 @@
                   <a:noFill/>
                 </a:ln>
                 <a:solidFill>
-                  <a:srgbClr val="000000"/>
+                  <a:schemeClr val="tx1"/>
                 </a:solidFill>
                 <a:effectLst/>
                 <a:uLnTx/>
@@ -12395,7 +12743,7 @@
                 <a:ea typeface="Calibri" panose="020F0502020204030204" pitchFamily="34" charset="0"/>
                 <a:cs typeface="Poppins SemiBold" panose="00000700000000000000" pitchFamily="2" charset="0"/>
               </a:rPr>
-              <a:t>2. </a:t>
+              <a:t>3. </a:t>
             </a:r>
             <a:r>
               <a:rPr kumimoji="0" lang="en-US" sz="1400" b="1" i="0" u="none" strike="noStrike" kern="1200" cap="none" spc="0" normalizeH="0" baseline="0" noProof="0" dirty="0">
@@ -12403,9 +12751,7 @@
                   <a:noFill/>
                 </a:ln>
                 <a:solidFill>
-                  <a:schemeClr val="tx2">
-                    <a:lumMod val="50000"/>
-                  </a:schemeClr>
+                  <a:schemeClr val="tx1"/>
                 </a:solidFill>
                 <a:effectLst/>
                 <a:uLnTx/>
@@ -12414,15 +12760,34 @@
                 <a:ea typeface="Calibri" panose="020F0502020204030204" pitchFamily="34" charset="0"/>
                 <a:cs typeface="Poppins SemiBold" panose="00000700000000000000" pitchFamily="2" charset="0"/>
               </a:rPr>
-              <a:t>Budget Tracking</a:t>
-            </a:r>
+              <a:t>Calendar view</a:t>
+            </a:r>
+          </a:p>
+          <a:p>
+            <a:pPr marL="0" marR="0" lvl="0" indent="0" defTabSz="914400" rtl="0" eaLnBrk="1" fontAlgn="auto" latinLnBrk="0" hangingPunct="1">
+              <a:lnSpc>
+                <a:spcPct val="150000"/>
+              </a:lnSpc>
+              <a:spcBef>
+                <a:spcPts val="360"/>
+              </a:spcBef>
+              <a:spcAft>
+                <a:spcPts val="0"/>
+              </a:spcAft>
+              <a:buClrTx/>
+              <a:buSzTx/>
+              <a:buFont typeface="Arial" panose="020B0604020202020204" pitchFamily="34" charset="0"/>
+              <a:buNone/>
+              <a:tabLst/>
+              <a:defRPr/>
+            </a:pPr>
             <a:r>
               <a:rPr kumimoji="0" lang="en-US" sz="1400" b="0" i="0" u="none" strike="noStrike" kern="1200" cap="none" spc="0" normalizeH="0" baseline="0" noProof="0" dirty="0">
                 <a:ln>
                   <a:noFill/>
                 </a:ln>
                 <a:solidFill>
-                  <a:srgbClr val="000000"/>
+                  <a:schemeClr val="tx1"/>
                 </a:solidFill>
                 <a:effectLst/>
                 <a:uLnTx/>
@@ -12431,13 +12796,44 @@
                 <a:ea typeface="Calibri" panose="020F0502020204030204" pitchFamily="34" charset="0"/>
                 <a:cs typeface="Poppins SemiBold" panose="00000700000000000000" pitchFamily="2" charset="0"/>
               </a:rPr>
-              <a:t>: Option to view budgets spend for different categories.</a:t>
-            </a:r>
+              <a:t>4. </a:t>
+            </a:r>
+            <a:r>
+              <a:rPr kumimoji="0" lang="en-US" sz="1400" b="1" i="0" u="none" strike="noStrike" kern="1200" cap="none" spc="0" normalizeH="0" baseline="0" noProof="0" dirty="0">
+                <a:ln>
+                  <a:noFill/>
+                </a:ln>
+                <a:solidFill>
+                  <a:schemeClr val="tx1"/>
+                </a:solidFill>
+                <a:effectLst/>
+                <a:uLnTx/>
+                <a:uFillTx/>
+                <a:latin typeface="Poppins SemiBold" panose="00000700000000000000" pitchFamily="2" charset="0"/>
+                <a:ea typeface="Calibri" panose="020F0502020204030204" pitchFamily="34" charset="0"/>
+                <a:cs typeface="Poppins SemiBold" panose="00000700000000000000" pitchFamily="2" charset="0"/>
+              </a:rPr>
+              <a:t>Export options of the expense</a:t>
+            </a:r>
+            <a:endParaRPr kumimoji="0" lang="en-US" sz="1400" b="0" i="0" u="none" strike="noStrike" kern="1200" cap="none" spc="0" normalizeH="0" baseline="0" noProof="0" dirty="0">
+              <a:ln>
+                <a:noFill/>
+              </a:ln>
+              <a:solidFill>
+                <a:schemeClr val="tx1"/>
+              </a:solidFill>
+              <a:effectLst/>
+              <a:uLnTx/>
+              <a:uFillTx/>
+              <a:latin typeface="Poppins SemiBold" panose="00000700000000000000" pitchFamily="2" charset="0"/>
+              <a:ea typeface="Calibri" panose="020F0502020204030204" pitchFamily="34" charset="0"/>
+              <a:cs typeface="Poppins SemiBold" panose="00000700000000000000" pitchFamily="2" charset="0"/>
+            </a:endParaRPr>
           </a:p>
           <a:p>
             <a:pPr marL="0" marR="0" lvl="0" indent="0" defTabSz="914400" rtl="0" eaLnBrk="1" fontAlgn="auto" latinLnBrk="0" hangingPunct="1">
               <a:lnSpc>
-                <a:spcPct val="100000"/>
+                <a:spcPct val="150000"/>
               </a:lnSpc>
               <a:spcBef>
                 <a:spcPts val="360"/>
@@ -12458,7 +12854,7 @@
                   <a:noFill/>
                 </a:ln>
                 <a:solidFill>
-                  <a:srgbClr val="000000"/>
+                  <a:schemeClr val="tx1"/>
                 </a:solidFill>
                 <a:effectLst/>
                 <a:uLnTx/>
@@ -12467,7 +12863,7 @@
                 <a:ea typeface="Calibri" panose="020F0502020204030204" pitchFamily="34" charset="0"/>
                 <a:cs typeface="Poppins SemiBold" panose="00000700000000000000" pitchFamily="2" charset="0"/>
               </a:rPr>
-              <a:t>3. </a:t>
+              <a:t>5. </a:t>
             </a:r>
             <a:r>
               <a:rPr kumimoji="0" lang="en-US" sz="1400" b="1" i="0" u="none" strike="noStrike" kern="1200" cap="none" spc="0" normalizeH="0" baseline="0" noProof="0" dirty="0">
@@ -12475,9 +12871,7 @@
                   <a:noFill/>
                 </a:ln>
                 <a:solidFill>
-                  <a:schemeClr val="tx2">
-                    <a:lumMod val="50000"/>
-                  </a:schemeClr>
+                  <a:schemeClr val="tx1"/>
                 </a:solidFill>
                 <a:effectLst/>
                 <a:uLnTx/>
@@ -12486,15 +12880,48 @@
                 <a:ea typeface="Calibri" panose="020F0502020204030204" pitchFamily="34" charset="0"/>
                 <a:cs typeface="Poppins SemiBold" panose="00000700000000000000" pitchFamily="2" charset="0"/>
               </a:rPr>
-              <a:t>Calendar view</a:t>
-            </a:r>
+              <a:t>Export options of the income</a:t>
+            </a:r>
+            <a:endParaRPr kumimoji="0" lang="en-US" sz="1400" b="0" i="0" u="none" strike="noStrike" kern="1200" cap="none" spc="0" normalizeH="0" baseline="0" noProof="0" dirty="0">
+              <a:ln>
+                <a:noFill/>
+              </a:ln>
+              <a:solidFill>
+                <a:schemeClr val="tx1"/>
+              </a:solidFill>
+              <a:effectLst/>
+              <a:uLnTx/>
+              <a:uFillTx/>
+              <a:latin typeface="Poppins SemiBold" panose="00000700000000000000" pitchFamily="2" charset="0"/>
+              <a:ea typeface="Calibri" panose="020F0502020204030204" pitchFamily="34" charset="0"/>
+              <a:cs typeface="Poppins SemiBold" panose="00000700000000000000" pitchFamily="2" charset="0"/>
+            </a:endParaRPr>
+          </a:p>
+          <a:p>
+            <a:pPr marL="0" marR="0" lvl="0" indent="0" defTabSz="914400" rtl="0" eaLnBrk="1" fontAlgn="auto" latinLnBrk="0" hangingPunct="1">
+              <a:lnSpc>
+                <a:spcPct val="150000"/>
+              </a:lnSpc>
+              <a:spcBef>
+                <a:spcPts val="360"/>
+              </a:spcBef>
+              <a:spcAft>
+                <a:spcPts val="0"/>
+              </a:spcAft>
+              <a:buClrTx/>
+              <a:buSzTx/>
+              <a:buFont typeface="Arial" panose="020B0604020202020204" pitchFamily="34" charset="0"/>
+              <a:buNone/>
+              <a:tabLst/>
+              <a:defRPr/>
+            </a:pPr>
             <a:r>
               <a:rPr kumimoji="0" lang="en-US" sz="1400" b="0" i="0" u="none" strike="noStrike" kern="1200" cap="none" spc="0" normalizeH="0" baseline="0" noProof="0" dirty="0">
                 <a:ln>
                   <a:noFill/>
                 </a:ln>
                 <a:solidFill>
-                  <a:srgbClr val="000000"/>
+                  <a:schemeClr val="tx1"/>
                 </a:solidFill>
                 <a:effectLst/>
                 <a:uLnTx/>
@@ -12503,13 +12930,30 @@
                 <a:ea typeface="Calibri" panose="020F0502020204030204" pitchFamily="34" charset="0"/>
                 <a:cs typeface="Poppins SemiBold" panose="00000700000000000000" pitchFamily="2" charset="0"/>
               </a:rPr>
-              <a:t>: Calendar based daily expenses  and incomes view.</a:t>
+              <a:t>6</a:t>
+            </a:r>
+            <a:r>
+              <a:rPr kumimoji="0" lang="en-US" sz="1400" b="1" i="0" u="none" strike="noStrike" kern="1200" cap="none" spc="0" normalizeH="0" baseline="0" noProof="0" dirty="0">
+                <a:ln>
+                  <a:noFill/>
+                </a:ln>
+                <a:solidFill>
+                  <a:schemeClr val="tx1"/>
+                </a:solidFill>
+                <a:effectLst/>
+                <a:uLnTx/>
+                <a:uFillTx/>
+                <a:latin typeface="Poppins SemiBold" panose="00000700000000000000" pitchFamily="2" charset="0"/>
+                <a:ea typeface="Calibri" panose="020F0502020204030204" pitchFamily="34" charset="0"/>
+                <a:cs typeface="Poppins SemiBold" panose="00000700000000000000" pitchFamily="2" charset="0"/>
+              </a:rPr>
+              <a:t>. Profile management </a:t>
             </a:r>
           </a:p>
           <a:p>
             <a:pPr marL="0" marR="0" lvl="0" indent="0" defTabSz="914400" rtl="0" eaLnBrk="1" fontAlgn="auto" latinLnBrk="0" hangingPunct="1">
               <a:lnSpc>
-                <a:spcPct val="100000"/>
+                <a:spcPct val="150000"/>
               </a:lnSpc>
               <a:spcBef>
                 <a:spcPts val="360"/>
@@ -12530,7 +12974,7 @@
                   <a:noFill/>
                 </a:ln>
                 <a:solidFill>
-                  <a:srgbClr val="000000"/>
+                  <a:schemeClr val="tx1"/>
                 </a:solidFill>
                 <a:effectLst/>
                 <a:uLnTx/>
@@ -12539,7 +12983,7 @@
                 <a:ea typeface="Calibri" panose="020F0502020204030204" pitchFamily="34" charset="0"/>
                 <a:cs typeface="Poppins SemiBold" panose="00000700000000000000" pitchFamily="2" charset="0"/>
               </a:rPr>
-              <a:t>4. </a:t>
+              <a:t>7. </a:t>
             </a:r>
             <a:r>
               <a:rPr kumimoji="0" lang="en-US" sz="1400" b="1" i="0" u="none" strike="noStrike" kern="1200" cap="none" spc="0" normalizeH="0" baseline="0" noProof="0" dirty="0">
@@ -12547,9 +12991,7 @@
                   <a:noFill/>
                 </a:ln>
                 <a:solidFill>
-                  <a:schemeClr val="tx2">
-                    <a:lumMod val="50000"/>
-                  </a:schemeClr>
+                  <a:schemeClr val="tx1"/>
                 </a:solidFill>
                 <a:effectLst/>
                 <a:uLnTx/>
@@ -12558,15 +13000,48 @@
                 <a:ea typeface="Calibri" panose="020F0502020204030204" pitchFamily="34" charset="0"/>
                 <a:cs typeface="Poppins SemiBold" panose="00000700000000000000" pitchFamily="2" charset="0"/>
               </a:rPr>
-              <a:t>Export options of the expense</a:t>
-            </a:r>
+              <a:t>Mobile view</a:t>
+            </a:r>
+            <a:endParaRPr kumimoji="0" lang="en-US" sz="1400" b="0" i="0" u="none" strike="noStrike" kern="1200" cap="none" spc="0" normalizeH="0" baseline="0" noProof="0" dirty="0">
+              <a:ln>
+                <a:noFill/>
+              </a:ln>
+              <a:solidFill>
+                <a:schemeClr val="tx1"/>
+              </a:solidFill>
+              <a:effectLst/>
+              <a:uLnTx/>
+              <a:uFillTx/>
+              <a:latin typeface="Poppins SemiBold" panose="00000700000000000000" pitchFamily="2" charset="0"/>
+              <a:ea typeface="Calibri" panose="020F0502020204030204" pitchFamily="34" charset="0"/>
+              <a:cs typeface="Poppins SemiBold" panose="00000700000000000000" pitchFamily="2" charset="0"/>
+            </a:endParaRPr>
+          </a:p>
+          <a:p>
+            <a:pPr marL="0" marR="0" lvl="0" indent="0" defTabSz="914400" rtl="0" eaLnBrk="1" fontAlgn="auto" latinLnBrk="0" hangingPunct="1">
+              <a:lnSpc>
+                <a:spcPct val="150000"/>
+              </a:lnSpc>
+              <a:spcBef>
+                <a:spcPts val="360"/>
+              </a:spcBef>
+              <a:spcAft>
+                <a:spcPts val="0"/>
+              </a:spcAft>
+              <a:buClrTx/>
+              <a:buSzTx/>
+              <a:buFont typeface="Arial" panose="020B0604020202020204" pitchFamily="34" charset="0"/>
+              <a:buNone/>
+              <a:tabLst/>
+              <a:defRPr/>
+            </a:pPr>
             <a:r>
               <a:rPr kumimoji="0" lang="en-US" sz="1400" b="0" i="0" u="none" strike="noStrike" kern="1200" cap="none" spc="0" normalizeH="0" baseline="0" noProof="0" dirty="0">
                 <a:ln>
                   <a:noFill/>
                 </a:ln>
                 <a:solidFill>
-                  <a:srgbClr val="000000"/>
+                  <a:schemeClr val="tx1"/>
                 </a:solidFill>
                 <a:effectLst/>
                 <a:uLnTx/>
@@ -12575,13 +13050,30 @@
                 <a:ea typeface="Calibri" panose="020F0502020204030204" pitchFamily="34" charset="0"/>
                 <a:cs typeface="Poppins SemiBold" panose="00000700000000000000" pitchFamily="2" charset="0"/>
               </a:rPr>
-              <a:t>: Expenses can be exported to various export options to CSV, Excel, Pdf etc.</a:t>
+              <a:t>8. </a:t>
+            </a:r>
+            <a:r>
+              <a:rPr kumimoji="0" lang="en-US" sz="1400" b="1" i="0" u="none" strike="noStrike" kern="1200" cap="none" spc="0" normalizeH="0" baseline="0" noProof="0" dirty="0">
+                <a:ln>
+                  <a:noFill/>
+                </a:ln>
+                <a:solidFill>
+                  <a:schemeClr val="tx1"/>
+                </a:solidFill>
+                <a:effectLst/>
+                <a:uLnTx/>
+                <a:uFillTx/>
+                <a:latin typeface="Poppins SemiBold" panose="00000700000000000000" pitchFamily="2" charset="0"/>
+                <a:ea typeface="Calibri" panose="020F0502020204030204" pitchFamily="34" charset="0"/>
+                <a:cs typeface="Poppins SemiBold" panose="00000700000000000000" pitchFamily="2" charset="0"/>
+              </a:rPr>
+              <a:t>Admin dashboard</a:t>
             </a:r>
           </a:p>
           <a:p>
             <a:pPr marL="0" marR="0" lvl="0" indent="0" defTabSz="914400" rtl="0" eaLnBrk="1" fontAlgn="auto" latinLnBrk="0" hangingPunct="1">
               <a:lnSpc>
-                <a:spcPct val="100000"/>
+                <a:spcPct val="150000"/>
               </a:lnSpc>
               <a:spcBef>
                 <a:spcPts val="360"/>
@@ -12602,7 +13094,7 @@
                   <a:noFill/>
                 </a:ln>
                 <a:solidFill>
-                  <a:srgbClr val="000000"/>
+                  <a:schemeClr val="tx1"/>
                 </a:solidFill>
                 <a:effectLst/>
                 <a:uLnTx/>
@@ -12611,7 +13103,7 @@
                 <a:ea typeface="Calibri" panose="020F0502020204030204" pitchFamily="34" charset="0"/>
                 <a:cs typeface="Poppins SemiBold" panose="00000700000000000000" pitchFamily="2" charset="0"/>
               </a:rPr>
-              <a:t>5. </a:t>
+              <a:t>9</a:t>
             </a:r>
             <a:r>
               <a:rPr kumimoji="0" lang="en-US" sz="1400" b="1" i="0" u="none" strike="noStrike" kern="1200" cap="none" spc="0" normalizeH="0" baseline="0" noProof="0" dirty="0">
@@ -12619,9 +13111,7 @@
                   <a:noFill/>
                 </a:ln>
                 <a:solidFill>
-                  <a:schemeClr val="tx2">
-                    <a:lumMod val="50000"/>
-                  </a:schemeClr>
+                  <a:schemeClr val="tx1"/>
                 </a:solidFill>
                 <a:effectLst/>
                 <a:uLnTx/>
@@ -12630,421 +13120,14 @@
                 <a:ea typeface="Calibri" panose="020F0502020204030204" pitchFamily="34" charset="0"/>
                 <a:cs typeface="Poppins SemiBold" panose="00000700000000000000" pitchFamily="2" charset="0"/>
               </a:rPr>
-              <a:t>Export options of the income</a:t>
-            </a:r>
-            <a:r>
-              <a:rPr kumimoji="0" lang="en-US" sz="1400" b="0" i="0" u="none" strike="noStrike" kern="1200" cap="none" spc="0" normalizeH="0" baseline="0" noProof="0" dirty="0">
-                <a:ln>
-                  <a:noFill/>
-                </a:ln>
-                <a:solidFill>
-                  <a:srgbClr val="000000"/>
-                </a:solidFill>
-                <a:effectLst/>
-                <a:uLnTx/>
-                <a:uFillTx/>
-                <a:latin typeface="Poppins SemiBold" panose="00000700000000000000" pitchFamily="2" charset="0"/>
-                <a:ea typeface="Calibri" panose="020F0502020204030204" pitchFamily="34" charset="0"/>
-                <a:cs typeface="Poppins SemiBold" panose="00000700000000000000" pitchFamily="2" charset="0"/>
-              </a:rPr>
-              <a:t>: Incomes can be exported to various export options to CSV, Excel, Pdf etc.</a:t>
-            </a:r>
-          </a:p>
-          <a:p>
-            <a:pPr marL="0" marR="0" lvl="0" indent="0" defTabSz="914400" rtl="0" eaLnBrk="1" fontAlgn="auto" latinLnBrk="0" hangingPunct="1">
-              <a:lnSpc>
-                <a:spcPct val="100000"/>
-              </a:lnSpc>
-              <a:spcBef>
-                <a:spcPts val="360"/>
-              </a:spcBef>
-              <a:spcAft>
-                <a:spcPts val="0"/>
-              </a:spcAft>
-              <a:buClrTx/>
-              <a:buSzTx/>
-              <a:buFont typeface="Arial" panose="020B0604020202020204" pitchFamily="34" charset="0"/>
-              <a:buNone/>
-              <a:tabLst/>
-              <a:defRPr/>
-            </a:pPr>
-            <a:r>
-              <a:rPr kumimoji="0" lang="en-US" sz="1400" b="0" i="0" u="none" strike="noStrike" kern="1200" cap="none" spc="0" normalizeH="0" baseline="0" noProof="0" dirty="0">
-                <a:ln>
-                  <a:noFill/>
-                </a:ln>
-                <a:solidFill>
-                  <a:srgbClr val="000000"/>
-                </a:solidFill>
-                <a:effectLst/>
-                <a:uLnTx/>
-                <a:uFillTx/>
-                <a:latin typeface="Poppins SemiBold" panose="00000700000000000000" pitchFamily="2" charset="0"/>
-                <a:ea typeface="Calibri" panose="020F0502020204030204" pitchFamily="34" charset="0"/>
-                <a:cs typeface="Poppins SemiBold" panose="00000700000000000000" pitchFamily="2" charset="0"/>
-              </a:rPr>
-              <a:t>6</a:t>
-            </a:r>
-            <a:r>
-              <a:rPr kumimoji="0" lang="en-US" sz="1400" b="1" i="0" u="none" strike="noStrike" kern="1200" cap="none" spc="0" normalizeH="0" baseline="0" noProof="0" dirty="0">
-                <a:ln>
-                  <a:noFill/>
-                </a:ln>
-                <a:solidFill>
-                  <a:srgbClr val="000000"/>
-                </a:solidFill>
-                <a:effectLst/>
-                <a:uLnTx/>
-                <a:uFillTx/>
-                <a:latin typeface="Poppins SemiBold" panose="00000700000000000000" pitchFamily="2" charset="0"/>
-                <a:ea typeface="Calibri" panose="020F0502020204030204" pitchFamily="34" charset="0"/>
-                <a:cs typeface="Poppins SemiBold" panose="00000700000000000000" pitchFamily="2" charset="0"/>
-              </a:rPr>
-              <a:t>. </a:t>
-            </a:r>
-            <a:r>
-              <a:rPr kumimoji="0" lang="en-US" sz="1400" b="1" i="0" u="none" strike="noStrike" kern="1200" cap="none" spc="0" normalizeH="0" baseline="0" noProof="0" dirty="0">
-                <a:ln>
-                  <a:noFill/>
-                </a:ln>
-                <a:solidFill>
-                  <a:schemeClr val="tx2">
-                    <a:lumMod val="50000"/>
-                  </a:schemeClr>
-                </a:solidFill>
-                <a:effectLst/>
-                <a:uLnTx/>
-                <a:uFillTx/>
-                <a:latin typeface="Poppins SemiBold" panose="00000700000000000000" pitchFamily="2" charset="0"/>
-                <a:ea typeface="Calibri" panose="020F0502020204030204" pitchFamily="34" charset="0"/>
-                <a:cs typeface="Poppins SemiBold" panose="00000700000000000000" pitchFamily="2" charset="0"/>
-              </a:rPr>
-              <a:t>Profile management </a:t>
-            </a:r>
-            <a:r>
-              <a:rPr kumimoji="0" lang="en-US" sz="1400" b="1" i="0" u="none" strike="noStrike" kern="1200" cap="none" spc="0" normalizeH="0" baseline="0" noProof="0" dirty="0">
-                <a:ln>
-                  <a:noFill/>
-                </a:ln>
-                <a:solidFill>
-                  <a:srgbClr val="000000"/>
-                </a:solidFill>
-                <a:effectLst/>
-                <a:uLnTx/>
-                <a:uFillTx/>
-                <a:latin typeface="Poppins SemiBold" panose="00000700000000000000" pitchFamily="2" charset="0"/>
-                <a:ea typeface="Calibri" panose="020F0502020204030204" pitchFamily="34" charset="0"/>
-                <a:cs typeface="Poppins SemiBold" panose="00000700000000000000" pitchFamily="2" charset="0"/>
-              </a:rPr>
-              <a:t>: </a:t>
-            </a:r>
-            <a:r>
-              <a:rPr kumimoji="0" lang="en-US" sz="1400" b="0" i="0" u="none" strike="noStrike" kern="1200" cap="none" spc="0" normalizeH="0" baseline="0" noProof="0" dirty="0">
-                <a:ln>
-                  <a:noFill/>
-                </a:ln>
-                <a:solidFill>
-                  <a:srgbClr val="000000"/>
-                </a:solidFill>
-                <a:effectLst/>
-                <a:uLnTx/>
-                <a:uFillTx/>
-                <a:latin typeface="Poppins SemiBold" panose="00000700000000000000" pitchFamily="2" charset="0"/>
-                <a:ea typeface="Calibri" panose="020F0502020204030204" pitchFamily="34" charset="0"/>
-                <a:cs typeface="Poppins SemiBold" panose="00000700000000000000" pitchFamily="2" charset="0"/>
-              </a:rPr>
-              <a:t>manage your profile.</a:t>
-            </a:r>
-          </a:p>
-          <a:p>
-            <a:pPr marL="0" marR="0" lvl="0" indent="0" defTabSz="914400" rtl="0" eaLnBrk="1" fontAlgn="auto" latinLnBrk="0" hangingPunct="1">
-              <a:lnSpc>
-                <a:spcPct val="100000"/>
-              </a:lnSpc>
-              <a:spcBef>
-                <a:spcPts val="360"/>
-              </a:spcBef>
-              <a:spcAft>
-                <a:spcPts val="0"/>
-              </a:spcAft>
-              <a:buClrTx/>
-              <a:buSzTx/>
-              <a:buFont typeface="Arial" panose="020B0604020202020204" pitchFamily="34" charset="0"/>
-              <a:buNone/>
-              <a:tabLst/>
-              <a:defRPr/>
-            </a:pPr>
-            <a:r>
-              <a:rPr kumimoji="0" lang="en-US" sz="1400" b="0" i="0" u="none" strike="noStrike" kern="1200" cap="none" spc="0" normalizeH="0" baseline="0" noProof="0" dirty="0">
-                <a:ln>
-                  <a:noFill/>
-                </a:ln>
-                <a:solidFill>
-                  <a:srgbClr val="000000"/>
-                </a:solidFill>
-                <a:effectLst/>
-                <a:uLnTx/>
-                <a:uFillTx/>
-                <a:latin typeface="Poppins SemiBold" panose="00000700000000000000" pitchFamily="2" charset="0"/>
-                <a:ea typeface="Calibri" panose="020F0502020204030204" pitchFamily="34" charset="0"/>
-                <a:cs typeface="Poppins SemiBold" panose="00000700000000000000" pitchFamily="2" charset="0"/>
-              </a:rPr>
-              <a:t>7. </a:t>
-            </a:r>
-            <a:r>
-              <a:rPr kumimoji="0" lang="en-US" sz="1400" b="1" i="0" u="none" strike="noStrike" kern="1200" cap="none" spc="0" normalizeH="0" baseline="0" noProof="0" dirty="0">
-                <a:ln>
-                  <a:noFill/>
-                </a:ln>
-                <a:solidFill>
-                  <a:schemeClr val="tx2">
-                    <a:lumMod val="50000"/>
-                  </a:schemeClr>
-                </a:solidFill>
-                <a:effectLst/>
-                <a:uLnTx/>
-                <a:uFillTx/>
-                <a:latin typeface="Poppins SemiBold" panose="00000700000000000000" pitchFamily="2" charset="0"/>
-                <a:ea typeface="Calibri" panose="020F0502020204030204" pitchFamily="34" charset="0"/>
-                <a:cs typeface="Poppins SemiBold" panose="00000700000000000000" pitchFamily="2" charset="0"/>
-              </a:rPr>
-              <a:t>Mobile view</a:t>
-            </a:r>
-            <a:r>
-              <a:rPr kumimoji="0" lang="en-US" sz="1400" b="0" i="0" u="none" strike="noStrike" kern="1200" cap="none" spc="0" normalizeH="0" baseline="0" noProof="0" dirty="0">
-                <a:ln>
-                  <a:noFill/>
-                </a:ln>
-                <a:solidFill>
-                  <a:srgbClr val="000000"/>
-                </a:solidFill>
-                <a:effectLst/>
-                <a:uLnTx/>
-                <a:uFillTx/>
-                <a:latin typeface="Poppins SemiBold" panose="00000700000000000000" pitchFamily="2" charset="0"/>
-                <a:ea typeface="Calibri" panose="020F0502020204030204" pitchFamily="34" charset="0"/>
-                <a:cs typeface="Poppins SemiBold" panose="00000700000000000000" pitchFamily="2" charset="0"/>
-              </a:rPr>
-              <a:t>: Responsive design to fit into your mobile screen.</a:t>
-            </a:r>
-          </a:p>
-          <a:p>
-            <a:pPr marL="0" marR="0" lvl="0" indent="0" defTabSz="914400" rtl="0" eaLnBrk="1" fontAlgn="auto" latinLnBrk="0" hangingPunct="1">
-              <a:lnSpc>
-                <a:spcPct val="100000"/>
-              </a:lnSpc>
-              <a:spcBef>
-                <a:spcPts val="360"/>
-              </a:spcBef>
-              <a:spcAft>
-                <a:spcPts val="0"/>
-              </a:spcAft>
-              <a:buClrTx/>
-              <a:buSzTx/>
-              <a:buFont typeface="Arial" panose="020B0604020202020204" pitchFamily="34" charset="0"/>
-              <a:buNone/>
-              <a:tabLst/>
-              <a:defRPr/>
-            </a:pPr>
-            <a:r>
-              <a:rPr kumimoji="0" lang="en-US" sz="1400" b="0" i="0" u="none" strike="noStrike" kern="1200" cap="none" spc="0" normalizeH="0" baseline="0" noProof="0" dirty="0">
-                <a:ln>
-                  <a:noFill/>
-                </a:ln>
-                <a:solidFill>
-                  <a:srgbClr val="000000"/>
-                </a:solidFill>
-                <a:effectLst/>
-                <a:uLnTx/>
-                <a:uFillTx/>
-                <a:latin typeface="Poppins SemiBold" panose="00000700000000000000" pitchFamily="2" charset="0"/>
-                <a:ea typeface="Calibri" panose="020F0502020204030204" pitchFamily="34" charset="0"/>
-                <a:cs typeface="Poppins SemiBold" panose="00000700000000000000" pitchFamily="2" charset="0"/>
-              </a:rPr>
-              <a:t>8. </a:t>
-            </a:r>
-            <a:r>
-              <a:rPr kumimoji="0" lang="en-US" sz="1400" b="1" i="0" u="none" strike="noStrike" kern="1200" cap="none" spc="0" normalizeH="0" baseline="0" noProof="0" dirty="0">
-                <a:ln>
-                  <a:noFill/>
-                </a:ln>
-                <a:solidFill>
-                  <a:schemeClr val="tx2">
-                    <a:lumMod val="50000"/>
-                  </a:schemeClr>
-                </a:solidFill>
-                <a:effectLst/>
-                <a:uLnTx/>
-                <a:uFillTx/>
-                <a:latin typeface="Poppins SemiBold" panose="00000700000000000000" pitchFamily="2" charset="0"/>
-                <a:ea typeface="Calibri" panose="020F0502020204030204" pitchFamily="34" charset="0"/>
-                <a:cs typeface="Poppins SemiBold" panose="00000700000000000000" pitchFamily="2" charset="0"/>
-              </a:rPr>
-              <a:t>Admin dashboard</a:t>
-            </a:r>
-            <a:r>
-              <a:rPr kumimoji="0" lang="en-US" sz="1400" b="1" i="0" u="none" strike="noStrike" kern="1200" cap="none" spc="0" normalizeH="0" baseline="0" noProof="0" dirty="0">
-                <a:ln>
-                  <a:noFill/>
-                </a:ln>
-                <a:solidFill>
-                  <a:srgbClr val="000000"/>
-                </a:solidFill>
-                <a:effectLst/>
-                <a:uLnTx/>
-                <a:uFillTx/>
-                <a:latin typeface="Poppins SemiBold" panose="00000700000000000000" pitchFamily="2" charset="0"/>
-                <a:ea typeface="Calibri" panose="020F0502020204030204" pitchFamily="34" charset="0"/>
-                <a:cs typeface="Poppins SemiBold" panose="00000700000000000000" pitchFamily="2" charset="0"/>
-              </a:rPr>
-              <a:t>: </a:t>
-            </a:r>
-            <a:r>
-              <a:rPr kumimoji="0" lang="en-US" sz="1400" b="0" i="0" u="none" strike="noStrike" kern="1200" cap="none" spc="0" normalizeH="0" baseline="0" noProof="0" dirty="0">
-                <a:ln>
-                  <a:noFill/>
-                </a:ln>
-                <a:solidFill>
-                  <a:srgbClr val="000000"/>
-                </a:solidFill>
-                <a:effectLst/>
-                <a:uLnTx/>
-                <a:uFillTx/>
-                <a:latin typeface="Poppins SemiBold" panose="00000700000000000000" pitchFamily="2" charset="0"/>
-                <a:ea typeface="Calibri" panose="020F0502020204030204" pitchFamily="34" charset="0"/>
-                <a:cs typeface="Poppins SemiBold" panose="00000700000000000000" pitchFamily="2" charset="0"/>
-              </a:rPr>
-              <a:t>Customized Django Admin site from the traditional one</a:t>
-            </a:r>
-            <a:r>
-              <a:rPr kumimoji="0" lang="en-US" sz="1400" b="1" i="0" u="none" strike="noStrike" kern="1200" cap="none" spc="0" normalizeH="0" baseline="0" noProof="0" dirty="0">
-                <a:ln>
-                  <a:noFill/>
-                </a:ln>
-                <a:solidFill>
-                  <a:srgbClr val="000000"/>
-                </a:solidFill>
-                <a:effectLst/>
-                <a:uLnTx/>
-                <a:uFillTx/>
-                <a:latin typeface="Poppins SemiBold" panose="00000700000000000000" pitchFamily="2" charset="0"/>
-                <a:ea typeface="Calibri" panose="020F0502020204030204" pitchFamily="34" charset="0"/>
-                <a:cs typeface="Poppins SemiBold" panose="00000700000000000000" pitchFamily="2" charset="0"/>
-              </a:rPr>
-              <a:t>.</a:t>
-            </a:r>
-          </a:p>
-          <a:p>
-            <a:pPr marL="0" marR="0" lvl="0" indent="0" defTabSz="914400" rtl="0" eaLnBrk="1" fontAlgn="auto" latinLnBrk="0" hangingPunct="1">
-              <a:lnSpc>
-                <a:spcPct val="100000"/>
-              </a:lnSpc>
-              <a:spcBef>
-                <a:spcPts val="360"/>
-              </a:spcBef>
-              <a:spcAft>
-                <a:spcPts val="0"/>
-              </a:spcAft>
-              <a:buClrTx/>
-              <a:buSzTx/>
-              <a:buFont typeface="Arial" panose="020B0604020202020204" pitchFamily="34" charset="0"/>
-              <a:buNone/>
-              <a:tabLst/>
-              <a:defRPr/>
-            </a:pPr>
-            <a:r>
-              <a:rPr kumimoji="0" lang="en-US" sz="1400" b="0" i="0" u="none" strike="noStrike" kern="1200" cap="none" spc="0" normalizeH="0" baseline="0" noProof="0" dirty="0">
-                <a:ln>
-                  <a:noFill/>
-                </a:ln>
-                <a:solidFill>
-                  <a:srgbClr val="000000"/>
-                </a:solidFill>
-                <a:effectLst/>
-                <a:uLnTx/>
-                <a:uFillTx/>
-                <a:latin typeface="Poppins SemiBold" panose="00000700000000000000" pitchFamily="2" charset="0"/>
-                <a:ea typeface="Calibri" panose="020F0502020204030204" pitchFamily="34" charset="0"/>
-                <a:cs typeface="Poppins SemiBold" panose="00000700000000000000" pitchFamily="2" charset="0"/>
-              </a:rPr>
-              <a:t>9</a:t>
-            </a:r>
-            <a:r>
-              <a:rPr kumimoji="0" lang="en-US" sz="1400" b="1" i="0" u="none" strike="noStrike" kern="1200" cap="none" spc="0" normalizeH="0" baseline="0" noProof="0" dirty="0">
-                <a:ln>
-                  <a:noFill/>
-                </a:ln>
-                <a:solidFill>
-                  <a:srgbClr val="000000"/>
-                </a:solidFill>
-                <a:effectLst/>
-                <a:uLnTx/>
-                <a:uFillTx/>
-                <a:latin typeface="Poppins SemiBold" panose="00000700000000000000" pitchFamily="2" charset="0"/>
-                <a:ea typeface="Calibri" panose="020F0502020204030204" pitchFamily="34" charset="0"/>
-                <a:cs typeface="Poppins SemiBold" panose="00000700000000000000" pitchFamily="2" charset="0"/>
-              </a:rPr>
-              <a:t>. </a:t>
-            </a:r>
-            <a:r>
-              <a:rPr kumimoji="0" lang="en-US" sz="1400" b="1" i="0" u="none" strike="noStrike" kern="1200" cap="none" spc="0" normalizeH="0" baseline="0" noProof="0" dirty="0">
-                <a:ln>
-                  <a:noFill/>
-                </a:ln>
-                <a:solidFill>
-                  <a:schemeClr val="tx2">
-                    <a:lumMod val="50000"/>
-                  </a:schemeClr>
-                </a:solidFill>
-                <a:effectLst/>
-                <a:uLnTx/>
-                <a:uFillTx/>
-                <a:latin typeface="Poppins SemiBold" panose="00000700000000000000" pitchFamily="2" charset="0"/>
-                <a:ea typeface="Calibri" panose="020F0502020204030204" pitchFamily="34" charset="0"/>
-                <a:cs typeface="Poppins SemiBold" panose="00000700000000000000" pitchFamily="2" charset="0"/>
-              </a:rPr>
-              <a:t>Set a custom Currency</a:t>
-            </a:r>
-            <a:r>
-              <a:rPr kumimoji="0" lang="en-US" sz="1400" b="1" i="0" u="none" strike="noStrike" kern="1200" cap="none" spc="0" normalizeH="0" baseline="0" noProof="0" dirty="0">
-                <a:ln>
-                  <a:noFill/>
-                </a:ln>
-                <a:solidFill>
-                  <a:srgbClr val="000000"/>
-                </a:solidFill>
-                <a:effectLst/>
-                <a:uLnTx/>
-                <a:uFillTx/>
-                <a:latin typeface="Poppins SemiBold" panose="00000700000000000000" pitchFamily="2" charset="0"/>
-                <a:ea typeface="Calibri" panose="020F0502020204030204" pitchFamily="34" charset="0"/>
-                <a:cs typeface="Poppins SemiBold" panose="00000700000000000000" pitchFamily="2" charset="0"/>
-              </a:rPr>
-              <a:t>: </a:t>
-            </a:r>
-            <a:r>
-              <a:rPr kumimoji="0" lang="en-US" sz="1400" b="0" i="0" u="none" strike="noStrike" kern="1200" cap="none" spc="0" normalizeH="0" baseline="0" noProof="0" dirty="0">
-                <a:ln>
-                  <a:noFill/>
-                </a:ln>
-                <a:solidFill>
-                  <a:srgbClr val="000000"/>
-                </a:solidFill>
-                <a:effectLst/>
-                <a:uLnTx/>
-                <a:uFillTx/>
-                <a:latin typeface="Poppins SemiBold" panose="00000700000000000000" pitchFamily="2" charset="0"/>
-                <a:ea typeface="Calibri" panose="020F0502020204030204" pitchFamily="34" charset="0"/>
-                <a:cs typeface="Poppins SemiBold" panose="00000700000000000000" pitchFamily="2" charset="0"/>
-              </a:rPr>
-              <a:t>You could set a custom currency according to your preference.</a:t>
+              <a:t>. Set a custom Currency</a:t>
             </a:r>
             <a:endParaRPr kumimoji="0" lang="en-IN" sz="1400" b="0" i="0" u="none" strike="noStrike" kern="1200" cap="none" spc="0" normalizeH="0" baseline="0" noProof="0" dirty="0">
               <a:ln>
                 <a:noFill/>
               </a:ln>
               <a:solidFill>
-                <a:srgbClr val="000000"/>
+                <a:schemeClr val="tx1"/>
               </a:solidFill>
               <a:effectLst/>
               <a:uLnTx/>
@@ -13085,8 +13168,8 @@
         </p:blipFill>
         <p:spPr bwMode="auto">
           <a:xfrm>
-            <a:off x="7324537" y="237938"/>
-            <a:ext cx="1581526" cy="1581526"/>
+            <a:off x="5804807" y="1804312"/>
+            <a:ext cx="3069768" cy="3069768"/>
           </a:xfrm>
           <a:prstGeom prst="rect">
             <a:avLst/>
@@ -13108,6 +13191,18 @@
   <p:clrMapOvr>
     <a:masterClrMapping/>
   </p:clrMapOvr>
+  <mc:AlternateContent xmlns:mc="http://schemas.openxmlformats.org/markup-compatibility/2006">
+    <mc:Choice xmlns:p14="http://schemas.microsoft.com/office/powerpoint/2010/main" Requires="p14">
+      <p:transition spd="slow" p14:dur="800">
+        <p14:flythrough dir="out"/>
+      </p:transition>
+    </mc:Choice>
+    <mc:Fallback>
+      <p:transition spd="slow">
+        <p:fade/>
+      </p:transition>
+    </mc:Fallback>
+  </mc:AlternateContent>
 </p:sld>
 </file>
 
@@ -13128,461 +13223,6 @@
           <a:chExt cx="0" cy="0"/>
         </a:xfrm>
       </p:grpSpPr>
-      <p:sp>
-        <p:nvSpPr>
-          <p:cNvPr id="172" name="Google Shape;172;p32"/>
-          <p:cNvSpPr txBox="1">
-            <a:spLocks noGrp="1"/>
-          </p:cNvSpPr>
-          <p:nvPr>
-            <p:ph type="title"/>
-          </p:nvPr>
-        </p:nvSpPr>
-        <p:spPr>
-          <a:xfrm>
-            <a:off x="582597" y="377943"/>
-            <a:ext cx="7206132" cy="650758"/>
-          </a:xfrm>
-          <a:prstGeom prst="rect">
-            <a:avLst/>
-          </a:prstGeom>
-        </p:spPr>
-        <p:txBody>
-          <a:bodyPr spcFirstLastPara="1" wrap="square" lIns="91425" tIns="91425" rIns="91425" bIns="91425" anchor="ctr" anchorCtr="0">
-            <a:noAutofit/>
-          </a:bodyPr>
-          <a:lstStyle/>
-          <a:p>
-            <a:pPr marL="0" lvl="0" indent="0" algn="l" rtl="0">
-              <a:spcBef>
-                <a:spcPts val="0"/>
-              </a:spcBef>
-              <a:spcAft>
-                <a:spcPts val="0"/>
-              </a:spcAft>
-              <a:buNone/>
-            </a:pPr>
-            <a:r>
-              <a:rPr lang="en-IN" sz="3200" dirty="0"/>
-              <a:t>Features and Highlights</a:t>
-            </a:r>
-            <a:endParaRPr sz="3200" dirty="0">
-              <a:solidFill>
-                <a:schemeClr val="lt2"/>
-              </a:solidFill>
-            </a:endParaRPr>
-          </a:p>
-        </p:txBody>
-      </p:sp>
-      <p:sp>
-        <p:nvSpPr>
-          <p:cNvPr id="5" name="TextBox 4">
-            <a:extLst>
-              <a:ext uri="{FF2B5EF4-FFF2-40B4-BE49-F238E27FC236}">
-                <a16:creationId xmlns:a16="http://schemas.microsoft.com/office/drawing/2014/main" id="{8797002A-9EF0-6CF2-3E34-4F020EF377C3}"/>
-              </a:ext>
-            </a:extLst>
-          </p:cNvPr>
-          <p:cNvSpPr txBox="1"/>
-          <p:nvPr/>
-        </p:nvSpPr>
-        <p:spPr>
-          <a:xfrm>
-            <a:off x="582597" y="1126672"/>
-            <a:ext cx="7532703" cy="2021066"/>
-          </a:xfrm>
-          <a:prstGeom prst="rect">
-            <a:avLst/>
-          </a:prstGeom>
-          <a:noFill/>
-        </p:spPr>
-        <p:txBody>
-          <a:bodyPr wrap="square">
-            <a:spAutoFit/>
-          </a:bodyPr>
-          <a:lstStyle/>
-          <a:p>
-            <a:pPr marL="347472" marR="0" lvl="0" indent="-347472" algn="l" defTabSz="914400" rtl="0" eaLnBrk="1" fontAlgn="auto" latinLnBrk="0" hangingPunct="1">
-              <a:lnSpc>
-                <a:spcPct val="100000"/>
-              </a:lnSpc>
-              <a:spcBef>
-                <a:spcPts val="360"/>
-              </a:spcBef>
-              <a:spcAft>
-                <a:spcPts val="0"/>
-              </a:spcAft>
-              <a:buClrTx/>
-              <a:buSzTx/>
-              <a:buFont typeface="Arial" panose="020B0604020202020204" pitchFamily="34" charset="0"/>
-              <a:buChar char="•"/>
-              <a:tabLst/>
-              <a:defRPr/>
-            </a:pPr>
-            <a:r>
-              <a:rPr kumimoji="0" lang="en-US" sz="1400" b="0" i="0" u="none" strike="noStrike" kern="1200" cap="none" spc="0" normalizeH="0" baseline="0" noProof="0" dirty="0">
-                <a:ln>
-                  <a:noFill/>
-                </a:ln>
-                <a:solidFill>
-                  <a:srgbClr val="000000"/>
-                </a:solidFill>
-                <a:effectLst/>
-                <a:uLnTx/>
-                <a:uFillTx/>
-                <a:latin typeface="Poppins SemiBold" panose="00000700000000000000" pitchFamily="2" charset="0"/>
-                <a:ea typeface="Calibri" panose="020F0502020204030204" pitchFamily="34" charset="0"/>
-                <a:cs typeface="Poppins SemiBold" panose="00000700000000000000" pitchFamily="2" charset="0"/>
-              </a:rPr>
-              <a:t>Ability to add, edit, and view expenses with </a:t>
-            </a:r>
-            <a:r>
-              <a:rPr kumimoji="0" lang="en-US" sz="1400" b="0" i="0" u="none" strike="noStrike" kern="1200" cap="none" spc="0" normalizeH="0" baseline="0" noProof="0" dirty="0">
-                <a:ln>
-                  <a:noFill/>
-                </a:ln>
-                <a:solidFill>
-                  <a:schemeClr val="tx2">
-                    <a:lumMod val="50000"/>
-                  </a:schemeClr>
-                </a:solidFill>
-                <a:effectLst/>
-                <a:uLnTx/>
-                <a:uFillTx/>
-                <a:latin typeface="Poppins SemiBold" panose="00000700000000000000" pitchFamily="2" charset="0"/>
-                <a:ea typeface="Calibri" panose="020F0502020204030204" pitchFamily="34" charset="0"/>
-                <a:cs typeface="Poppins SemiBold" panose="00000700000000000000" pitchFamily="2" charset="0"/>
-              </a:rPr>
-              <a:t>categorization</a:t>
-            </a:r>
-            <a:r>
-              <a:rPr kumimoji="0" lang="en-US" sz="1400" b="0" i="0" u="none" strike="noStrike" kern="1200" cap="none" spc="0" normalizeH="0" baseline="0" noProof="0" dirty="0">
-                <a:ln>
-                  <a:noFill/>
-                </a:ln>
-                <a:solidFill>
-                  <a:srgbClr val="000000"/>
-                </a:solidFill>
-                <a:effectLst/>
-                <a:uLnTx/>
-                <a:uFillTx/>
-                <a:latin typeface="Poppins SemiBold" panose="00000700000000000000" pitchFamily="2" charset="0"/>
-                <a:ea typeface="Calibri" panose="020F0502020204030204" pitchFamily="34" charset="0"/>
-                <a:cs typeface="Poppins SemiBold" panose="00000700000000000000" pitchFamily="2" charset="0"/>
-              </a:rPr>
-              <a:t>  options</a:t>
-            </a:r>
-          </a:p>
-          <a:p>
-            <a:pPr marL="347472" marR="0" lvl="0" indent="-347472" algn="l" defTabSz="914400" rtl="0" eaLnBrk="1" fontAlgn="auto" latinLnBrk="0" hangingPunct="1">
-              <a:lnSpc>
-                <a:spcPct val="100000"/>
-              </a:lnSpc>
-              <a:spcBef>
-                <a:spcPts val="360"/>
-              </a:spcBef>
-              <a:spcAft>
-                <a:spcPts val="0"/>
-              </a:spcAft>
-              <a:buClrTx/>
-              <a:buSzTx/>
-              <a:buFont typeface="Arial" panose="020B0604020202020204" pitchFamily="34" charset="0"/>
-              <a:buChar char="•"/>
-              <a:tabLst/>
-              <a:defRPr/>
-            </a:pPr>
-            <a:r>
-              <a:rPr kumimoji="0" lang="en-US" sz="1400" b="0" i="0" u="none" strike="noStrike" kern="1200" cap="none" spc="0" normalizeH="0" baseline="0" noProof="0" dirty="0">
-                <a:ln>
-                  <a:noFill/>
-                </a:ln>
-                <a:solidFill>
-                  <a:srgbClr val="000000"/>
-                </a:solidFill>
-                <a:effectLst/>
-                <a:uLnTx/>
-                <a:uFillTx/>
-                <a:latin typeface="Poppins SemiBold" panose="00000700000000000000" pitchFamily="2" charset="0"/>
-                <a:ea typeface="Calibri" panose="020F0502020204030204" pitchFamily="34" charset="0"/>
-                <a:cs typeface="Poppins SemiBold" panose="00000700000000000000" pitchFamily="2" charset="0"/>
-              </a:rPr>
-              <a:t>Users can view income and expenses as </a:t>
-            </a:r>
-            <a:r>
-              <a:rPr kumimoji="0" lang="en-US" sz="1400" b="0" i="0" u="none" strike="noStrike" kern="1200" cap="none" spc="0" normalizeH="0" baseline="0" noProof="0" dirty="0">
-                <a:ln>
-                  <a:noFill/>
-                </a:ln>
-                <a:solidFill>
-                  <a:schemeClr val="tx2">
-                    <a:lumMod val="50000"/>
-                  </a:schemeClr>
-                </a:solidFill>
-                <a:effectLst/>
-                <a:uLnTx/>
-                <a:uFillTx/>
-                <a:latin typeface="Poppins SemiBold" panose="00000700000000000000" pitchFamily="2" charset="0"/>
-                <a:ea typeface="Calibri" panose="020F0502020204030204" pitchFamily="34" charset="0"/>
-                <a:cs typeface="Poppins SemiBold" panose="00000700000000000000" pitchFamily="2" charset="0"/>
-              </a:rPr>
-              <a:t>graphs</a:t>
-            </a:r>
-            <a:r>
-              <a:rPr kumimoji="0" lang="en-US" sz="1400" b="0" i="0" u="none" strike="noStrike" kern="1200" cap="none" spc="0" normalizeH="0" baseline="0" noProof="0" dirty="0">
-                <a:ln>
-                  <a:noFill/>
-                </a:ln>
-                <a:solidFill>
-                  <a:srgbClr val="000000"/>
-                </a:solidFill>
-                <a:effectLst/>
-                <a:uLnTx/>
-                <a:uFillTx/>
-                <a:latin typeface="Poppins SemiBold" panose="00000700000000000000" pitchFamily="2" charset="0"/>
-                <a:ea typeface="Calibri" panose="020F0502020204030204" pitchFamily="34" charset="0"/>
-                <a:cs typeface="Poppins SemiBold" panose="00000700000000000000" pitchFamily="2" charset="0"/>
-              </a:rPr>
-              <a:t> for different categories</a:t>
-            </a:r>
-          </a:p>
-          <a:p>
-            <a:pPr marL="347472" marR="0" lvl="0" indent="-347472" algn="l" defTabSz="914400" rtl="0" eaLnBrk="1" fontAlgn="auto" latinLnBrk="0" hangingPunct="1">
-              <a:lnSpc>
-                <a:spcPct val="100000"/>
-              </a:lnSpc>
-              <a:spcBef>
-                <a:spcPts val="360"/>
-              </a:spcBef>
-              <a:spcAft>
-                <a:spcPts val="0"/>
-              </a:spcAft>
-              <a:buClrTx/>
-              <a:buSzTx/>
-              <a:buFont typeface="Arial" panose="020B0604020202020204" pitchFamily="34" charset="0"/>
-              <a:buChar char="•"/>
-              <a:tabLst/>
-              <a:defRPr/>
-            </a:pPr>
-            <a:r>
-              <a:rPr kumimoji="0" lang="en-US" sz="1400" b="0" i="0" u="none" strike="noStrike" kern="1200" cap="none" spc="0" normalizeH="0" baseline="0" noProof="0" dirty="0">
-                <a:ln>
-                  <a:noFill/>
-                </a:ln>
-                <a:solidFill>
-                  <a:srgbClr val="000000"/>
-                </a:solidFill>
-                <a:effectLst/>
-                <a:uLnTx/>
-                <a:uFillTx/>
-                <a:latin typeface="Poppins SemiBold" panose="00000700000000000000" pitchFamily="2" charset="0"/>
-                <a:ea typeface="Calibri" panose="020F0502020204030204" pitchFamily="34" charset="0"/>
-                <a:cs typeface="Poppins SemiBold" panose="00000700000000000000" pitchFamily="2" charset="0"/>
-              </a:rPr>
-              <a:t>A Customized </a:t>
-            </a:r>
-            <a:r>
-              <a:rPr kumimoji="0" lang="en-US" sz="1400" b="0" i="0" u="none" strike="noStrike" kern="1200" cap="none" spc="0" normalizeH="0" baseline="0" noProof="0" dirty="0">
-                <a:ln>
-                  <a:noFill/>
-                </a:ln>
-                <a:solidFill>
-                  <a:schemeClr val="tx2">
-                    <a:lumMod val="50000"/>
-                  </a:schemeClr>
-                </a:solidFill>
-                <a:effectLst/>
-                <a:uLnTx/>
-                <a:uFillTx/>
-                <a:latin typeface="Poppins SemiBold" panose="00000700000000000000" pitchFamily="2" charset="0"/>
-                <a:ea typeface="Calibri" panose="020F0502020204030204" pitchFamily="34" charset="0"/>
-                <a:cs typeface="Poppins SemiBold" panose="00000700000000000000" pitchFamily="2" charset="0"/>
-              </a:rPr>
-              <a:t>Calendar</a:t>
-            </a:r>
-            <a:r>
-              <a:rPr kumimoji="0" lang="en-US" sz="1400" b="0" i="0" u="none" strike="noStrike" kern="1200" cap="none" spc="0" normalizeH="0" baseline="0" noProof="0" dirty="0">
-                <a:ln>
-                  <a:noFill/>
-                </a:ln>
-                <a:solidFill>
-                  <a:srgbClr val="000000"/>
-                </a:solidFill>
-                <a:effectLst/>
-                <a:uLnTx/>
-                <a:uFillTx/>
-                <a:latin typeface="Poppins SemiBold" panose="00000700000000000000" pitchFamily="2" charset="0"/>
-                <a:ea typeface="Calibri" panose="020F0502020204030204" pitchFamily="34" charset="0"/>
-                <a:cs typeface="Poppins SemiBold" panose="00000700000000000000" pitchFamily="2" charset="0"/>
-              </a:rPr>
-              <a:t> view that gives the summary of income and expense of each day.</a:t>
-            </a:r>
-          </a:p>
-          <a:p>
-            <a:pPr marL="347472" marR="0" lvl="0" indent="-347472" algn="l" defTabSz="914400" rtl="0" eaLnBrk="1" fontAlgn="auto" latinLnBrk="0" hangingPunct="1">
-              <a:lnSpc>
-                <a:spcPct val="100000"/>
-              </a:lnSpc>
-              <a:spcBef>
-                <a:spcPts val="360"/>
-              </a:spcBef>
-              <a:spcAft>
-                <a:spcPts val="0"/>
-              </a:spcAft>
-              <a:buClrTx/>
-              <a:buSzTx/>
-              <a:buFont typeface="Arial" panose="020B0604020202020204" pitchFamily="34" charset="0"/>
-              <a:buChar char="•"/>
-              <a:tabLst/>
-              <a:defRPr/>
-            </a:pPr>
-            <a:r>
-              <a:rPr kumimoji="0" lang="en-US" sz="1400" b="0" i="0" u="none" strike="noStrike" kern="1200" cap="none" spc="0" normalizeH="0" baseline="0" noProof="0" dirty="0">
-                <a:ln>
-                  <a:noFill/>
-                </a:ln>
-                <a:solidFill>
-                  <a:srgbClr val="000000"/>
-                </a:solidFill>
-                <a:effectLst/>
-                <a:uLnTx/>
-                <a:uFillTx/>
-                <a:latin typeface="Poppins SemiBold" panose="00000700000000000000" pitchFamily="2" charset="0"/>
-                <a:ea typeface="Calibri" panose="020F0502020204030204" pitchFamily="34" charset="0"/>
-                <a:cs typeface="Poppins SemiBold" panose="00000700000000000000" pitchFamily="2" charset="0"/>
-              </a:rPr>
-              <a:t>Users can </a:t>
-            </a:r>
-            <a:r>
-              <a:rPr kumimoji="0" lang="en-US" sz="1400" b="0" i="0" u="none" strike="noStrike" kern="1200" cap="none" spc="0" normalizeH="0" baseline="0" noProof="0" dirty="0">
-                <a:ln>
-                  <a:noFill/>
-                </a:ln>
-                <a:solidFill>
-                  <a:schemeClr val="tx2">
-                    <a:lumMod val="50000"/>
-                  </a:schemeClr>
-                </a:solidFill>
-                <a:effectLst/>
-                <a:uLnTx/>
-                <a:uFillTx/>
-                <a:latin typeface="Poppins SemiBold" panose="00000700000000000000" pitchFamily="2" charset="0"/>
-                <a:ea typeface="Calibri" panose="020F0502020204030204" pitchFamily="34" charset="0"/>
-                <a:cs typeface="Poppins SemiBold" panose="00000700000000000000" pitchFamily="2" charset="0"/>
-              </a:rPr>
-              <a:t>export</a:t>
-            </a:r>
-            <a:r>
-              <a:rPr kumimoji="0" lang="en-US" sz="1400" b="0" i="0" u="none" strike="noStrike" kern="1200" cap="none" spc="0" normalizeH="0" baseline="0" noProof="0" dirty="0">
-                <a:ln>
-                  <a:noFill/>
-                </a:ln>
-                <a:solidFill>
-                  <a:srgbClr val="000000"/>
-                </a:solidFill>
-                <a:effectLst/>
-                <a:uLnTx/>
-                <a:uFillTx/>
-                <a:latin typeface="Poppins SemiBold" panose="00000700000000000000" pitchFamily="2" charset="0"/>
-                <a:ea typeface="Calibri" panose="020F0502020204030204" pitchFamily="34" charset="0"/>
-                <a:cs typeface="Poppins SemiBold" panose="00000700000000000000" pitchFamily="2" charset="0"/>
-              </a:rPr>
-              <a:t> the data of expenses and incomes whenever required. </a:t>
-            </a:r>
-          </a:p>
-          <a:p>
-            <a:pPr marL="347472" marR="0" lvl="0" indent="-347472" algn="l" defTabSz="914400" rtl="0" eaLnBrk="1" fontAlgn="auto" latinLnBrk="0" hangingPunct="1">
-              <a:lnSpc>
-                <a:spcPct val="100000"/>
-              </a:lnSpc>
-              <a:spcBef>
-                <a:spcPts val="360"/>
-              </a:spcBef>
-              <a:spcAft>
-                <a:spcPts val="0"/>
-              </a:spcAft>
-              <a:buClrTx/>
-              <a:buSzTx/>
-              <a:buFont typeface="Arial" panose="020B0604020202020204" pitchFamily="34" charset="0"/>
-              <a:buChar char="•"/>
-              <a:tabLst/>
-              <a:defRPr/>
-            </a:pPr>
-            <a:r>
-              <a:rPr kumimoji="0" lang="en-US" sz="1400" b="0" i="0" u="none" strike="noStrike" kern="1200" cap="none" spc="0" normalizeH="0" baseline="0" noProof="0" dirty="0">
-                <a:ln>
-                  <a:noFill/>
-                </a:ln>
-                <a:solidFill>
-                  <a:srgbClr val="000000"/>
-                </a:solidFill>
-                <a:effectLst/>
-                <a:uLnTx/>
-                <a:uFillTx/>
-                <a:latin typeface="Poppins SemiBold" panose="00000700000000000000" pitchFamily="2" charset="0"/>
-                <a:ea typeface="Calibri" panose="020F0502020204030204" pitchFamily="34" charset="0"/>
-                <a:cs typeface="Poppins SemiBold" panose="00000700000000000000" pitchFamily="2" charset="0"/>
-              </a:rPr>
-              <a:t>Project is designed in such a </a:t>
-            </a:r>
-            <a:r>
-              <a:rPr kumimoji="0" lang="en-US" sz="1400" b="0" i="0" u="none" strike="noStrike" kern="1200" cap="none" spc="0" normalizeH="0" baseline="0" noProof="0" dirty="0">
-                <a:ln>
-                  <a:noFill/>
-                </a:ln>
-                <a:solidFill>
-                  <a:schemeClr val="tx2">
-                    <a:lumMod val="50000"/>
-                  </a:schemeClr>
-                </a:solidFill>
-                <a:effectLst/>
-                <a:uLnTx/>
-                <a:uFillTx/>
-                <a:latin typeface="Poppins SemiBold" panose="00000700000000000000" pitchFamily="2" charset="0"/>
-                <a:ea typeface="Calibri" panose="020F0502020204030204" pitchFamily="34" charset="0"/>
-                <a:cs typeface="Poppins SemiBold" panose="00000700000000000000" pitchFamily="2" charset="0"/>
-              </a:rPr>
-              <a:t>responsive</a:t>
-            </a:r>
-            <a:r>
-              <a:rPr kumimoji="0" lang="en-US" sz="1400" b="0" i="0" u="none" strike="noStrike" kern="1200" cap="none" spc="0" normalizeH="0" baseline="0" noProof="0" dirty="0">
-                <a:ln>
-                  <a:noFill/>
-                </a:ln>
-                <a:solidFill>
-                  <a:srgbClr val="000000"/>
-                </a:solidFill>
-                <a:effectLst/>
-                <a:uLnTx/>
-                <a:uFillTx/>
-                <a:latin typeface="Poppins SemiBold" panose="00000700000000000000" pitchFamily="2" charset="0"/>
-                <a:ea typeface="Calibri" panose="020F0502020204030204" pitchFamily="34" charset="0"/>
-                <a:cs typeface="Poppins SemiBold" panose="00000700000000000000" pitchFamily="2" charset="0"/>
-              </a:rPr>
-              <a:t> manner that users you use this web app in their mobile phones as well.</a:t>
-            </a:r>
-            <a:endParaRPr kumimoji="0" lang="en-IN" sz="1400" b="0" i="0" u="none" strike="noStrike" kern="1200" cap="none" spc="0" normalizeH="0" baseline="0" noProof="0" dirty="0">
-              <a:ln>
-                <a:noFill/>
-              </a:ln>
-              <a:solidFill>
-                <a:srgbClr val="000000"/>
-              </a:solidFill>
-              <a:effectLst/>
-              <a:uLnTx/>
-              <a:uFillTx/>
-              <a:latin typeface="Poppins SemiBold" panose="00000700000000000000" pitchFamily="2" charset="0"/>
-              <a:ea typeface="Calibri" panose="020F0502020204030204" pitchFamily="34" charset="0"/>
-              <a:cs typeface="Poppins SemiBold" panose="00000700000000000000" pitchFamily="2" charset="0"/>
-            </a:endParaRPr>
-          </a:p>
-          <a:p>
-            <a:endParaRPr lang="en-IN" dirty="0">
-              <a:latin typeface="Poppins SemiBold" panose="00000700000000000000" pitchFamily="2" charset="0"/>
-              <a:cs typeface="Poppins SemiBold" panose="00000700000000000000" pitchFamily="2" charset="0"/>
-            </a:endParaRPr>
-          </a:p>
-        </p:txBody>
-      </p:sp>
       <p:pic>
         <p:nvPicPr>
           <p:cNvPr id="2" name="Picture 4" descr="Free vector programmer concept illustration">
@@ -13612,8 +13252,8 @@
         </p:blipFill>
         <p:spPr bwMode="auto">
           <a:xfrm>
-            <a:off x="6784522" y="2865664"/>
-            <a:ext cx="2008414" cy="2008414"/>
+            <a:off x="7266213" y="3249388"/>
+            <a:ext cx="1624689" cy="1624689"/>
           </a:xfrm>
           <a:prstGeom prst="rect">
             <a:avLst/>
@@ -13630,6 +13270,451 @@
           </a:extLst>
         </p:spPr>
       </p:pic>
+      <p:sp>
+        <p:nvSpPr>
+          <p:cNvPr id="172" name="Google Shape;172;p32"/>
+          <p:cNvSpPr txBox="1">
+            <a:spLocks noGrp="1"/>
+          </p:cNvSpPr>
+          <p:nvPr>
+            <p:ph type="title"/>
+          </p:nvPr>
+        </p:nvSpPr>
+        <p:spPr>
+          <a:xfrm>
+            <a:off x="582597" y="377943"/>
+            <a:ext cx="7206132" cy="650758"/>
+          </a:xfrm>
+          <a:prstGeom prst="rect">
+            <a:avLst/>
+          </a:prstGeom>
+        </p:spPr>
+        <p:txBody>
+          <a:bodyPr spcFirstLastPara="1" wrap="square" lIns="91425" tIns="91425" rIns="91425" bIns="91425" anchor="ctr" anchorCtr="0">
+            <a:noAutofit/>
+          </a:bodyPr>
+          <a:lstStyle/>
+          <a:p>
+            <a:pPr marL="0" lvl="0" indent="0" algn="l" rtl="0">
+              <a:spcBef>
+                <a:spcPts val="0"/>
+              </a:spcBef>
+              <a:spcAft>
+                <a:spcPts val="0"/>
+              </a:spcAft>
+              <a:buNone/>
+            </a:pPr>
+            <a:r>
+              <a:rPr lang="en-IN" sz="3200" dirty="0"/>
+              <a:t>Features and Highlights</a:t>
+            </a:r>
+            <a:endParaRPr sz="3200" dirty="0">
+              <a:solidFill>
+                <a:schemeClr val="lt2"/>
+              </a:solidFill>
+            </a:endParaRPr>
+          </a:p>
+        </p:txBody>
+      </p:sp>
+      <p:sp>
+        <p:nvSpPr>
+          <p:cNvPr id="5" name="TextBox 4">
+            <a:extLst>
+              <a:ext uri="{FF2B5EF4-FFF2-40B4-BE49-F238E27FC236}">
+                <a16:creationId xmlns:a16="http://schemas.microsoft.com/office/drawing/2014/main" id="{8797002A-9EF0-6CF2-3E34-4F020EF377C3}"/>
+              </a:ext>
+            </a:extLst>
+          </p:cNvPr>
+          <p:cNvSpPr txBox="1"/>
+          <p:nvPr/>
+        </p:nvSpPr>
+        <p:spPr>
+          <a:xfrm>
+            <a:off x="582597" y="1126672"/>
+            <a:ext cx="7532703" cy="2775119"/>
+          </a:xfrm>
+          <a:prstGeom prst="rect">
+            <a:avLst/>
+          </a:prstGeom>
+          <a:noFill/>
+        </p:spPr>
+        <p:txBody>
+          <a:bodyPr wrap="square">
+            <a:spAutoFit/>
+          </a:bodyPr>
+          <a:lstStyle/>
+          <a:p>
+            <a:pPr marL="347472" marR="0" lvl="0" indent="-347472" algn="l" defTabSz="914400" rtl="0" eaLnBrk="1" fontAlgn="auto" latinLnBrk="0" hangingPunct="1">
+              <a:lnSpc>
+                <a:spcPct val="150000"/>
+              </a:lnSpc>
+              <a:spcBef>
+                <a:spcPts val="360"/>
+              </a:spcBef>
+              <a:spcAft>
+                <a:spcPts val="0"/>
+              </a:spcAft>
+              <a:buClrTx/>
+              <a:buSzTx/>
+              <a:buFont typeface="Arial" panose="020B0604020202020204" pitchFamily="34" charset="0"/>
+              <a:buChar char="•"/>
+              <a:tabLst/>
+              <a:defRPr/>
+            </a:pPr>
+            <a:r>
+              <a:rPr kumimoji="0" lang="en-US" sz="1400" b="0" i="0" u="none" strike="noStrike" kern="1200" cap="none" spc="0" normalizeH="0" baseline="0" noProof="0" dirty="0">
+                <a:ln>
+                  <a:noFill/>
+                </a:ln>
+                <a:solidFill>
+                  <a:srgbClr val="000000"/>
+                </a:solidFill>
+                <a:effectLst/>
+                <a:uLnTx/>
+                <a:uFillTx/>
+                <a:latin typeface="Poppins SemiBold" panose="00000700000000000000" pitchFamily="2" charset="0"/>
+                <a:ea typeface="Calibri" panose="020F0502020204030204" pitchFamily="34" charset="0"/>
+                <a:cs typeface="Poppins SemiBold" panose="00000700000000000000" pitchFamily="2" charset="0"/>
+              </a:rPr>
+              <a:t>Ability to add, edit, and view expenses with </a:t>
+            </a:r>
+            <a:r>
+              <a:rPr kumimoji="0" lang="en-US" sz="1400" b="0" i="0" u="none" strike="noStrike" kern="1200" cap="none" spc="0" normalizeH="0" baseline="0" noProof="0" dirty="0">
+                <a:ln>
+                  <a:noFill/>
+                </a:ln>
+                <a:solidFill>
+                  <a:srgbClr val="FF0000"/>
+                </a:solidFill>
+                <a:effectLst/>
+                <a:uLnTx/>
+                <a:uFillTx/>
+                <a:latin typeface="Poppins SemiBold" panose="00000700000000000000" pitchFamily="2" charset="0"/>
+                <a:ea typeface="Calibri" panose="020F0502020204030204" pitchFamily="34" charset="0"/>
+                <a:cs typeface="Poppins SemiBold" panose="00000700000000000000" pitchFamily="2" charset="0"/>
+              </a:rPr>
+              <a:t>categorization</a:t>
+            </a:r>
+            <a:r>
+              <a:rPr kumimoji="0" lang="en-US" sz="1400" b="0" i="0" u="none" strike="noStrike" kern="1200" cap="none" spc="0" normalizeH="0" baseline="0" noProof="0" dirty="0">
+                <a:ln>
+                  <a:noFill/>
+                </a:ln>
+                <a:solidFill>
+                  <a:srgbClr val="000000"/>
+                </a:solidFill>
+                <a:effectLst/>
+                <a:uLnTx/>
+                <a:uFillTx/>
+                <a:latin typeface="Poppins SemiBold" panose="00000700000000000000" pitchFamily="2" charset="0"/>
+                <a:ea typeface="Calibri" panose="020F0502020204030204" pitchFamily="34" charset="0"/>
+                <a:cs typeface="Poppins SemiBold" panose="00000700000000000000" pitchFamily="2" charset="0"/>
+              </a:rPr>
+              <a:t>  options.</a:t>
+            </a:r>
+          </a:p>
+          <a:p>
+            <a:pPr marL="347472" marR="0" lvl="0" indent="-347472" algn="l" defTabSz="914400" rtl="0" eaLnBrk="1" fontAlgn="auto" latinLnBrk="0" hangingPunct="1">
+              <a:lnSpc>
+                <a:spcPct val="150000"/>
+              </a:lnSpc>
+              <a:spcBef>
+                <a:spcPts val="360"/>
+              </a:spcBef>
+              <a:spcAft>
+                <a:spcPts val="0"/>
+              </a:spcAft>
+              <a:buClrTx/>
+              <a:buSzTx/>
+              <a:buFont typeface="Arial" panose="020B0604020202020204" pitchFamily="34" charset="0"/>
+              <a:buChar char="•"/>
+              <a:tabLst/>
+              <a:defRPr/>
+            </a:pPr>
+            <a:r>
+              <a:rPr kumimoji="0" lang="en-US" sz="1400" b="0" i="0" u="none" strike="noStrike" kern="1200" cap="none" spc="0" normalizeH="0" baseline="0" noProof="0" dirty="0">
+                <a:ln>
+                  <a:noFill/>
+                </a:ln>
+                <a:solidFill>
+                  <a:srgbClr val="000000"/>
+                </a:solidFill>
+                <a:effectLst/>
+                <a:uLnTx/>
+                <a:uFillTx/>
+                <a:latin typeface="Poppins SemiBold" panose="00000700000000000000" pitchFamily="2" charset="0"/>
+                <a:ea typeface="Calibri" panose="020F0502020204030204" pitchFamily="34" charset="0"/>
+                <a:cs typeface="Poppins SemiBold" panose="00000700000000000000" pitchFamily="2" charset="0"/>
+              </a:rPr>
+              <a:t>Users can view income and expenses as </a:t>
+            </a:r>
+            <a:r>
+              <a:rPr kumimoji="0" lang="en-US" sz="1400" b="0" i="0" u="none" strike="noStrike" kern="1200" cap="none" spc="0" normalizeH="0" baseline="0" noProof="0" dirty="0">
+                <a:ln>
+                  <a:noFill/>
+                </a:ln>
+                <a:solidFill>
+                  <a:srgbClr val="FF0000"/>
+                </a:solidFill>
+                <a:effectLst/>
+                <a:uLnTx/>
+                <a:uFillTx/>
+                <a:latin typeface="Poppins SemiBold" panose="00000700000000000000" pitchFamily="2" charset="0"/>
+                <a:ea typeface="Calibri" panose="020F0502020204030204" pitchFamily="34" charset="0"/>
+                <a:cs typeface="Poppins SemiBold" panose="00000700000000000000" pitchFamily="2" charset="0"/>
+              </a:rPr>
+              <a:t>graphs</a:t>
+            </a:r>
+            <a:r>
+              <a:rPr kumimoji="0" lang="en-US" sz="1400" b="0" i="0" u="none" strike="noStrike" kern="1200" cap="none" spc="0" normalizeH="0" baseline="0" noProof="0" dirty="0">
+                <a:ln>
+                  <a:noFill/>
+                </a:ln>
+                <a:solidFill>
+                  <a:srgbClr val="000000"/>
+                </a:solidFill>
+                <a:effectLst/>
+                <a:uLnTx/>
+                <a:uFillTx/>
+                <a:latin typeface="Poppins SemiBold" panose="00000700000000000000" pitchFamily="2" charset="0"/>
+                <a:ea typeface="Calibri" panose="020F0502020204030204" pitchFamily="34" charset="0"/>
+                <a:cs typeface="Poppins SemiBold" panose="00000700000000000000" pitchFamily="2" charset="0"/>
+              </a:rPr>
+              <a:t> for different categories.</a:t>
+            </a:r>
+          </a:p>
+          <a:p>
+            <a:pPr marL="347472" marR="0" lvl="0" indent="-347472" algn="l" defTabSz="914400" rtl="0" eaLnBrk="1" fontAlgn="auto" latinLnBrk="0" hangingPunct="1">
+              <a:lnSpc>
+                <a:spcPct val="150000"/>
+              </a:lnSpc>
+              <a:spcBef>
+                <a:spcPts val="360"/>
+              </a:spcBef>
+              <a:spcAft>
+                <a:spcPts val="0"/>
+              </a:spcAft>
+              <a:buClrTx/>
+              <a:buSzTx/>
+              <a:buFont typeface="Arial" panose="020B0604020202020204" pitchFamily="34" charset="0"/>
+              <a:buChar char="•"/>
+              <a:tabLst/>
+              <a:defRPr/>
+            </a:pPr>
+            <a:r>
+              <a:rPr kumimoji="0" lang="en-US" sz="1400" b="0" i="0" u="none" strike="noStrike" kern="1200" cap="none" spc="0" normalizeH="0" baseline="0" noProof="0" dirty="0">
+                <a:ln>
+                  <a:noFill/>
+                </a:ln>
+                <a:solidFill>
+                  <a:srgbClr val="000000"/>
+                </a:solidFill>
+                <a:effectLst/>
+                <a:uLnTx/>
+                <a:uFillTx/>
+                <a:latin typeface="Poppins SemiBold" panose="00000700000000000000" pitchFamily="2" charset="0"/>
+                <a:ea typeface="Calibri" panose="020F0502020204030204" pitchFamily="34" charset="0"/>
+                <a:cs typeface="Poppins SemiBold" panose="00000700000000000000" pitchFamily="2" charset="0"/>
+              </a:rPr>
+              <a:t>A Customized </a:t>
+            </a:r>
+            <a:r>
+              <a:rPr kumimoji="0" lang="en-US" sz="1400" b="0" i="0" u="none" strike="noStrike" kern="1200" cap="none" spc="0" normalizeH="0" baseline="0" noProof="0" dirty="0">
+                <a:ln>
+                  <a:noFill/>
+                </a:ln>
+                <a:solidFill>
+                  <a:srgbClr val="FF0000"/>
+                </a:solidFill>
+                <a:effectLst/>
+                <a:uLnTx/>
+                <a:uFillTx/>
+                <a:latin typeface="Poppins SemiBold" panose="00000700000000000000" pitchFamily="2" charset="0"/>
+                <a:ea typeface="Calibri" panose="020F0502020204030204" pitchFamily="34" charset="0"/>
+                <a:cs typeface="Poppins SemiBold" panose="00000700000000000000" pitchFamily="2" charset="0"/>
+              </a:rPr>
+              <a:t>Calendar</a:t>
+            </a:r>
+            <a:r>
+              <a:rPr kumimoji="0" lang="en-US" sz="1400" b="0" i="0" u="none" strike="noStrike" kern="1200" cap="none" spc="0" normalizeH="0" baseline="0" noProof="0" dirty="0">
+                <a:ln>
+                  <a:noFill/>
+                </a:ln>
+                <a:solidFill>
+                  <a:srgbClr val="000000"/>
+                </a:solidFill>
+                <a:effectLst/>
+                <a:uLnTx/>
+                <a:uFillTx/>
+                <a:latin typeface="Poppins SemiBold" panose="00000700000000000000" pitchFamily="2" charset="0"/>
+                <a:ea typeface="Calibri" panose="020F0502020204030204" pitchFamily="34" charset="0"/>
+                <a:cs typeface="Poppins SemiBold" panose="00000700000000000000" pitchFamily="2" charset="0"/>
+              </a:rPr>
+              <a:t> view that gives the summary of income and expense of each day.</a:t>
+            </a:r>
+          </a:p>
+          <a:p>
+            <a:pPr marL="347472" marR="0" lvl="0" indent="-347472" algn="l" defTabSz="914400" rtl="0" eaLnBrk="1" fontAlgn="auto" latinLnBrk="0" hangingPunct="1">
+              <a:lnSpc>
+                <a:spcPct val="150000"/>
+              </a:lnSpc>
+              <a:spcBef>
+                <a:spcPts val="360"/>
+              </a:spcBef>
+              <a:spcAft>
+                <a:spcPts val="0"/>
+              </a:spcAft>
+              <a:buClrTx/>
+              <a:buSzTx/>
+              <a:buFont typeface="Arial" panose="020B0604020202020204" pitchFamily="34" charset="0"/>
+              <a:buChar char="•"/>
+              <a:tabLst/>
+              <a:defRPr/>
+            </a:pPr>
+            <a:r>
+              <a:rPr kumimoji="0" lang="en-US" sz="1400" b="0" i="0" u="none" strike="noStrike" kern="1200" cap="none" spc="0" normalizeH="0" baseline="0" noProof="0" dirty="0">
+                <a:ln>
+                  <a:noFill/>
+                </a:ln>
+                <a:solidFill>
+                  <a:srgbClr val="000000"/>
+                </a:solidFill>
+                <a:effectLst/>
+                <a:uLnTx/>
+                <a:uFillTx/>
+                <a:latin typeface="Poppins SemiBold" panose="00000700000000000000" pitchFamily="2" charset="0"/>
+                <a:ea typeface="Calibri" panose="020F0502020204030204" pitchFamily="34" charset="0"/>
+                <a:cs typeface="Poppins SemiBold" panose="00000700000000000000" pitchFamily="2" charset="0"/>
+              </a:rPr>
+              <a:t>Users can </a:t>
+            </a:r>
+            <a:r>
+              <a:rPr kumimoji="0" lang="en-US" sz="1400" b="0" i="0" u="none" strike="noStrike" kern="1200" cap="none" spc="0" normalizeH="0" baseline="0" noProof="0" dirty="0">
+                <a:ln>
+                  <a:noFill/>
+                </a:ln>
+                <a:solidFill>
+                  <a:srgbClr val="FF0000"/>
+                </a:solidFill>
+                <a:effectLst/>
+                <a:uLnTx/>
+                <a:uFillTx/>
+                <a:latin typeface="Poppins SemiBold" panose="00000700000000000000" pitchFamily="2" charset="0"/>
+                <a:ea typeface="Calibri" panose="020F0502020204030204" pitchFamily="34" charset="0"/>
+                <a:cs typeface="Poppins SemiBold" panose="00000700000000000000" pitchFamily="2" charset="0"/>
+              </a:rPr>
+              <a:t>export</a:t>
+            </a:r>
+            <a:r>
+              <a:rPr kumimoji="0" lang="en-US" sz="1400" b="0" i="0" u="none" strike="noStrike" kern="1200" cap="none" spc="0" normalizeH="0" baseline="0" noProof="0" dirty="0">
+                <a:ln>
+                  <a:noFill/>
+                </a:ln>
+                <a:solidFill>
+                  <a:srgbClr val="000000"/>
+                </a:solidFill>
+                <a:effectLst/>
+                <a:uLnTx/>
+                <a:uFillTx/>
+                <a:latin typeface="Poppins SemiBold" panose="00000700000000000000" pitchFamily="2" charset="0"/>
+                <a:ea typeface="Calibri" panose="020F0502020204030204" pitchFamily="34" charset="0"/>
+                <a:cs typeface="Poppins SemiBold" panose="00000700000000000000" pitchFamily="2" charset="0"/>
+              </a:rPr>
+              <a:t> the data of expenses and incomes whenever required. </a:t>
+            </a:r>
+          </a:p>
+          <a:p>
+            <a:pPr marL="347472" marR="0" lvl="0" indent="-347472" algn="l" defTabSz="914400" rtl="0" eaLnBrk="1" fontAlgn="auto" latinLnBrk="0" hangingPunct="1">
+              <a:lnSpc>
+                <a:spcPct val="150000"/>
+              </a:lnSpc>
+              <a:spcBef>
+                <a:spcPts val="360"/>
+              </a:spcBef>
+              <a:spcAft>
+                <a:spcPts val="0"/>
+              </a:spcAft>
+              <a:buClrTx/>
+              <a:buSzTx/>
+              <a:buFont typeface="Arial" panose="020B0604020202020204" pitchFamily="34" charset="0"/>
+              <a:buChar char="•"/>
+              <a:tabLst/>
+              <a:defRPr/>
+            </a:pPr>
+            <a:r>
+              <a:rPr kumimoji="0" lang="en-US" sz="1400" b="0" i="0" u="none" strike="noStrike" kern="1200" cap="none" spc="0" normalizeH="0" baseline="0" noProof="0" dirty="0">
+                <a:ln>
+                  <a:noFill/>
+                </a:ln>
+                <a:solidFill>
+                  <a:srgbClr val="000000"/>
+                </a:solidFill>
+                <a:effectLst/>
+                <a:uLnTx/>
+                <a:uFillTx/>
+                <a:latin typeface="Poppins SemiBold" panose="00000700000000000000" pitchFamily="2" charset="0"/>
+                <a:ea typeface="Calibri" panose="020F0502020204030204" pitchFamily="34" charset="0"/>
+                <a:cs typeface="Poppins SemiBold" panose="00000700000000000000" pitchFamily="2" charset="0"/>
+              </a:rPr>
+              <a:t>Project is designed in such a </a:t>
+            </a:r>
+            <a:r>
+              <a:rPr kumimoji="0" lang="en-US" sz="1400" b="0" i="0" u="none" strike="noStrike" kern="1200" cap="none" spc="0" normalizeH="0" baseline="0" noProof="0" dirty="0">
+                <a:ln>
+                  <a:noFill/>
+                </a:ln>
+                <a:solidFill>
+                  <a:srgbClr val="FF0000"/>
+                </a:solidFill>
+                <a:effectLst/>
+                <a:uLnTx/>
+                <a:uFillTx/>
+                <a:latin typeface="Poppins SemiBold" panose="00000700000000000000" pitchFamily="2" charset="0"/>
+                <a:ea typeface="Calibri" panose="020F0502020204030204" pitchFamily="34" charset="0"/>
+                <a:cs typeface="Poppins SemiBold" panose="00000700000000000000" pitchFamily="2" charset="0"/>
+              </a:rPr>
+              <a:t>responsive</a:t>
+            </a:r>
+            <a:r>
+              <a:rPr kumimoji="0" lang="en-US" sz="1400" b="0" i="0" u="none" strike="noStrike" kern="1200" cap="none" spc="0" normalizeH="0" baseline="0" noProof="0" dirty="0">
+                <a:ln>
+                  <a:noFill/>
+                </a:ln>
+                <a:solidFill>
+                  <a:srgbClr val="000000"/>
+                </a:solidFill>
+                <a:effectLst/>
+                <a:uLnTx/>
+                <a:uFillTx/>
+                <a:latin typeface="Poppins SemiBold" panose="00000700000000000000" pitchFamily="2" charset="0"/>
+                <a:ea typeface="Calibri" panose="020F0502020204030204" pitchFamily="34" charset="0"/>
+                <a:cs typeface="Poppins SemiBold" panose="00000700000000000000" pitchFamily="2" charset="0"/>
+              </a:rPr>
+              <a:t> manner that users you use this web app in their mobile phones as well.</a:t>
+            </a:r>
+            <a:endParaRPr kumimoji="0" lang="en-IN" sz="1400" b="0" i="0" u="none" strike="noStrike" kern="1200" cap="none" spc="0" normalizeH="0" baseline="0" noProof="0" dirty="0">
+              <a:ln>
+                <a:noFill/>
+              </a:ln>
+              <a:solidFill>
+                <a:srgbClr val="000000"/>
+              </a:solidFill>
+              <a:effectLst/>
+              <a:uLnTx/>
+              <a:uFillTx/>
+              <a:latin typeface="Poppins SemiBold" panose="00000700000000000000" pitchFamily="2" charset="0"/>
+              <a:ea typeface="Calibri" panose="020F0502020204030204" pitchFamily="34" charset="0"/>
+              <a:cs typeface="Poppins SemiBold" panose="00000700000000000000" pitchFamily="2" charset="0"/>
+            </a:endParaRPr>
+          </a:p>
+          <a:p>
+            <a:endParaRPr lang="en-IN" dirty="0">
+              <a:latin typeface="Poppins SemiBold" panose="00000700000000000000" pitchFamily="2" charset="0"/>
+              <a:cs typeface="Poppins SemiBold" panose="00000700000000000000" pitchFamily="2" charset="0"/>
+            </a:endParaRPr>
+          </a:p>
+        </p:txBody>
+      </p:sp>
     </p:spTree>
     <p:extLst>
       <p:ext uri="{BB962C8B-B14F-4D97-AF65-F5344CB8AC3E}">
@@ -13640,6 +13725,18 @@
   <p:clrMapOvr>
     <a:masterClrMapping/>
   </p:clrMapOvr>
+  <mc:AlternateContent xmlns:mc="http://schemas.openxmlformats.org/markup-compatibility/2006">
+    <mc:Choice xmlns:p14="http://schemas.microsoft.com/office/powerpoint/2010/main" Requires="p14">
+      <p:transition spd="slow" p14:dur="800">
+        <p14:flythrough dir="out"/>
+      </p:transition>
+    </mc:Choice>
+    <mc:Fallback>
+      <p:transition spd="slow">
+        <p:fade/>
+      </p:transition>
+    </mc:Fallback>
+  </mc:AlternateContent>
 </p:sld>
 </file>
 
@@ -13734,10 +13831,90 @@
           </a:bodyPr>
           <a:lstStyle/>
           <a:p>
+            <a:pPr marR="0" lvl="0" algn="l" defTabSz="914400" rtl="0" eaLnBrk="1" fontAlgn="auto" latinLnBrk="0" hangingPunct="1">
+              <a:spcBef>
+                <a:spcPts val="360"/>
+              </a:spcBef>
+              <a:spcAft>
+                <a:spcPts val="0"/>
+              </a:spcAft>
+              <a:buClrTx/>
+              <a:buSzTx/>
+              <a:tabLst/>
+              <a:defRPr/>
+            </a:pPr>
+            <a:r>
+              <a:rPr kumimoji="0" lang="en-US" b="0" i="0" u="none" strike="noStrike" kern="1200" cap="none" spc="0" normalizeH="0" baseline="0" noProof="0" dirty="0">
+                <a:ln>
+                  <a:noFill/>
+                </a:ln>
+                <a:solidFill>
+                  <a:srgbClr val="000000"/>
+                </a:solidFill>
+                <a:effectLst/>
+                <a:uLnTx/>
+                <a:uFillTx/>
+                <a:latin typeface="Poppins SemiBold" panose="00000700000000000000" pitchFamily="2" charset="0"/>
+                <a:ea typeface="Calibri" panose="020F0502020204030204" pitchFamily="34" charset="0"/>
+                <a:cs typeface="Poppins SemiBold" panose="00000700000000000000" pitchFamily="2" charset="0"/>
+              </a:rPr>
+              <a:t>The architecture of the Expense Manager project follows a layered and modular design, incorporating key components and their interactions to provide an efficient expense management system.</a:t>
+            </a:r>
+          </a:p>
+          <a:p>
             <a:pPr marL="347472" marR="0" lvl="0" indent="-347472" algn="l" defTabSz="914400" rtl="0" eaLnBrk="1" fontAlgn="auto" latinLnBrk="0" hangingPunct="1">
-              <a:lnSpc>
-                <a:spcPct val="100000"/>
-              </a:lnSpc>
+              <a:spcBef>
+                <a:spcPts val="360"/>
+              </a:spcBef>
+              <a:spcAft>
+                <a:spcPts val="0"/>
+              </a:spcAft>
+              <a:buClrTx/>
+              <a:buSzTx/>
+              <a:buFont typeface="+mj-lt"/>
+              <a:buAutoNum type="arabicPeriod"/>
+              <a:tabLst/>
+              <a:defRPr/>
+            </a:pPr>
+            <a:r>
+              <a:rPr kumimoji="0" lang="en-US" b="1" i="0" u="none" strike="noStrike" kern="1200" cap="none" spc="0" normalizeH="0" baseline="0" noProof="0" dirty="0">
+                <a:ln>
+                  <a:noFill/>
+                </a:ln>
+                <a:solidFill>
+                  <a:schemeClr val="tx2">
+                    <a:lumMod val="50000"/>
+                  </a:schemeClr>
+                </a:solidFill>
+                <a:effectLst/>
+                <a:uLnTx/>
+                <a:uFillTx/>
+                <a:latin typeface="Poppins SemiBold" panose="00000700000000000000" pitchFamily="2" charset="0"/>
+                <a:ea typeface="Calibri" panose="020F0502020204030204" pitchFamily="34" charset="0"/>
+                <a:cs typeface="Poppins SemiBold" panose="00000700000000000000" pitchFamily="2" charset="0"/>
+              </a:rPr>
+              <a:t>Presentation Layer</a:t>
+            </a:r>
+            <a:r>
+              <a:rPr kumimoji="0" lang="en-US" b="1" i="0" u="none" strike="noStrike" kern="1200" cap="none" spc="0" normalizeH="0" baseline="0" noProof="0" dirty="0">
+                <a:ln>
+                  <a:noFill/>
+                </a:ln>
+                <a:solidFill>
+                  <a:srgbClr val="000000"/>
+                </a:solidFill>
+                <a:effectLst/>
+                <a:uLnTx/>
+                <a:uFillTx/>
+                <a:latin typeface="Poppins SemiBold" panose="00000700000000000000" pitchFamily="2" charset="0"/>
+                <a:ea typeface="Calibri" panose="020F0502020204030204" pitchFamily="34" charset="0"/>
+                <a:cs typeface="Poppins SemiBold" panose="00000700000000000000" pitchFamily="2" charset="0"/>
+              </a:rPr>
+              <a:t>:</a:t>
+            </a:r>
+          </a:p>
+          <a:p>
+            <a:pPr marL="800100" marR="0" lvl="1" indent="-342900" algn="l" defTabSz="914400" rtl="0" eaLnBrk="1" fontAlgn="auto" latinLnBrk="0" hangingPunct="1">
               <a:spcBef>
                 <a:spcPts val="360"/>
               </a:spcBef>
@@ -13757,7 +13934,7 @@
                   <a:noFill/>
                 </a:ln>
                 <a:solidFill>
-                  <a:srgbClr val="000000"/>
+                  <a:srgbClr val="FF0000"/>
                 </a:solidFill>
                 <a:effectLst/>
                 <a:uLnTx/>
@@ -13766,14 +13943,78 @@
                 <a:ea typeface="Calibri" panose="020F0502020204030204" pitchFamily="34" charset="0"/>
                 <a:cs typeface="Poppins SemiBold" panose="00000700000000000000" pitchFamily="2" charset="0"/>
               </a:rPr>
-              <a:t>The architecture of the Expense Manager project follows a layered and modular design, incorporating key components and their interactions to provide an efficient expense management system.</a:t>
+              <a:t>User Interface</a:t>
+            </a:r>
+            <a:r>
+              <a:rPr kumimoji="0" lang="en-US" b="0" i="0" u="none" strike="noStrike" kern="1200" cap="none" spc="0" normalizeH="0" baseline="0" noProof="0" dirty="0">
+                <a:ln>
+                  <a:noFill/>
+                </a:ln>
+                <a:solidFill>
+                  <a:srgbClr val="000000"/>
+                </a:solidFill>
+                <a:effectLst/>
+                <a:uLnTx/>
+                <a:uFillTx/>
+                <a:latin typeface="Poppins SemiBold" panose="00000700000000000000" pitchFamily="2" charset="0"/>
+                <a:ea typeface="Calibri" panose="020F0502020204030204" pitchFamily="34" charset="0"/>
+                <a:cs typeface="Poppins SemiBold" panose="00000700000000000000" pitchFamily="2" charset="0"/>
+              </a:rPr>
+              <a:t>: It handles the user interaction and provides a user-friendly interface for accessing the application.</a:t>
+            </a:r>
+          </a:p>
+          <a:p>
+            <a:pPr marL="800100" marR="0" lvl="1" indent="-342900" algn="l" defTabSz="914400" rtl="0" eaLnBrk="1" fontAlgn="auto" latinLnBrk="0" hangingPunct="1">
+              <a:spcBef>
+                <a:spcPts val="360"/>
+              </a:spcBef>
+              <a:spcAft>
+                <a:spcPts val="0"/>
+              </a:spcAft>
+              <a:buClrTx/>
+              <a:buSzTx/>
+              <a:buFont typeface="Arial" panose="020B0604020202020204" pitchFamily="34" charset="0"/>
+              <a:buChar char="•"/>
+              <a:tabLst/>
+              <a:defRPr/>
+            </a:pPr>
+            <a:r>
+              <a:rPr kumimoji="0" lang="en-US" b="0" i="0" u="none" strike="noStrike" kern="1200" cap="none" spc="0" normalizeH="0" baseline="0" noProof="0" dirty="0">
+                <a:ln>
+                  <a:noFill/>
+                </a:ln>
+                <a:solidFill>
+                  <a:srgbClr val="FF0000"/>
+                </a:solidFill>
+                <a:effectLst/>
+                <a:uLnTx/>
+                <a:uFillTx/>
+                <a:latin typeface="Poppins SemiBold" panose="00000700000000000000" pitchFamily="2" charset="0"/>
+                <a:ea typeface="Calibri" panose="020F0502020204030204" pitchFamily="34" charset="0"/>
+                <a:cs typeface="Poppins SemiBold" panose="00000700000000000000" pitchFamily="2" charset="0"/>
+              </a:rPr>
+              <a:t>Views and Forms</a:t>
+            </a:r>
+            <a:r>
+              <a:rPr kumimoji="0" lang="en-US" b="0" i="0" u="none" strike="noStrike" kern="1200" cap="none" spc="0" normalizeH="0" baseline="0" noProof="0" dirty="0">
+                <a:ln>
+                  <a:noFill/>
+                </a:ln>
+                <a:solidFill>
+                  <a:srgbClr val="000000"/>
+                </a:solidFill>
+                <a:effectLst/>
+                <a:uLnTx/>
+                <a:uFillTx/>
+                <a:latin typeface="Poppins SemiBold" panose="00000700000000000000" pitchFamily="2" charset="0"/>
+                <a:ea typeface="Calibri" panose="020F0502020204030204" pitchFamily="34" charset="0"/>
+                <a:cs typeface="Poppins SemiBold" panose="00000700000000000000" pitchFamily="2" charset="0"/>
+              </a:rPr>
+              <a:t>: It comprises the screens and forms that allow users to input expenses, set budgets, and view reports.</a:t>
             </a:r>
           </a:p>
           <a:p>
             <a:pPr marL="347472" marR="0" lvl="0" indent="-347472" algn="l" defTabSz="914400" rtl="0" eaLnBrk="1" fontAlgn="auto" latinLnBrk="0" hangingPunct="1">
-              <a:lnSpc>
-                <a:spcPct val="100000"/>
-              </a:lnSpc>
               <a:spcBef>
                 <a:spcPts val="360"/>
               </a:spcBef>
@@ -13801,10 +14042,10 @@
                 <a:uLnTx/>
                 <a:uFillTx/>
                 <a:latin typeface="Poppins SemiBold" panose="00000700000000000000" pitchFamily="2" charset="0"/>
-                <a:ea typeface="Calibri" panose="020F0502020204030204" pitchFamily="34" charset="0"/>
-                <a:cs typeface="Poppins SemiBold" panose="00000700000000000000" pitchFamily="2" charset="0"/>
-              </a:rPr>
-              <a:t>Presentation Layer</a:t>
+                <a:ea typeface="+mn-ea"/>
+                <a:cs typeface="Poppins SemiBold" panose="00000700000000000000" pitchFamily="2" charset="0"/>
+              </a:rPr>
+              <a:t>Application Layer</a:t>
             </a:r>
             <a:r>
               <a:rPr kumimoji="0" lang="en-US" b="1" i="0" u="none" strike="noStrike" kern="1200" cap="none" spc="0" normalizeH="0" baseline="0" noProof="0" dirty="0">
@@ -13818,17 +14059,14 @@
                 <a:uLnTx/>
                 <a:uFillTx/>
                 <a:latin typeface="Poppins SemiBold" panose="00000700000000000000" pitchFamily="2" charset="0"/>
-                <a:ea typeface="Calibri" panose="020F0502020204030204" pitchFamily="34" charset="0"/>
+                <a:ea typeface="+mn-ea"/>
                 <a:cs typeface="Poppins SemiBold" panose="00000700000000000000" pitchFamily="2" charset="0"/>
               </a:rPr>
               <a:t>:</a:t>
             </a:r>
           </a:p>
           <a:p>
-            <a:pPr marL="800100" marR="0" lvl="1" indent="-342900" algn="l" defTabSz="914400" rtl="0" eaLnBrk="1" fontAlgn="auto" latinLnBrk="0" hangingPunct="1">
-              <a:lnSpc>
-                <a:spcPct val="100000"/>
-              </a:lnSpc>
+            <a:pPr marL="742950" marR="0" lvl="1" indent="-285750" algn="l" defTabSz="914400" rtl="0" eaLnBrk="1" fontAlgn="auto" latinLnBrk="0" hangingPunct="1">
               <a:spcBef>
                 <a:spcPts val="360"/>
               </a:spcBef>
@@ -13843,28 +14081,59 @@
               <a:defRPr/>
             </a:pPr>
             <a:r>
+              <a:rPr kumimoji="0" lang="en-US" b="0" i="0" u="none" strike="noStrike" kern="1200" cap="none" spc="0" normalizeH="0" baseline="0" noProof="0" dirty="0" err="1">
+                <a:ln>
+                  <a:noFill/>
+                </a:ln>
+                <a:solidFill>
+                  <a:srgbClr val="FF0000"/>
+                </a:solidFill>
+                <a:effectLst/>
+                <a:uLnTx/>
+                <a:uFillTx/>
+                <a:latin typeface="Poppins SemiBold" panose="00000700000000000000" pitchFamily="2" charset="0"/>
+                <a:ea typeface="+mn-ea"/>
+                <a:cs typeface="Poppins SemiBold" panose="00000700000000000000" pitchFamily="2" charset="0"/>
+              </a:rPr>
+              <a:t>ExpenseMain</a:t>
+            </a:r>
+            <a:r>
               <a:rPr kumimoji="0" lang="en-US" b="0" i="0" u="none" strike="noStrike" kern="1200" cap="none" spc="0" normalizeH="0" baseline="0" noProof="0" dirty="0">
                 <a:ln>
                   <a:noFill/>
                 </a:ln>
                 <a:solidFill>
-                  <a:srgbClr val="000000"/>
+                  <a:srgbClr val="FF0000"/>
                 </a:solidFill>
                 <a:effectLst/>
                 <a:uLnTx/>
                 <a:uFillTx/>
                 <a:latin typeface="Poppins SemiBold" panose="00000700000000000000" pitchFamily="2" charset="0"/>
-                <a:ea typeface="Calibri" panose="020F0502020204030204" pitchFamily="34" charset="0"/>
-                <a:cs typeface="Poppins SemiBold" panose="00000700000000000000" pitchFamily="2" charset="0"/>
-              </a:rPr>
-              <a:t>User Interface: It handles the user interaction and provides a user-friendly interface for accessing the application.</a:t>
+                <a:ea typeface="+mn-ea"/>
+                <a:cs typeface="Poppins SemiBold" panose="00000700000000000000" pitchFamily="2" charset="0"/>
+              </a:rPr>
+              <a:t> Module</a:t>
+            </a:r>
+            <a:r>
+              <a:rPr kumimoji="0" lang="en-US" b="0" i="0" u="none" strike="noStrike" kern="1200" cap="none" spc="0" normalizeH="0" baseline="0" noProof="0" dirty="0">
+                <a:ln>
+                  <a:noFill/>
+                </a:ln>
+                <a:solidFill>
+                  <a:srgbClr val="000000"/>
+                </a:solidFill>
+                <a:effectLst/>
+                <a:uLnTx/>
+                <a:uFillTx/>
+                <a:latin typeface="Poppins SemiBold" panose="00000700000000000000" pitchFamily="2" charset="0"/>
+                <a:ea typeface="+mn-ea"/>
+                <a:cs typeface="Poppins SemiBold" panose="00000700000000000000" pitchFamily="2" charset="0"/>
+              </a:rPr>
+              <a:t>: It acts as the core functionality of the system, handling expense recording, categorization, and budget visualizations.</a:t>
             </a:r>
           </a:p>
           <a:p>
-            <a:pPr marL="800100" marR="0" lvl="1" indent="-342900" algn="l" defTabSz="914400" rtl="0" eaLnBrk="1" fontAlgn="auto" latinLnBrk="0" hangingPunct="1">
-              <a:lnSpc>
-                <a:spcPct val="100000"/>
-              </a:lnSpc>
+            <a:pPr marL="742950" marR="0" lvl="1" indent="-285750" algn="l" defTabSz="914400" rtl="0" eaLnBrk="1" fontAlgn="auto" latinLnBrk="0" hangingPunct="1">
               <a:spcBef>
                 <a:spcPts val="360"/>
               </a:spcBef>
@@ -13879,6 +14148,23 @@
               <a:defRPr/>
             </a:pPr>
             <a:r>
+              <a:rPr kumimoji="0" lang="en-US" b="0" i="0" u="none" strike="noStrike" kern="1200" cap="none" spc="0" normalizeH="0" baseline="0" noProof="0" dirty="0" err="1">
+                <a:ln>
+                  <a:noFill/>
+                </a:ln>
+                <a:solidFill>
+                  <a:srgbClr val="FF0000"/>
+                </a:solidFill>
+                <a:effectLst/>
+                <a:uLnTx/>
+                <a:uFillTx/>
+                <a:latin typeface="Poppins SemiBold" panose="00000700000000000000" pitchFamily="2" charset="0"/>
+                <a:ea typeface="+mn-ea"/>
+                <a:cs typeface="Poppins SemiBold" panose="00000700000000000000" pitchFamily="2" charset="0"/>
+              </a:rPr>
+              <a:t>ExpenseManager</a:t>
+            </a:r>
+            <a:r>
               <a:rPr kumimoji="0" lang="en-US" b="0" i="0" u="none" strike="noStrike" kern="1200" cap="none" spc="0" normalizeH="0" baseline="0" noProof="0" dirty="0">
                 <a:ln>
                   <a:noFill/>
@@ -13890,85 +14176,11 @@
                 <a:uLnTx/>
                 <a:uFillTx/>
                 <a:latin typeface="Poppins SemiBold" panose="00000700000000000000" pitchFamily="2" charset="0"/>
-                <a:ea typeface="Calibri" panose="020F0502020204030204" pitchFamily="34" charset="0"/>
-                <a:cs typeface="Poppins SemiBold" panose="00000700000000000000" pitchFamily="2" charset="0"/>
-              </a:rPr>
-              <a:t>Views and Forms: It comprises the screens and forms that allow users to input expenses, set budgets, and view reports.</a:t>
-            </a:r>
-          </a:p>
-          <a:p>
-            <a:pPr marL="347472" marR="0" lvl="0" indent="-347472" algn="l" defTabSz="914400" rtl="0" eaLnBrk="1" fontAlgn="auto" latinLnBrk="0" hangingPunct="1">
-              <a:lnSpc>
-                <a:spcPct val="100000"/>
-              </a:lnSpc>
-              <a:spcBef>
-                <a:spcPts val="360"/>
-              </a:spcBef>
-              <a:spcAft>
-                <a:spcPts val="0"/>
-              </a:spcAft>
-              <a:buClrTx/>
-              <a:buSzTx/>
-              <a:buFont typeface="+mj-lt"/>
-              <a:buAutoNum type="arabicPeriod"/>
-              <a:tabLst/>
-              <a:defRPr/>
-            </a:pPr>
-            <a:r>
-              <a:rPr kumimoji="0" lang="en-US" b="1" i="0" u="none" strike="noStrike" kern="1200" cap="none" spc="0" normalizeH="0" baseline="0" noProof="0" dirty="0">
-                <a:ln>
-                  <a:noFill/>
-                </a:ln>
-                <a:solidFill>
-                  <a:schemeClr val="tx2">
-                    <a:lumMod val="50000"/>
-                  </a:schemeClr>
-                </a:solidFill>
-                <a:effectLst/>
-                <a:uLnTx/>
-                <a:uFillTx/>
-                <a:latin typeface="Poppins SemiBold" panose="00000700000000000000" pitchFamily="2" charset="0"/>
                 <a:ea typeface="+mn-ea"/>
                 <a:cs typeface="Poppins SemiBold" panose="00000700000000000000" pitchFamily="2" charset="0"/>
               </a:rPr>
-              <a:t>Application Layer</a:t>
-            </a:r>
-            <a:r>
-              <a:rPr kumimoji="0" lang="en-US" b="1" i="0" u="none" strike="noStrike" kern="1200" cap="none" spc="0" normalizeH="0" baseline="0" noProof="0" dirty="0">
-                <a:ln>
-                  <a:noFill/>
-                </a:ln>
-                <a:solidFill>
-                  <a:srgbClr val="000000"/>
-                </a:solidFill>
-                <a:effectLst/>
-                <a:uLnTx/>
-                <a:uFillTx/>
-                <a:latin typeface="Poppins SemiBold" panose="00000700000000000000" pitchFamily="2" charset="0"/>
-                <a:ea typeface="+mn-ea"/>
-                <a:cs typeface="Poppins SemiBold" panose="00000700000000000000" pitchFamily="2" charset="0"/>
-              </a:rPr>
-              <a:t>:</a:t>
-            </a:r>
-          </a:p>
-          <a:p>
-            <a:pPr marL="742950" marR="0" lvl="1" indent="-285750" algn="l" defTabSz="914400" rtl="0" eaLnBrk="1" fontAlgn="auto" latinLnBrk="0" hangingPunct="1">
-              <a:lnSpc>
-                <a:spcPct val="100000"/>
-              </a:lnSpc>
-              <a:spcBef>
-                <a:spcPts val="360"/>
-              </a:spcBef>
-              <a:spcAft>
-                <a:spcPts val="0"/>
-              </a:spcAft>
-              <a:buClrTx/>
-              <a:buSzTx/>
-              <a:buFont typeface="Arial" panose="020B0604020202020204" pitchFamily="34" charset="0"/>
-              <a:buChar char="•"/>
-              <a:tabLst/>
-              <a:defRPr/>
-            </a:pPr>
+              <a:t>: It handles the main </a:t>
+            </a:r>
             <a:r>
               <a:rPr kumimoji="0" lang="en-US" b="0" i="0" u="none" strike="noStrike" kern="1200" cap="none" spc="0" normalizeH="0" baseline="0" noProof="0" dirty="0" err="1">
                 <a:ln>
@@ -13984,7 +14196,7 @@
                 <a:ea typeface="+mn-ea"/>
                 <a:cs typeface="Poppins SemiBold" panose="00000700000000000000" pitchFamily="2" charset="0"/>
               </a:rPr>
-              <a:t>ExpenseMain</a:t>
+              <a:t>urls</a:t>
             </a:r>
             <a:r>
               <a:rPr kumimoji="0" lang="en-US" b="0" i="0" u="none" strike="noStrike" kern="1200" cap="none" spc="0" normalizeH="0" baseline="0" noProof="0" dirty="0">
@@ -14001,135 +14213,11 @@
                 <a:ea typeface="+mn-ea"/>
                 <a:cs typeface="Poppins SemiBold" panose="00000700000000000000" pitchFamily="2" charset="0"/>
               </a:rPr>
-              <a:t> Module: It acts as the core functionality of the system, handling expense recording, categorization, and budget </a:t>
-            </a:r>
-            <a:r>
-              <a:rPr kumimoji="0" lang="en-US" b="0" i="0" u="none" strike="noStrike" kern="1200" cap="none" spc="0" normalizeH="0" baseline="0" noProof="0" dirty="0" err="1">
-                <a:ln>
-                  <a:noFill/>
-                </a:ln>
-                <a:solidFill>
-                  <a:srgbClr val="000000"/>
-                </a:solidFill>
-                <a:effectLst/>
-                <a:uLnTx/>
-                <a:uFillTx/>
-                <a:latin typeface="Poppins SemiBold" panose="00000700000000000000" pitchFamily="2" charset="0"/>
-                <a:ea typeface="+mn-ea"/>
-                <a:cs typeface="Poppins SemiBold" panose="00000700000000000000" pitchFamily="2" charset="0"/>
-              </a:rPr>
-              <a:t>visualisations</a:t>
-            </a:r>
-            <a:r>
-              <a:rPr kumimoji="0" lang="en-US" b="0" i="0" u="none" strike="noStrike" kern="1200" cap="none" spc="0" normalizeH="0" baseline="0" noProof="0" dirty="0">
-                <a:ln>
-                  <a:noFill/>
-                </a:ln>
-                <a:solidFill>
-                  <a:srgbClr val="000000"/>
-                </a:solidFill>
-                <a:effectLst/>
-                <a:uLnTx/>
-                <a:uFillTx/>
-                <a:latin typeface="Poppins SemiBold" panose="00000700000000000000" pitchFamily="2" charset="0"/>
-                <a:ea typeface="+mn-ea"/>
-                <a:cs typeface="Poppins SemiBold" panose="00000700000000000000" pitchFamily="2" charset="0"/>
-              </a:rPr>
-              <a:t>.</a:t>
-            </a:r>
-          </a:p>
-          <a:p>
-            <a:pPr marL="742950" marR="0" lvl="1" indent="-285750" algn="l" defTabSz="914400" rtl="0" eaLnBrk="1" fontAlgn="auto" latinLnBrk="0" hangingPunct="1">
-              <a:lnSpc>
-                <a:spcPct val="100000"/>
-              </a:lnSpc>
-              <a:spcBef>
-                <a:spcPts val="360"/>
-              </a:spcBef>
-              <a:spcAft>
-                <a:spcPts val="0"/>
-              </a:spcAft>
-              <a:buClrTx/>
-              <a:buSzTx/>
-              <a:buFont typeface="Arial" panose="020B0604020202020204" pitchFamily="34" charset="0"/>
-              <a:buChar char="•"/>
-              <a:tabLst/>
-              <a:defRPr/>
-            </a:pPr>
-            <a:r>
-              <a:rPr kumimoji="0" lang="en-US" b="0" i="0" u="none" strike="noStrike" kern="1200" cap="none" spc="0" normalizeH="0" baseline="0" noProof="0" dirty="0" err="1">
-                <a:ln>
-                  <a:noFill/>
-                </a:ln>
-                <a:solidFill>
-                  <a:srgbClr val="000000"/>
-                </a:solidFill>
-                <a:effectLst/>
-                <a:uLnTx/>
-                <a:uFillTx/>
-                <a:latin typeface="Poppins SemiBold" panose="00000700000000000000" pitchFamily="2" charset="0"/>
-                <a:ea typeface="+mn-ea"/>
-                <a:cs typeface="Poppins SemiBold" panose="00000700000000000000" pitchFamily="2" charset="0"/>
-              </a:rPr>
-              <a:t>ExpenseManager</a:t>
-            </a:r>
-            <a:r>
-              <a:rPr kumimoji="0" lang="en-US" b="0" i="0" u="none" strike="noStrike" kern="1200" cap="none" spc="0" normalizeH="0" baseline="0" noProof="0" dirty="0">
-                <a:ln>
-                  <a:noFill/>
-                </a:ln>
-                <a:solidFill>
-                  <a:srgbClr val="000000"/>
-                </a:solidFill>
-                <a:effectLst/>
-                <a:uLnTx/>
-                <a:uFillTx/>
-                <a:latin typeface="Poppins SemiBold" panose="00000700000000000000" pitchFamily="2" charset="0"/>
-                <a:ea typeface="+mn-ea"/>
-                <a:cs typeface="Poppins SemiBold" panose="00000700000000000000" pitchFamily="2" charset="0"/>
-              </a:rPr>
-              <a:t>: It handles the main </a:t>
-            </a:r>
-            <a:r>
-              <a:rPr kumimoji="0" lang="en-US" b="0" i="0" u="none" strike="noStrike" kern="1200" cap="none" spc="0" normalizeH="0" baseline="0" noProof="0" dirty="0" err="1">
-                <a:ln>
-                  <a:noFill/>
-                </a:ln>
-                <a:solidFill>
-                  <a:srgbClr val="000000"/>
-                </a:solidFill>
-                <a:effectLst/>
-                <a:uLnTx/>
-                <a:uFillTx/>
-                <a:latin typeface="Poppins SemiBold" panose="00000700000000000000" pitchFamily="2" charset="0"/>
-                <a:ea typeface="+mn-ea"/>
-                <a:cs typeface="Poppins SemiBold" panose="00000700000000000000" pitchFamily="2" charset="0"/>
-              </a:rPr>
-              <a:t>urls</a:t>
-            </a:r>
-            <a:r>
-              <a:rPr kumimoji="0" lang="en-US" b="0" i="0" u="none" strike="noStrike" kern="1200" cap="none" spc="0" normalizeH="0" baseline="0" noProof="0" dirty="0">
-                <a:ln>
-                  <a:noFill/>
-                </a:ln>
-                <a:solidFill>
-                  <a:srgbClr val="000000"/>
-                </a:solidFill>
-                <a:effectLst/>
-                <a:uLnTx/>
-                <a:uFillTx/>
-                <a:latin typeface="Poppins SemiBold" panose="00000700000000000000" pitchFamily="2" charset="0"/>
-                <a:ea typeface="+mn-ea"/>
-                <a:cs typeface="Poppins SemiBold" panose="00000700000000000000" pitchFamily="2" charset="0"/>
-              </a:rPr>
               <a:t> that manages the application</a:t>
             </a:r>
           </a:p>
           <a:p>
             <a:pPr marL="457200" marR="0" lvl="1" indent="0" algn="l" defTabSz="914400" rtl="0" eaLnBrk="1" fontAlgn="auto" latinLnBrk="0" hangingPunct="1">
-              <a:lnSpc>
-                <a:spcPct val="100000"/>
-              </a:lnSpc>
               <a:spcBef>
                 <a:spcPts val="360"/>
               </a:spcBef>
@@ -14195,7 +14283,7 @@
         </p:blipFill>
         <p:spPr bwMode="auto">
           <a:xfrm>
-            <a:off x="7645863" y="239988"/>
+            <a:off x="7678519" y="239982"/>
             <a:ext cx="1226346" cy="1226348"/>
           </a:xfrm>
           <a:prstGeom prst="rect">
@@ -14223,6 +14311,18 @@
   <p:clrMapOvr>
     <a:masterClrMapping/>
   </p:clrMapOvr>
+  <mc:AlternateContent xmlns:mc="http://schemas.openxmlformats.org/markup-compatibility/2006">
+    <mc:Choice xmlns:p14="http://schemas.microsoft.com/office/powerpoint/2010/main" Requires="p14">
+      <p:transition spd="slow" p14:dur="800">
+        <p14:flythrough dir="out"/>
+      </p:transition>
+    </mc:Choice>
+    <mc:Fallback>
+      <p:transition spd="slow">
+        <p:fade/>
+      </p:transition>
+    </mc:Fallback>
+  </mc:AlternateContent>
 </p:sld>
 </file>
 
@@ -14412,7 +14512,7 @@
                   <a:noFill/>
                 </a:ln>
                 <a:solidFill>
-                  <a:srgbClr val="000000"/>
+                  <a:srgbClr val="FF0000"/>
                 </a:solidFill>
                 <a:effectLst/>
                 <a:uLnTx/>
@@ -14421,24 +14521,7 @@
                 <a:ea typeface="Calibri" panose="020F0502020204030204" pitchFamily="34" charset="0"/>
                 <a:cs typeface="Poppins SemiBold" panose="00000700000000000000" pitchFamily="2" charset="0"/>
               </a:rPr>
-              <a:t>Database: It includes a relational database management system    called </a:t>
-            </a:r>
-            <a:r>
-              <a:rPr kumimoji="0" lang="en-IN" b="0" i="0" u="none" strike="noStrike" kern="1200" cap="none" spc="0" normalizeH="0" baseline="0" noProof="0" dirty="0" err="1">
-                <a:ln>
-                  <a:noFill/>
-                </a:ln>
-                <a:solidFill>
-                  <a:srgbClr val="000000"/>
-                </a:solidFill>
-                <a:effectLst/>
-                <a:uLnTx/>
-                <a:uFillTx/>
-                <a:latin typeface="Poppins SemiBold" panose="00000700000000000000" pitchFamily="2" charset="0"/>
-                <a:ea typeface="Calibri" panose="020F0502020204030204" pitchFamily="34" charset="0"/>
-                <a:cs typeface="Poppins SemiBold" panose="00000700000000000000" pitchFamily="2" charset="0"/>
-              </a:rPr>
-              <a:t>sqlite</a:t>
+              <a:t>Database</a:t>
             </a:r>
             <a:r>
               <a:rPr kumimoji="0" lang="en-IN" b="0" i="0" u="none" strike="noStrike" kern="1200" cap="none" spc="0" normalizeH="0" baseline="0" noProof="0" dirty="0">
@@ -14455,7 +14538,7 @@
                 <a:ea typeface="Calibri" panose="020F0502020204030204" pitchFamily="34" charset="0"/>
                 <a:cs typeface="Poppins SemiBold" panose="00000700000000000000" pitchFamily="2" charset="0"/>
               </a:rPr>
-              <a:t> to store user data, expense records, budgets, and other relevant information.</a:t>
+              <a:t>: It includes a relational database management system    called SQLite to store user data, expense records, budgets, and other relevant information.</a:t>
             </a:r>
           </a:p>
           <a:p>
@@ -14482,7 +14565,7 @@
                   <a:noFill/>
                 </a:ln>
                 <a:solidFill>
-                  <a:srgbClr val="000000"/>
+                  <a:srgbClr val="FF0000"/>
                 </a:solidFill>
                 <a:effectLst/>
                 <a:uLnTx/>
@@ -14491,7 +14574,24 @@
                 <a:ea typeface="Calibri" panose="020F0502020204030204" pitchFamily="34" charset="0"/>
                 <a:cs typeface="Poppins SemiBold" panose="00000700000000000000" pitchFamily="2" charset="0"/>
               </a:rPr>
-              <a:t>Object-Relational Mapping (ORM): An ORM tool is used to map database entities to application objects, facilitating data retrieval and manipulation.</a:t>
+              <a:t>Object-Relational Mapping (ORM)</a:t>
+            </a:r>
+            <a:r>
+              <a:rPr kumimoji="0" lang="en-IN" b="0" i="0" u="none" strike="noStrike" kern="1200" cap="none" spc="0" normalizeH="0" baseline="0" noProof="0" dirty="0">
+                <a:ln>
+                  <a:noFill/>
+                </a:ln>
+                <a:solidFill>
+                  <a:srgbClr val="000000"/>
+                </a:solidFill>
+                <a:effectLst/>
+                <a:uLnTx/>
+                <a:uFillTx/>
+                <a:latin typeface="Poppins SemiBold" panose="00000700000000000000" pitchFamily="2" charset="0"/>
+                <a:ea typeface="Calibri" panose="020F0502020204030204" pitchFamily="34" charset="0"/>
+                <a:cs typeface="Poppins SemiBold" panose="00000700000000000000" pitchFamily="2" charset="0"/>
+              </a:rPr>
+              <a:t>: An ORM tool is used to map database entities to application objects, facilitating data retrieval and manipulation.</a:t>
             </a:r>
           </a:p>
           <a:p>
@@ -14590,7 +14690,7 @@
                   <a:noFill/>
                 </a:ln>
                 <a:solidFill>
-                  <a:srgbClr val="000000"/>
+                  <a:srgbClr val="FF0000"/>
                 </a:solidFill>
                 <a:effectLst/>
                 <a:uLnTx/>
@@ -14599,7 +14699,24 @@
                 <a:ea typeface="Calibri" panose="020F0502020204030204" pitchFamily="34" charset="0"/>
                 <a:cs typeface="Poppins SemiBold" panose="00000700000000000000" pitchFamily="2" charset="0"/>
               </a:rPr>
-              <a:t>External APIs: This component integrates with external systems, such as </a:t>
+              <a:t>External APIs</a:t>
+            </a:r>
+            <a:r>
+              <a:rPr kumimoji="0" lang="en-US" b="0" i="0" u="none" strike="noStrike" kern="1200" cap="none" spc="0" normalizeH="0" baseline="0" noProof="0" dirty="0">
+                <a:ln>
+                  <a:noFill/>
+                </a:ln>
+                <a:solidFill>
+                  <a:srgbClr val="000000"/>
+                </a:solidFill>
+                <a:effectLst/>
+                <a:uLnTx/>
+                <a:uFillTx/>
+                <a:latin typeface="Poppins SemiBold" panose="00000700000000000000" pitchFamily="2" charset="0"/>
+                <a:ea typeface="Calibri" panose="020F0502020204030204" pitchFamily="34" charset="0"/>
+                <a:cs typeface="Poppins SemiBold" panose="00000700000000000000" pitchFamily="2" charset="0"/>
+              </a:rPr>
+              <a:t>: This component integrates with external systems, such as </a:t>
             </a:r>
             <a:r>
               <a:rPr kumimoji="0" lang="en-US" b="0" i="0" u="none" strike="noStrike" kern="1200" cap="none" spc="0" normalizeH="0" baseline="0" noProof="0" dirty="0" err="1">
@@ -14766,7 +14883,7 @@
                   <a:noFill/>
                 </a:ln>
                 <a:solidFill>
-                  <a:srgbClr val="000000"/>
+                  <a:srgbClr val="FF0000"/>
                 </a:solidFill>
                 <a:effectLst/>
                 <a:uLnTx/>
@@ -14775,7 +14892,24 @@
                 <a:ea typeface="Calibri" panose="020F0502020204030204" pitchFamily="34" charset="0"/>
                 <a:cs typeface="Poppins SemiBold" panose="00000700000000000000" pitchFamily="2" charset="0"/>
               </a:rPr>
-              <a:t>Reporting Engine: This component generates reports and visualizations based on user preferences and selected data parameters.</a:t>
+              <a:t>Reporting Engine</a:t>
+            </a:r>
+            <a:r>
+              <a:rPr kumimoji="0" lang="en-US" b="0" i="0" u="none" strike="noStrike" kern="1200" cap="none" spc="0" normalizeH="0" baseline="0" noProof="0" dirty="0">
+                <a:ln>
+                  <a:noFill/>
+                </a:ln>
+                <a:solidFill>
+                  <a:srgbClr val="000000"/>
+                </a:solidFill>
+                <a:effectLst/>
+                <a:uLnTx/>
+                <a:uFillTx/>
+                <a:latin typeface="Poppins SemiBold" panose="00000700000000000000" pitchFamily="2" charset="0"/>
+                <a:ea typeface="Calibri" panose="020F0502020204030204" pitchFamily="34" charset="0"/>
+                <a:cs typeface="Poppins SemiBold" panose="00000700000000000000" pitchFamily="2" charset="0"/>
+              </a:rPr>
+              <a:t>: This component generates reports and visualizations based on user preferences and selected data parameters.</a:t>
             </a:r>
             <a:endParaRPr kumimoji="0" lang="en-IN" b="0" i="0" u="none" strike="noStrike" kern="1200" cap="none" spc="0" normalizeH="0" baseline="0" noProof="0" dirty="0">
               <a:ln>
@@ -14856,7 +14990,7 @@
         </p:blipFill>
         <p:spPr bwMode="auto">
           <a:xfrm>
-            <a:off x="7645863" y="239988"/>
+            <a:off x="7678519" y="239987"/>
             <a:ext cx="1226346" cy="1226348"/>
           </a:xfrm>
           <a:prstGeom prst="rect">
@@ -14884,6 +15018,18 @@
   <p:clrMapOvr>
     <a:masterClrMapping/>
   </p:clrMapOvr>
+  <mc:AlternateContent xmlns:mc="http://schemas.openxmlformats.org/markup-compatibility/2006">
+    <mc:Choice xmlns:p14="http://schemas.microsoft.com/office/powerpoint/2010/main" Requires="p14">
+      <p:transition spd="slow" p14:dur="800">
+        <p14:flythrough dir="out"/>
+      </p:transition>
+    </mc:Choice>
+    <mc:Fallback>
+      <p:transition spd="slow">
+        <p:fade/>
+      </p:transition>
+    </mc:Fallback>
+  </mc:AlternateContent>
 </p:sld>
 </file>
 
@@ -14985,6 +15131,18 @@
   <p:clrMapOvr>
     <a:masterClrMapping/>
   </p:clrMapOvr>
+  <mc:AlternateContent xmlns:mc="http://schemas.openxmlformats.org/markup-compatibility/2006">
+    <mc:Choice xmlns:p14="http://schemas.microsoft.com/office/powerpoint/2010/main" Requires="p14">
+      <p:transition spd="slow" p14:dur="800">
+        <p14:flythrough dir="out"/>
+      </p:transition>
+    </mc:Choice>
+    <mc:Fallback>
+      <p:transition spd="slow">
+        <p:fade/>
+      </p:transition>
+    </mc:Fallback>
+  </mc:AlternateContent>
 </p:sld>
 </file>
 
@@ -15102,9 +15260,7 @@
                   <a:noFill/>
                 </a:ln>
                 <a:solidFill>
-                  <a:schemeClr val="tx2">
-                    <a:lumMod val="50000"/>
-                  </a:schemeClr>
+                  <a:srgbClr val="FF0000"/>
                 </a:solidFill>
                 <a:effectLst/>
                 <a:uLnTx/>
@@ -15121,9 +15277,7 @@
                   <a:noFill/>
                 </a:ln>
                 <a:solidFill>
-                  <a:schemeClr val="tx2">
-                    <a:lumMod val="50000"/>
-                  </a:schemeClr>
+                  <a:srgbClr val="FF0000"/>
                 </a:solidFill>
                 <a:effectLst/>
                 <a:uLnTx/>
@@ -15176,9 +15330,7 @@
                   <a:noFill/>
                 </a:ln>
                 <a:solidFill>
-                  <a:schemeClr val="tx2">
-                    <a:lumMod val="50000"/>
-                  </a:schemeClr>
+                  <a:srgbClr val="FF0000"/>
                 </a:solidFill>
                 <a:effectLst/>
                 <a:uLnTx/>
@@ -15231,9 +15383,7 @@
                   <a:noFill/>
                 </a:ln>
                 <a:solidFill>
-                  <a:schemeClr val="tx2">
-                    <a:lumMod val="50000"/>
-                  </a:schemeClr>
+                  <a:srgbClr val="FF0000"/>
                 </a:solidFill>
                 <a:effectLst/>
                 <a:uLnTx/>
@@ -15250,7 +15400,7 @@
                   <a:noFill/>
                 </a:ln>
                 <a:solidFill>
-                  <a:srgbClr val="000000"/>
+                  <a:srgbClr val="FF0000"/>
                 </a:solidFill>
                 <a:effectLst/>
                 <a:uLnTx/>
@@ -15267,9 +15417,7 @@
                   <a:noFill/>
                 </a:ln>
                 <a:solidFill>
-                  <a:schemeClr val="tx2">
-                    <a:lumMod val="50000"/>
-                  </a:schemeClr>
+                  <a:srgbClr val="FF0000"/>
                 </a:solidFill>
                 <a:effectLst/>
                 <a:uLnTx/>
@@ -15286,7 +15434,7 @@
                   <a:noFill/>
                 </a:ln>
                 <a:solidFill>
-                  <a:srgbClr val="000000"/>
+                  <a:srgbClr val="FF0000"/>
                 </a:solidFill>
                 <a:effectLst/>
                 <a:uLnTx/>
@@ -15295,7 +15443,24 @@
                 <a:ea typeface="Calibri" panose="020F0502020204030204" pitchFamily="34" charset="0"/>
                 <a:cs typeface="Poppins SemiBold" panose="00000700000000000000" pitchFamily="2" charset="0"/>
               </a:rPr>
-              <a:t> : It is used to generate PDF documents programmatically.</a:t>
+              <a:t> </a:t>
+            </a:r>
+            <a:r>
+              <a:rPr kumimoji="0" lang="en-IN" sz="1400" b="0" i="0" u="none" strike="noStrike" kern="1200" cap="none" spc="0" normalizeH="0" baseline="0" noProof="0" dirty="0">
+                <a:ln>
+                  <a:noFill/>
+                </a:ln>
+                <a:solidFill>
+                  <a:srgbClr val="000000"/>
+                </a:solidFill>
+                <a:effectLst/>
+                <a:uLnTx/>
+                <a:uFillTx/>
+                <a:latin typeface="Poppins SemiBold" panose="00000700000000000000" pitchFamily="2" charset="0"/>
+                <a:ea typeface="Calibri" panose="020F0502020204030204" pitchFamily="34" charset="0"/>
+                <a:cs typeface="Poppins SemiBold" panose="00000700000000000000" pitchFamily="2" charset="0"/>
+              </a:rPr>
+              <a:t>: It is used to generate PDF documents programmatically.</a:t>
             </a:r>
           </a:p>
           <a:p>
@@ -15322,9 +15487,7 @@
                   <a:noFill/>
                 </a:ln>
                 <a:solidFill>
-                  <a:schemeClr val="tx2">
-                    <a:lumMod val="50000"/>
-                  </a:schemeClr>
+                  <a:srgbClr val="FF0000"/>
                 </a:solidFill>
                 <a:effectLst/>
                 <a:uLnTx/>
@@ -15341,9 +15504,7 @@
                   <a:noFill/>
                 </a:ln>
                 <a:solidFill>
-                  <a:schemeClr val="tx2">
-                    <a:lumMod val="50000"/>
-                  </a:schemeClr>
+                  <a:srgbClr val="FF0000"/>
                 </a:solidFill>
                 <a:effectLst/>
                 <a:uLnTx/>
@@ -15360,7 +15521,7 @@
                   <a:noFill/>
                 </a:ln>
                 <a:solidFill>
-                  <a:srgbClr val="000000"/>
+                  <a:srgbClr val="FF0000"/>
                 </a:solidFill>
                 <a:effectLst/>
                 <a:uLnTx/>
@@ -15413,9 +15574,7 @@
                   <a:noFill/>
                 </a:ln>
                 <a:solidFill>
-                  <a:schemeClr val="tx2">
-                    <a:lumMod val="50000"/>
-                  </a:schemeClr>
+                  <a:srgbClr val="FF0000"/>
                 </a:solidFill>
                 <a:effectLst/>
                 <a:uLnTx/>
@@ -15468,9 +15627,7 @@
                   <a:noFill/>
                 </a:ln>
                 <a:solidFill>
-                  <a:schemeClr val="tx2">
-                    <a:lumMod val="50000"/>
-                  </a:schemeClr>
+                  <a:srgbClr val="FF0000"/>
                 </a:solidFill>
                 <a:effectLst/>
                 <a:uLnTx/>
@@ -15523,9 +15680,7 @@
                   <a:noFill/>
                 </a:ln>
                 <a:solidFill>
-                  <a:schemeClr val="tx2">
-                    <a:lumMod val="50000"/>
-                  </a:schemeClr>
+                  <a:srgbClr val="FF0000"/>
                 </a:solidFill>
                 <a:effectLst/>
                 <a:uLnTx/>
@@ -15967,6 +16122,18 @@
   <p:clrMapOvr>
     <a:masterClrMapping/>
   </p:clrMapOvr>
+  <mc:AlternateContent xmlns:mc="http://schemas.openxmlformats.org/markup-compatibility/2006">
+    <mc:Choice xmlns:p14="http://schemas.microsoft.com/office/powerpoint/2010/main" Requires="p14">
+      <p:transition spd="slow" p14:dur="800">
+        <p14:flythrough dir="out"/>
+      </p:transition>
+    </mc:Choice>
+    <mc:Fallback>
+      <p:transition spd="slow">
+        <p:fade/>
+      </p:transition>
+    </mc:Fallback>
+  </mc:AlternateContent>
 </p:sld>
 </file>
 
@@ -16048,7 +16215,7 @@
         <p:spPr>
           <a:xfrm>
             <a:off x="582597" y="1126672"/>
-            <a:ext cx="7842946" cy="2462213"/>
+            <a:ext cx="7842946" cy="2323970"/>
           </a:xfrm>
           <a:prstGeom prst="rect">
             <a:avLst/>
@@ -16061,7 +16228,13 @@
           </a:bodyPr>
           <a:lstStyle/>
           <a:p>
-            <a:pPr algn="just"/>
+            <a:pPr marL="285750" indent="-285750" algn="just">
+              <a:lnSpc>
+                <a:spcPct val="150000"/>
+              </a:lnSpc>
+              <a:buFont typeface="Arial" panose="020B0604020202020204" pitchFamily="34" charset="0"/>
+              <a:buChar char="•"/>
+            </a:pPr>
             <a:r>
               <a:rPr lang="en-IN" sz="1400" dirty="0">
                 <a:solidFill>
@@ -16071,145 +16244,41 @@
                 <a:ea typeface="Calibri" panose="020F0502020204030204" pitchFamily="34" charset="0"/>
                 <a:cs typeface="Poppins SemiBold" panose="00000700000000000000" pitchFamily="2" charset="0"/>
               </a:rPr>
-              <a:t>My major concern was implementing the calendar view to the project such that the total income and expense summary is returned for each day. I had to figure out a way to bring the data from database to the </a:t>
+              <a:t>Implementing </a:t>
             </a:r>
             <a:r>
               <a:rPr lang="en-IN" sz="1400" dirty="0" err="1">
                 <a:solidFill>
+                  <a:srgbClr val="FF0000"/>
+                </a:solidFill>
+                <a:latin typeface="Poppins SemiBold" panose="00000700000000000000" pitchFamily="2" charset="0"/>
+                <a:ea typeface="Calibri" panose="020F0502020204030204" pitchFamily="34" charset="0"/>
+                <a:cs typeface="Poppins SemiBold" panose="00000700000000000000" pitchFamily="2" charset="0"/>
+              </a:rPr>
+              <a:t>FullCalendarJs</a:t>
+            </a:r>
+            <a:r>
+              <a:rPr lang="en-IN" sz="1400" dirty="0">
+                <a:solidFill>
                   <a:schemeClr val="tx1"/>
                 </a:solidFill>
                 <a:latin typeface="Poppins SemiBold" panose="00000700000000000000" pitchFamily="2" charset="0"/>
                 <a:ea typeface="Calibri" panose="020F0502020204030204" pitchFamily="34" charset="0"/>
                 <a:cs typeface="Poppins SemiBold" panose="00000700000000000000" pitchFamily="2" charset="0"/>
               </a:rPr>
-              <a:t>FullCalendar</a:t>
-            </a:r>
-            <a:r>
-              <a:rPr lang="en-IN" sz="1400" dirty="0">
-                <a:solidFill>
-                  <a:schemeClr val="tx1"/>
-                </a:solidFill>
-                <a:latin typeface="Poppins SemiBold" panose="00000700000000000000" pitchFamily="2" charset="0"/>
-                <a:ea typeface="Calibri" panose="020F0502020204030204" pitchFamily="34" charset="0"/>
-                <a:cs typeface="Poppins SemiBold" panose="00000700000000000000" pitchFamily="2" charset="0"/>
-              </a:rPr>
-              <a:t> API. Even though I had previous experience of implementing </a:t>
-            </a:r>
-            <a:r>
-              <a:rPr lang="en-IN" sz="1400" dirty="0" err="1">
-                <a:solidFill>
-                  <a:schemeClr val="tx1"/>
-                </a:solidFill>
-                <a:latin typeface="Poppins SemiBold" panose="00000700000000000000" pitchFamily="2" charset="0"/>
-                <a:ea typeface="Calibri" panose="020F0502020204030204" pitchFamily="34" charset="0"/>
-                <a:cs typeface="Poppins SemiBold" panose="00000700000000000000" pitchFamily="2" charset="0"/>
-              </a:rPr>
-              <a:t>FullCalendar</a:t>
-            </a:r>
-            <a:r>
-              <a:rPr lang="en-IN" sz="1400" dirty="0">
-                <a:solidFill>
-                  <a:schemeClr val="tx1"/>
-                </a:solidFill>
-                <a:latin typeface="Poppins SemiBold" panose="00000700000000000000" pitchFamily="2" charset="0"/>
-                <a:ea typeface="Calibri" panose="020F0502020204030204" pitchFamily="34" charset="0"/>
-                <a:cs typeface="Poppins SemiBold" panose="00000700000000000000" pitchFamily="2" charset="0"/>
-              </a:rPr>
-              <a:t> on my project while I was working, I had to brush up all the concepts again. After quite some research, I finally managed to pass data from the database as </a:t>
-            </a:r>
-            <a:r>
-              <a:rPr lang="en-IN" sz="1400" dirty="0" err="1">
-                <a:solidFill>
-                  <a:schemeClr val="tx1"/>
-                </a:solidFill>
-                <a:latin typeface="Poppins SemiBold" panose="00000700000000000000" pitchFamily="2" charset="0"/>
-                <a:ea typeface="Calibri" panose="020F0502020204030204" pitchFamily="34" charset="0"/>
-                <a:cs typeface="Poppins SemiBold" panose="00000700000000000000" pitchFamily="2" charset="0"/>
-              </a:rPr>
-              <a:t>Json</a:t>
-            </a:r>
-            <a:r>
-              <a:rPr lang="en-IN" sz="1400" dirty="0">
-                <a:solidFill>
-                  <a:schemeClr val="tx1"/>
-                </a:solidFill>
-                <a:latin typeface="Poppins SemiBold" panose="00000700000000000000" pitchFamily="2" charset="0"/>
-                <a:ea typeface="Calibri" panose="020F0502020204030204" pitchFamily="34" charset="0"/>
-                <a:cs typeface="Poppins SemiBold" panose="00000700000000000000" pitchFamily="2" charset="0"/>
-              </a:rPr>
-              <a:t> format and then render them as events on the Calendar. I had to make use of </a:t>
-            </a:r>
-            <a:r>
-              <a:rPr lang="en-IN" sz="1400" dirty="0" err="1">
-                <a:solidFill>
-                  <a:schemeClr val="tx1"/>
-                </a:solidFill>
-                <a:latin typeface="Poppins SemiBold" panose="00000700000000000000" pitchFamily="2" charset="0"/>
-                <a:ea typeface="Calibri" panose="020F0502020204030204" pitchFamily="34" charset="0"/>
-                <a:cs typeface="Poppins SemiBold" panose="00000700000000000000" pitchFamily="2" charset="0"/>
-              </a:rPr>
-              <a:t>ChatGPT</a:t>
-            </a:r>
-            <a:r>
-              <a:rPr lang="en-IN" sz="1400" dirty="0">
-                <a:solidFill>
-                  <a:schemeClr val="tx1"/>
-                </a:solidFill>
-                <a:latin typeface="Poppins SemiBold" panose="00000700000000000000" pitchFamily="2" charset="0"/>
-                <a:ea typeface="Calibri" panose="020F0502020204030204" pitchFamily="34" charset="0"/>
-                <a:cs typeface="Poppins SemiBold" panose="00000700000000000000" pitchFamily="2" charset="0"/>
-              </a:rPr>
-              <a:t> and the official documentation of </a:t>
-            </a:r>
-            <a:r>
-              <a:rPr lang="en-IN" sz="1400" dirty="0" err="1">
-                <a:solidFill>
-                  <a:schemeClr val="tx1"/>
-                </a:solidFill>
-                <a:latin typeface="Poppins SemiBold" panose="00000700000000000000" pitchFamily="2" charset="0"/>
-                <a:ea typeface="Calibri" panose="020F0502020204030204" pitchFamily="34" charset="0"/>
-                <a:cs typeface="Poppins SemiBold" panose="00000700000000000000" pitchFamily="2" charset="0"/>
-              </a:rPr>
-              <a:t>FullCalendar</a:t>
-            </a:r>
-            <a:r>
-              <a:rPr lang="en-IN" sz="1400" dirty="0">
-                <a:solidFill>
-                  <a:schemeClr val="tx1"/>
-                </a:solidFill>
-                <a:latin typeface="Poppins SemiBold" panose="00000700000000000000" pitchFamily="2" charset="0"/>
-                <a:ea typeface="Calibri" panose="020F0502020204030204" pitchFamily="34" charset="0"/>
-                <a:cs typeface="Poppins SemiBold" panose="00000700000000000000" pitchFamily="2" charset="0"/>
-              </a:rPr>
-              <a:t> </a:t>
-            </a:r>
-            <a:r>
-              <a:rPr lang="en-IN" sz="1400" dirty="0" err="1">
-                <a:solidFill>
-                  <a:schemeClr val="tx1"/>
-                </a:solidFill>
-                <a:latin typeface="Poppins SemiBold" panose="00000700000000000000" pitchFamily="2" charset="0"/>
-                <a:ea typeface="Calibri" panose="020F0502020204030204" pitchFamily="34" charset="0"/>
-                <a:cs typeface="Poppins SemiBold" panose="00000700000000000000" pitchFamily="2" charset="0"/>
-              </a:rPr>
-              <a:t>Js</a:t>
-            </a:r>
-            <a:r>
-              <a:rPr lang="en-IN" sz="1400" dirty="0">
-                <a:solidFill>
-                  <a:schemeClr val="tx1"/>
-                </a:solidFill>
-                <a:latin typeface="Poppins SemiBold" panose="00000700000000000000" pitchFamily="2" charset="0"/>
-                <a:ea typeface="Calibri" panose="020F0502020204030204" pitchFamily="34" charset="0"/>
-                <a:cs typeface="Poppins SemiBold" panose="00000700000000000000" pitchFamily="2" charset="0"/>
-              </a:rPr>
-              <a:t>.</a:t>
+              <a:t> to the application system.</a:t>
             </a:r>
           </a:p>
           <a:p>
-            <a:pPr algn="just"/>
-            <a:r>
-              <a:rPr lang="en-IN" sz="1400" dirty="0">
+            <a:pPr marL="285750" indent="-285750" algn="just">
+              <a:lnSpc>
+                <a:spcPct val="150000"/>
+              </a:lnSpc>
+              <a:buFont typeface="Arial" panose="020B0604020202020204" pitchFamily="34" charset="0"/>
+              <a:buChar char="•"/>
+            </a:pPr>
+            <a:r>
+              <a:rPr lang="en-IN" dirty="0">
                 <a:solidFill>
                   <a:schemeClr val="tx1"/>
                 </a:solidFill>
@@ -16217,10 +16286,32 @@
                 <a:ea typeface="Calibri" panose="020F0502020204030204" pitchFamily="34" charset="0"/>
                 <a:cs typeface="Poppins SemiBold" panose="00000700000000000000" pitchFamily="2" charset="0"/>
               </a:rPr>
-              <a:t>Secondly, I was new to implementing </a:t>
-            </a:r>
-            <a:r>
-              <a:rPr lang="en-IN" sz="1400" dirty="0" err="1">
+              <a:t>Implementing </a:t>
+            </a:r>
+            <a:r>
+              <a:rPr lang="en-IN" dirty="0" err="1">
+                <a:solidFill>
+                  <a:srgbClr val="FF0000"/>
+                </a:solidFill>
+                <a:latin typeface="Poppins SemiBold" panose="00000700000000000000" pitchFamily="2" charset="0"/>
+                <a:ea typeface="Calibri" panose="020F0502020204030204" pitchFamily="34" charset="0"/>
+                <a:cs typeface="Poppins SemiBold" panose="00000700000000000000" pitchFamily="2" charset="0"/>
+              </a:rPr>
+              <a:t>ChartJs</a:t>
+            </a:r>
+            <a:r>
+              <a:rPr lang="en-IN" dirty="0">
+                <a:solidFill>
+                  <a:srgbClr val="FF0000"/>
+                </a:solidFill>
+                <a:latin typeface="Poppins SemiBold" panose="00000700000000000000" pitchFamily="2" charset="0"/>
+                <a:ea typeface="Calibri" panose="020F0502020204030204" pitchFamily="34" charset="0"/>
+                <a:cs typeface="Poppins SemiBold" panose="00000700000000000000" pitchFamily="2" charset="0"/>
+              </a:rPr>
+              <a:t> </a:t>
+            </a:r>
+            <a:r>
+              <a:rPr lang="en-IN" dirty="0">
                 <a:solidFill>
                   <a:schemeClr val="tx1"/>
                 </a:solidFill>
@@ -16228,63 +16319,201 @@
                 <a:ea typeface="Calibri" panose="020F0502020204030204" pitchFamily="34" charset="0"/>
                 <a:cs typeface="Poppins SemiBold" panose="00000700000000000000" pitchFamily="2" charset="0"/>
               </a:rPr>
-              <a:t>ChartJs</a:t>
-            </a:r>
-            <a:r>
-              <a:rPr lang="en-IN" sz="1400" dirty="0">
+              <a:t>to the application system.</a:t>
+            </a:r>
+          </a:p>
+          <a:p>
+            <a:pPr marL="285750" indent="-285750" algn="just">
+              <a:lnSpc>
+                <a:spcPct val="150000"/>
+              </a:lnSpc>
+              <a:buFont typeface="Arial" panose="020B0604020202020204" pitchFamily="34" charset="0"/>
+              <a:buChar char="•"/>
+            </a:pPr>
+            <a:r>
+              <a:rPr lang="en-IN" b="0" i="0" dirty="0">
                 <a:solidFill>
                   <a:schemeClr val="tx1"/>
                 </a:solidFill>
-                <a:latin typeface="Poppins SemiBold" panose="00000700000000000000" pitchFamily="2" charset="0"/>
-                <a:ea typeface="Calibri" panose="020F0502020204030204" pitchFamily="34" charset="0"/>
-                <a:cs typeface="Poppins SemiBold" panose="00000700000000000000" pitchFamily="2" charset="0"/>
-              </a:rPr>
-              <a:t> and after hours of research at </a:t>
-            </a:r>
-            <a:r>
-              <a:rPr lang="en-IN" sz="1400" dirty="0" err="1">
+                <a:effectLst/>
+                <a:latin typeface="Poppins SemiBold" panose="00000700000000000000" pitchFamily="2" charset="0"/>
+                <a:cs typeface="Poppins SemiBold" panose="00000700000000000000" pitchFamily="2" charset="0"/>
+              </a:rPr>
+              <a:t>Providing a </a:t>
+            </a:r>
+            <a:r>
+              <a:rPr lang="en-IN" b="0" i="0" dirty="0">
+                <a:solidFill>
+                  <a:srgbClr val="FF0000"/>
+                </a:solidFill>
+                <a:effectLst/>
+                <a:latin typeface="Poppins SemiBold" panose="00000700000000000000" pitchFamily="2" charset="0"/>
+                <a:cs typeface="Poppins SemiBold" panose="00000700000000000000" pitchFamily="2" charset="0"/>
+              </a:rPr>
+              <a:t>user-friendly</a:t>
+            </a:r>
+            <a:r>
+              <a:rPr lang="en-IN" b="0" i="0" dirty="0">
                 <a:solidFill>
                   <a:schemeClr val="tx1"/>
                 </a:solidFill>
-                <a:latin typeface="Poppins SemiBold" panose="00000700000000000000" pitchFamily="2" charset="0"/>
-                <a:ea typeface="Calibri" panose="020F0502020204030204" pitchFamily="34" charset="0"/>
-                <a:cs typeface="Poppins SemiBold" panose="00000700000000000000" pitchFamily="2" charset="0"/>
-              </a:rPr>
-              <a:t>ChatGPT</a:t>
-            </a:r>
-            <a:r>
-              <a:rPr lang="en-IN" sz="1400" dirty="0">
+                <a:effectLst/>
+                <a:latin typeface="Poppins SemiBold" panose="00000700000000000000" pitchFamily="2" charset="0"/>
+                <a:cs typeface="Poppins SemiBold" panose="00000700000000000000" pitchFamily="2" charset="0"/>
+              </a:rPr>
+              <a:t> interface.</a:t>
+            </a:r>
+          </a:p>
+          <a:p>
+            <a:pPr marL="285750" indent="-285750" algn="just">
+              <a:lnSpc>
+                <a:spcPct val="150000"/>
+              </a:lnSpc>
+              <a:buFont typeface="Arial" panose="020B0604020202020204" pitchFamily="34" charset="0"/>
+              <a:buChar char="•"/>
+            </a:pPr>
+            <a:r>
+              <a:rPr lang="en-IN" b="0" i="0" dirty="0">
                 <a:solidFill>
                   <a:schemeClr val="tx1"/>
                 </a:solidFill>
-                <a:latin typeface="Poppins SemiBold" panose="00000700000000000000" pitchFamily="2" charset="0"/>
-                <a:ea typeface="Calibri" panose="020F0502020204030204" pitchFamily="34" charset="0"/>
-                <a:cs typeface="Poppins SemiBold" panose="00000700000000000000" pitchFamily="2" charset="0"/>
-              </a:rPr>
-              <a:t> and the official documentation of </a:t>
-            </a:r>
-            <a:r>
-              <a:rPr lang="en-IN" sz="1400" dirty="0" err="1">
+                <a:effectLst/>
+                <a:latin typeface="Poppins SemiBold" panose="00000700000000000000" pitchFamily="2" charset="0"/>
+                <a:cs typeface="Poppins SemiBold" panose="00000700000000000000" pitchFamily="2" charset="0"/>
+              </a:rPr>
+              <a:t>Ensuring </a:t>
+            </a:r>
+            <a:r>
+              <a:rPr lang="en-IN" b="0" i="0" dirty="0">
+                <a:solidFill>
+                  <a:srgbClr val="FF0000"/>
+                </a:solidFill>
+                <a:effectLst/>
+                <a:latin typeface="Poppins SemiBold" panose="00000700000000000000" pitchFamily="2" charset="0"/>
+                <a:cs typeface="Poppins SemiBold" panose="00000700000000000000" pitchFamily="2" charset="0"/>
+              </a:rPr>
+              <a:t>accuracy</a:t>
+            </a:r>
+            <a:r>
+              <a:rPr lang="en-IN" b="0" i="0" dirty="0">
                 <a:solidFill>
                   <a:schemeClr val="tx1"/>
                 </a:solidFill>
-                <a:latin typeface="Poppins SemiBold" panose="00000700000000000000" pitchFamily="2" charset="0"/>
-                <a:ea typeface="Calibri" panose="020F0502020204030204" pitchFamily="34" charset="0"/>
-                <a:cs typeface="Poppins SemiBold" panose="00000700000000000000" pitchFamily="2" charset="0"/>
-              </a:rPr>
-              <a:t>ChartJs</a:t>
-            </a:r>
-            <a:r>
-              <a:rPr lang="en-IN" sz="1400" dirty="0">
+                <a:effectLst/>
+                <a:latin typeface="Poppins SemiBold" panose="00000700000000000000" pitchFamily="2" charset="0"/>
+                <a:cs typeface="Poppins SemiBold" panose="00000700000000000000" pitchFamily="2" charset="0"/>
+              </a:rPr>
+              <a:t> and </a:t>
+            </a:r>
+            <a:r>
+              <a:rPr lang="en-IN" b="0" i="0" dirty="0">
+                <a:solidFill>
+                  <a:srgbClr val="FF0000"/>
+                </a:solidFill>
+                <a:effectLst/>
+                <a:latin typeface="Poppins SemiBold" panose="00000700000000000000" pitchFamily="2" charset="0"/>
+                <a:cs typeface="Poppins SemiBold" panose="00000700000000000000" pitchFamily="2" charset="0"/>
+              </a:rPr>
+              <a:t>compliance</a:t>
+            </a:r>
+            <a:r>
+              <a:rPr lang="en-IN" b="0" i="0" dirty="0">
                 <a:solidFill>
                   <a:schemeClr val="tx1"/>
                 </a:solidFill>
-                <a:latin typeface="Poppins SemiBold" panose="00000700000000000000" pitchFamily="2" charset="0"/>
-                <a:ea typeface="Calibri" panose="020F0502020204030204" pitchFamily="34" charset="0"/>
-                <a:cs typeface="Poppins SemiBold" panose="00000700000000000000" pitchFamily="2" charset="0"/>
-              </a:rPr>
-              <a:t>, I finally managed to show output of incomes and expenses based on category as charts.</a:t>
-            </a:r>
+                <a:effectLst/>
+                <a:latin typeface="Poppins SemiBold" panose="00000700000000000000" pitchFamily="2" charset="0"/>
+                <a:cs typeface="Poppins SemiBold" panose="00000700000000000000" pitchFamily="2" charset="0"/>
+              </a:rPr>
+              <a:t>.</a:t>
+            </a:r>
+          </a:p>
+          <a:p>
+            <a:pPr marL="285750" indent="-285750" algn="just">
+              <a:lnSpc>
+                <a:spcPct val="150000"/>
+              </a:lnSpc>
+              <a:buFont typeface="Arial" panose="020B0604020202020204" pitchFamily="34" charset="0"/>
+              <a:buChar char="•"/>
+            </a:pPr>
+            <a:r>
+              <a:rPr lang="en-IN" dirty="0">
+                <a:solidFill>
+                  <a:schemeClr val="tx1"/>
+                </a:solidFill>
+                <a:latin typeface="Poppins SemiBold" panose="00000700000000000000" pitchFamily="2" charset="0"/>
+                <a:cs typeface="Poppins SemiBold" panose="00000700000000000000" pitchFamily="2" charset="0"/>
+              </a:rPr>
+              <a:t>Developing a </a:t>
+            </a:r>
+            <a:r>
+              <a:rPr lang="en-IN" dirty="0">
+                <a:solidFill>
+                  <a:srgbClr val="FF0000"/>
+                </a:solidFill>
+                <a:latin typeface="Poppins SemiBold" panose="00000700000000000000" pitchFamily="2" charset="0"/>
+                <a:cs typeface="Poppins SemiBold" panose="00000700000000000000" pitchFamily="2" charset="0"/>
+              </a:rPr>
+              <a:t>cross platform compatible</a:t>
+            </a:r>
+            <a:r>
+              <a:rPr lang="en-IN" dirty="0">
+                <a:solidFill>
+                  <a:schemeClr val="tx1"/>
+                </a:solidFill>
+                <a:latin typeface="Poppins SemiBold" panose="00000700000000000000" pitchFamily="2" charset="0"/>
+                <a:cs typeface="Poppins SemiBold" panose="00000700000000000000" pitchFamily="2" charset="0"/>
+              </a:rPr>
+              <a:t> system.</a:t>
+            </a:r>
+          </a:p>
+          <a:p>
+            <a:pPr marL="285750" indent="-285750" algn="just">
+              <a:lnSpc>
+                <a:spcPct val="150000"/>
+              </a:lnSpc>
+              <a:buFont typeface="Arial" panose="020B0604020202020204" pitchFamily="34" charset="0"/>
+              <a:buChar char="•"/>
+            </a:pPr>
+            <a:r>
+              <a:rPr lang="en-IN" b="0" i="0" dirty="0">
+                <a:solidFill>
+                  <a:srgbClr val="FF0000"/>
+                </a:solidFill>
+                <a:effectLst/>
+                <a:latin typeface="Poppins SemiBold" panose="00000700000000000000" pitchFamily="2" charset="0"/>
+                <a:cs typeface="Poppins SemiBold" panose="00000700000000000000" pitchFamily="2" charset="0"/>
+              </a:rPr>
+              <a:t>Performance</a:t>
+            </a:r>
+            <a:r>
+              <a:rPr lang="en-IN" b="0" i="0" dirty="0">
+                <a:solidFill>
+                  <a:schemeClr val="tx1"/>
+                </a:solidFill>
+                <a:effectLst/>
+                <a:latin typeface="Poppins SemiBold" panose="00000700000000000000" pitchFamily="2" charset="0"/>
+                <a:cs typeface="Poppins SemiBold" panose="00000700000000000000" pitchFamily="2" charset="0"/>
+              </a:rPr>
+              <a:t> optimizations.</a:t>
+            </a:r>
+          </a:p>
+          <a:p>
+            <a:pPr marL="285750" indent="-285750" algn="just">
+              <a:lnSpc>
+                <a:spcPct val="150000"/>
+              </a:lnSpc>
+              <a:buFont typeface="Arial" panose="020B0604020202020204" pitchFamily="34" charset="0"/>
+              <a:buChar char="•"/>
+            </a:pPr>
+            <a:endParaRPr lang="en-IN" sz="1400" dirty="0">
+              <a:solidFill>
+                <a:schemeClr val="tx1"/>
+              </a:solidFill>
+              <a:latin typeface="Poppins SemiBold" panose="00000700000000000000" pitchFamily="2" charset="0"/>
+              <a:ea typeface="Calibri" panose="020F0502020204030204" pitchFamily="34" charset="0"/>
+              <a:cs typeface="Poppins SemiBold" panose="00000700000000000000" pitchFamily="2" charset="0"/>
+            </a:endParaRPr>
           </a:p>
         </p:txBody>
       </p:sp>
@@ -16317,8 +16546,8 @@
         </p:blipFill>
         <p:spPr bwMode="auto">
           <a:xfrm>
-            <a:off x="7604760" y="3523028"/>
-            <a:ext cx="1302064" cy="1302064"/>
+            <a:off x="5527639" y="1675947"/>
+            <a:ext cx="3204620" cy="3204620"/>
           </a:xfrm>
           <a:prstGeom prst="rect">
             <a:avLst/>
@@ -16364,8 +16593,8 @@
         </p:blipFill>
         <p:spPr bwMode="auto">
           <a:xfrm>
-            <a:off x="2404086" y="3588885"/>
-            <a:ext cx="1302063" cy="1302063"/>
+            <a:off x="2191378" y="3153089"/>
+            <a:ext cx="1727480" cy="1727478"/>
           </a:xfrm>
           <a:prstGeom prst="rect">
             <a:avLst/>
@@ -16392,6 +16621,18 @@
   <p:clrMapOvr>
     <a:masterClrMapping/>
   </p:clrMapOvr>
+  <mc:AlternateContent xmlns:mc="http://schemas.openxmlformats.org/markup-compatibility/2006">
+    <mc:Choice xmlns:p14="http://schemas.microsoft.com/office/powerpoint/2010/main" Requires="p14">
+      <p:transition spd="slow" p14:dur="800">
+        <p14:flythrough dir="out"/>
+      </p:transition>
+    </mc:Choice>
+    <mc:Fallback>
+      <p:transition spd="slow">
+        <p:fade/>
+      </p:transition>
+    </mc:Fallback>
+  </mc:AlternateContent>
 </p:sld>
 </file>
 

--- a/ExpenseManager-main/Project Presentation/Expense PPT.pptx
+++ b/ExpenseManager-main/Project Presentation/Expense PPT.pptx
@@ -9126,7 +9126,7 @@
     <p:bg>
       <p:bgPr>
         <a:solidFill>
-          <a:schemeClr val="accent1"/>
+          <a:srgbClr val="00B0F0"/>
         </a:solidFill>
         <a:effectLst/>
       </p:bgPr>
@@ -9538,14 +9538,14 @@
   <p:clrMapOvr>
     <a:masterClrMapping/>
   </p:clrMapOvr>
-  <mc:AlternateContent xmlns:mc="http://schemas.openxmlformats.org/markup-compatibility/2006">
-    <mc:Choice xmlns:p14="http://schemas.microsoft.com/office/powerpoint/2010/main" Requires="p14">
-      <p:transition spd="slow" p14:dur="800">
-        <p14:flythrough dir="out"/>
+  <mc:AlternateContent xmlns:mc="http://schemas.openxmlformats.org/markup-compatibility/2006" xmlns:p14="http://schemas.microsoft.com/office/powerpoint/2010/main">
+    <mc:Choice Requires="p14">
+      <p:transition spd="med" p14:dur="700">
+        <p:fade/>
       </p:transition>
     </mc:Choice>
-    <mc:Fallback>
-      <p:transition spd="slow">
+    <mc:Fallback xmlns="">
+      <p:transition spd="med">
         <p:fade/>
       </p:transition>
     </mc:Fallback>
@@ -9782,7 +9782,7 @@
                 <a:ea typeface="Calibri" panose="020F0502020204030204" pitchFamily="34" charset="0"/>
                 <a:cs typeface="Poppins SemiBold" panose="00000700000000000000" pitchFamily="2" charset="0"/>
               </a:rPr>
-              <a:t>This is the home page which displays a calendar and two buttons marked with the red rectangles which  shows the income and expenses of each month as a summary in two separate calendars. The second screenshot is an example of how the expenses are displayed as summary. Likewise, we can see the summary of income as well. Moreover, we can change the view of calendar to month, day and week format.</a:t>
+              <a:t>This is the home page which displays a calendar and two buttons marked within the red rectangle which  shows the income and expenses of each month as a summary in two separate calendars. The second screenshot is an example of how the expenses are displayed as summary. Likewise, we can see the summary of income as well. Moreover, we can change the view of calendar to month, day and week format.</a:t>
             </a:r>
           </a:p>
         </p:txBody>
@@ -9896,13 +9896,13 @@
   <p:clrMapOvr>
     <a:masterClrMapping/>
   </p:clrMapOvr>
-  <mc:AlternateContent xmlns:mc="http://schemas.openxmlformats.org/markup-compatibility/2006">
-    <mc:Choice xmlns:p14="http://schemas.microsoft.com/office/powerpoint/2010/main" Requires="p14">
+  <mc:AlternateContent xmlns:mc="http://schemas.openxmlformats.org/markup-compatibility/2006" xmlns:p14="http://schemas.microsoft.com/office/powerpoint/2010/main">
+    <mc:Choice Requires="p14">
       <p:transition spd="slow" p14:dur="800">
         <p14:flythrough dir="out"/>
       </p:transition>
     </mc:Choice>
-    <mc:Fallback>
+    <mc:Fallback xmlns="">
       <p:transition spd="slow">
         <p:fade/>
       </p:transition>
@@ -10207,13 +10207,13 @@
   <p:clrMapOvr>
     <a:masterClrMapping/>
   </p:clrMapOvr>
-  <mc:AlternateContent xmlns:mc="http://schemas.openxmlformats.org/markup-compatibility/2006">
-    <mc:Choice xmlns:p14="http://schemas.microsoft.com/office/powerpoint/2010/main" Requires="p14">
+  <mc:AlternateContent xmlns:mc="http://schemas.openxmlformats.org/markup-compatibility/2006" xmlns:p14="http://schemas.microsoft.com/office/powerpoint/2010/main">
+    <mc:Choice Requires="p14">
       <p:transition spd="slow" p14:dur="800">
         <p14:flythrough dir="out"/>
       </p:transition>
     </mc:Choice>
-    <mc:Fallback>
+    <mc:Fallback xmlns="">
       <p:transition spd="slow">
         <p:fade/>
       </p:transition>
@@ -10466,13 +10466,13 @@
   <p:clrMapOvr>
     <a:masterClrMapping/>
   </p:clrMapOvr>
-  <mc:AlternateContent xmlns:mc="http://schemas.openxmlformats.org/markup-compatibility/2006">
-    <mc:Choice xmlns:p14="http://schemas.microsoft.com/office/powerpoint/2010/main" Requires="p14">
+  <mc:AlternateContent xmlns:mc="http://schemas.openxmlformats.org/markup-compatibility/2006" xmlns:p14="http://schemas.microsoft.com/office/powerpoint/2010/main">
+    <mc:Choice Requires="p14">
       <p:transition spd="slow" p14:dur="800">
         <p14:flythrough dir="out"/>
       </p:transition>
     </mc:Choice>
-    <mc:Fallback>
+    <mc:Fallback xmlns="">
       <p:transition spd="slow">
         <p:fade/>
       </p:transition>
@@ -10484,6 +10484,14 @@
 <file path=ppt/slides/slide13.xml><?xml version="1.0" encoding="utf-8"?>
 <p:sld xmlns:a="http://schemas.openxmlformats.org/drawingml/2006/main" xmlns:r="http://schemas.openxmlformats.org/officeDocument/2006/relationships" xmlns:p="http://schemas.openxmlformats.org/presentationml/2006/main">
   <p:cSld>
+    <p:bg>
+      <p:bgPr>
+        <a:solidFill>
+          <a:srgbClr val="00B0F0"/>
+        </a:solidFill>
+        <a:effectLst/>
+      </p:bgPr>
+    </p:bg>
     <p:spTree>
       <p:nvGrpSpPr>
         <p:cNvPr id="1" name="Shape 171"/>
@@ -10647,7 +10655,7 @@
                 <a:ea typeface="Calibri" panose="020F0502020204030204" pitchFamily="34" charset="0"/>
                 <a:cs typeface="Poppins SemiBold" panose="00000700000000000000" pitchFamily="2" charset="0"/>
               </a:rPr>
-              <a:t>Live Budget </a:t>
+              <a:t>Budget limit exceed </a:t>
             </a:r>
             <a:r>
               <a:rPr lang="en-IN" sz="1400" dirty="0">
@@ -10944,13 +10952,13 @@
   <p:clrMapOvr>
     <a:masterClrMapping/>
   </p:clrMapOvr>
-  <mc:AlternateContent xmlns:mc="http://schemas.openxmlformats.org/markup-compatibility/2006">
-    <mc:Choice xmlns:p14="http://schemas.microsoft.com/office/powerpoint/2010/main" Requires="p14">
+  <mc:AlternateContent xmlns:mc="http://schemas.openxmlformats.org/markup-compatibility/2006" xmlns:p14="http://schemas.microsoft.com/office/powerpoint/2010/main">
+    <mc:Choice Requires="p14">
       <p:transition spd="slow" p14:dur="800">
         <p14:flythrough dir="out"/>
       </p:transition>
     </mc:Choice>
-    <mc:Fallback>
+    <mc:Fallback xmlns="">
       <p:transition spd="slow">
         <p:fade/>
       </p:transition>
@@ -10962,6 +10970,14 @@
 <file path=ppt/slides/slide14.xml><?xml version="1.0" encoding="utf-8"?>
 <p:sld xmlns:a="http://schemas.openxmlformats.org/drawingml/2006/main" xmlns:r="http://schemas.openxmlformats.org/officeDocument/2006/relationships" xmlns:p="http://schemas.openxmlformats.org/presentationml/2006/main">
   <p:cSld>
+    <p:bg>
+      <p:bgPr>
+        <a:solidFill>
+          <a:srgbClr val="00B0F0"/>
+        </a:solidFill>
+        <a:effectLst/>
+      </p:bgPr>
+    </p:bg>
     <p:spTree>
       <p:nvGrpSpPr>
         <p:cNvPr id="1" name="Shape 171"/>
@@ -11203,7 +11219,28 @@
               </a:rPr>
               <a:t>gain control over their finances, achieve their financial goals, and improve their overall financial well-being</a:t>
             </a:r>
+            <a:r>
+              <a:rPr lang="en-US" sz="1400" b="1" i="0" dirty="0">
+                <a:solidFill>
+                  <a:schemeClr val="tx1">
+                    <a:lumMod val="95000"/>
+                    <a:lumOff val="5000"/>
+                  </a:schemeClr>
+                </a:solidFill>
+                <a:effectLst/>
+                <a:latin typeface="Poppins SemiBold" panose="00000700000000000000" pitchFamily="2" charset="0"/>
+                <a:ea typeface="Calibri" panose="020F0502020204030204" pitchFamily="34" charset="0"/>
+                <a:cs typeface="Poppins SemiBold" panose="00000700000000000000" pitchFamily="2" charset="0"/>
+              </a:rPr>
+              <a:t>.</a:t>
+            </a:r>
             <a:endParaRPr lang="en-US" sz="1400" b="0" i="0" dirty="0">
+              <a:solidFill>
+                <a:schemeClr val="tx1">
+                  <a:lumMod val="95000"/>
+                  <a:lumOff val="5000"/>
+                </a:schemeClr>
+              </a:solidFill>
               <a:effectLst/>
               <a:latin typeface="Poppins SemiBold" panose="00000700000000000000" pitchFamily="2" charset="0"/>
               <a:ea typeface="Calibri" panose="020F0502020204030204" pitchFamily="34" charset="0"/>
@@ -11241,13 +11278,13 @@
   <p:clrMapOvr>
     <a:masterClrMapping/>
   </p:clrMapOvr>
-  <mc:AlternateContent xmlns:mc="http://schemas.openxmlformats.org/markup-compatibility/2006">
-    <mc:Choice xmlns:p14="http://schemas.microsoft.com/office/powerpoint/2010/main" Requires="p14">
+  <mc:AlternateContent xmlns:mc="http://schemas.openxmlformats.org/markup-compatibility/2006" xmlns:p14="http://schemas.microsoft.com/office/powerpoint/2010/main">
+    <mc:Choice Requires="p14">
       <p:transition spd="slow" p14:dur="800">
         <p14:flythrough dir="out"/>
       </p:transition>
     </mc:Choice>
-    <mc:Fallback>
+    <mc:Fallback xmlns="">
       <p:transition spd="slow">
         <p:fade/>
       </p:transition>
@@ -11259,6 +11296,14 @@
 <file path=ppt/slides/slide15.xml><?xml version="1.0" encoding="utf-8"?>
 <p:sld xmlns:a="http://schemas.openxmlformats.org/drawingml/2006/main" xmlns:r="http://schemas.openxmlformats.org/officeDocument/2006/relationships" xmlns:p="http://schemas.openxmlformats.org/presentationml/2006/main">
   <p:cSld>
+    <p:bg>
+      <p:bgPr>
+        <a:solidFill>
+          <a:srgbClr val="00B0F0"/>
+        </a:solidFill>
+        <a:effectLst/>
+      </p:bgPr>
+    </p:bg>
     <p:spTree>
       <p:nvGrpSpPr>
         <p:cNvPr id="1" name="Shape 171"/>
@@ -11501,11 +11546,14 @@
               </a:rPr>
               <a:t>Js</a:t>
             </a:r>
-            <a:endParaRPr lang="en-IN" sz="1400" dirty="0">
-              <a:latin typeface="Poppins SemiBold" panose="00000700000000000000" pitchFamily="2" charset="0"/>
-              <a:ea typeface="Calibri" panose="020F0502020204030204" pitchFamily="34" charset="0"/>
-              <a:cs typeface="Poppins SemiBold" panose="00000700000000000000" pitchFamily="2" charset="0"/>
-            </a:endParaRPr>
+            <a:r>
+              <a:rPr lang="en-IN" sz="1400" dirty="0">
+                <a:latin typeface="Poppins SemiBold" panose="00000700000000000000" pitchFamily="2" charset="0"/>
+                <a:ea typeface="Calibri" panose="020F0502020204030204" pitchFamily="34" charset="0"/>
+                <a:cs typeface="Poppins SemiBold" panose="00000700000000000000" pitchFamily="2" charset="0"/>
+              </a:rPr>
+              <a:t> documentation</a:t>
+            </a:r>
           </a:p>
           <a:p>
             <a:pPr marL="342900" indent="-342900" algn="just">
@@ -11531,11 +11579,14 @@
               </a:rPr>
               <a:t>Js</a:t>
             </a:r>
-            <a:endParaRPr lang="en-IN" sz="1400" dirty="0">
-              <a:latin typeface="Poppins SemiBold" panose="00000700000000000000" pitchFamily="2" charset="0"/>
-              <a:ea typeface="Calibri" panose="020F0502020204030204" pitchFamily="34" charset="0"/>
-              <a:cs typeface="Poppins SemiBold" panose="00000700000000000000" pitchFamily="2" charset="0"/>
-            </a:endParaRPr>
+            <a:r>
+              <a:rPr lang="en-IN" sz="1400" dirty="0">
+                <a:latin typeface="Poppins SemiBold" panose="00000700000000000000" pitchFamily="2" charset="0"/>
+                <a:ea typeface="Calibri" panose="020F0502020204030204" pitchFamily="34" charset="0"/>
+                <a:cs typeface="Poppins SemiBold" panose="00000700000000000000" pitchFamily="2" charset="0"/>
+              </a:rPr>
+              <a:t> documentation</a:t>
+            </a:r>
           </a:p>
           <a:p>
             <a:pPr marL="342900" indent="-342900" algn="just">
@@ -11567,13 +11618,13 @@
   <p:clrMapOvr>
     <a:masterClrMapping/>
   </p:clrMapOvr>
-  <mc:AlternateContent xmlns:mc="http://schemas.openxmlformats.org/markup-compatibility/2006">
-    <mc:Choice xmlns:p14="http://schemas.microsoft.com/office/powerpoint/2010/main" Requires="p14">
+  <mc:AlternateContent xmlns:mc="http://schemas.openxmlformats.org/markup-compatibility/2006" xmlns:p14="http://schemas.microsoft.com/office/powerpoint/2010/main">
+    <mc:Choice Requires="p14">
       <p:transition spd="slow" p14:dur="800">
         <p14:flythrough dir="out"/>
       </p:transition>
     </mc:Choice>
-    <mc:Fallback>
+    <mc:Fallback xmlns="">
       <p:transition spd="slow">
         <p:fade/>
       </p:transition>
@@ -11585,6 +11636,14 @@
 <file path=ppt/slides/slide16.xml><?xml version="1.0" encoding="utf-8"?>
 <p:sld xmlns:a="http://schemas.openxmlformats.org/drawingml/2006/main" xmlns:r="http://schemas.openxmlformats.org/officeDocument/2006/relationships" xmlns:p="http://schemas.openxmlformats.org/presentationml/2006/main">
   <p:cSld>
+    <p:bg>
+      <p:bgPr>
+        <a:solidFill>
+          <a:srgbClr val="00B0F0"/>
+        </a:solidFill>
+        <a:effectLst/>
+      </p:bgPr>
+    </p:bg>
     <p:spTree>
       <p:nvGrpSpPr>
         <p:cNvPr id="1" name="Shape 171"/>
@@ -11993,13 +12052,13 @@
   <p:clrMapOvr>
     <a:masterClrMapping/>
   </p:clrMapOvr>
-  <mc:AlternateContent xmlns:mc="http://schemas.openxmlformats.org/markup-compatibility/2006">
-    <mc:Choice xmlns:p14="http://schemas.microsoft.com/office/powerpoint/2010/main" Requires="p14">
+  <mc:AlternateContent xmlns:mc="http://schemas.openxmlformats.org/markup-compatibility/2006" xmlns:p14="http://schemas.microsoft.com/office/powerpoint/2010/main">
+    <mc:Choice Requires="p14">
       <p:transition spd="slow" p14:dur="800">
         <p14:flythrough dir="out"/>
       </p:transition>
     </mc:Choice>
-    <mc:Fallback>
+    <mc:Fallback xmlns="">
       <p:transition spd="slow">
         <p:fade/>
       </p:transition>
@@ -12011,6 +12070,14 @@
 <file path=ppt/slides/slide2.xml><?xml version="1.0" encoding="utf-8"?>
 <p:sld xmlns:a="http://schemas.openxmlformats.org/drawingml/2006/main" xmlns:r="http://schemas.openxmlformats.org/officeDocument/2006/relationships" xmlns:p="http://schemas.openxmlformats.org/presentationml/2006/main">
   <p:cSld>
+    <p:bg>
+      <p:bgPr>
+        <a:solidFill>
+          <a:srgbClr val="00B0F0"/>
+        </a:solidFill>
+        <a:effectLst/>
+      </p:bgPr>
+    </p:bg>
     <p:spTree>
       <p:nvGrpSpPr>
         <p:cNvPr id="1" name="Shape 144"/>
@@ -12471,13 +12538,13 @@
   <p:clrMapOvr>
     <a:masterClrMapping/>
   </p:clrMapOvr>
-  <mc:AlternateContent xmlns:mc="http://schemas.openxmlformats.org/markup-compatibility/2006">
-    <mc:Choice xmlns:p14="http://schemas.microsoft.com/office/powerpoint/2010/main" Requires="p14">
+  <mc:AlternateContent xmlns:mc="http://schemas.openxmlformats.org/markup-compatibility/2006" xmlns:p14="http://schemas.microsoft.com/office/powerpoint/2010/main">
+    <mc:Choice Requires="p14">
       <p:transition spd="slow" p14:dur="800">
         <p14:flythrough dir="out"/>
       </p:transition>
     </mc:Choice>
-    <mc:Fallback>
+    <mc:Fallback xmlns="">
       <p:transition spd="slow">
         <p:fade/>
       </p:transition>
@@ -12489,6 +12556,14 @@
 <file path=ppt/slides/slide3.xml><?xml version="1.0" encoding="utf-8"?>
 <p:sld xmlns:a="http://schemas.openxmlformats.org/drawingml/2006/main" xmlns:r="http://schemas.openxmlformats.org/officeDocument/2006/relationships" xmlns:p="http://schemas.openxmlformats.org/presentationml/2006/main">
   <p:cSld>
+    <p:bg>
+      <p:bgPr>
+        <a:solidFill>
+          <a:srgbClr val="00B0F0"/>
+        </a:solidFill>
+        <a:effectLst/>
+      </p:bgPr>
+    </p:bg>
     <p:spTree>
       <p:nvGrpSpPr>
         <p:cNvPr id="1" name="Shape 171"/>
@@ -13191,13 +13266,13 @@
   <p:clrMapOvr>
     <a:masterClrMapping/>
   </p:clrMapOvr>
-  <mc:AlternateContent xmlns:mc="http://schemas.openxmlformats.org/markup-compatibility/2006">
-    <mc:Choice xmlns:p14="http://schemas.microsoft.com/office/powerpoint/2010/main" Requires="p14">
+  <mc:AlternateContent xmlns:mc="http://schemas.openxmlformats.org/markup-compatibility/2006" xmlns:p14="http://schemas.microsoft.com/office/powerpoint/2010/main">
+    <mc:Choice Requires="p14">
       <p:transition spd="slow" p14:dur="800">
         <p14:flythrough dir="out"/>
       </p:transition>
     </mc:Choice>
-    <mc:Fallback>
+    <mc:Fallback xmlns="">
       <p:transition spd="slow">
         <p:fade/>
       </p:transition>
@@ -13209,6 +13284,14 @@
 <file path=ppt/slides/slide4.xml><?xml version="1.0" encoding="utf-8"?>
 <p:sld xmlns:a="http://schemas.openxmlformats.org/drawingml/2006/main" xmlns:r="http://schemas.openxmlformats.org/officeDocument/2006/relationships" xmlns:p="http://schemas.openxmlformats.org/presentationml/2006/main">
   <p:cSld>
+    <p:bg>
+      <p:bgPr>
+        <a:solidFill>
+          <a:srgbClr val="00B0F0"/>
+        </a:solidFill>
+        <a:effectLst/>
+      </p:bgPr>
+    </p:bg>
     <p:spTree>
       <p:nvGrpSpPr>
         <p:cNvPr id="1" name="Shape 171"/>
@@ -13725,13 +13808,13 @@
   <p:clrMapOvr>
     <a:masterClrMapping/>
   </p:clrMapOvr>
-  <mc:AlternateContent xmlns:mc="http://schemas.openxmlformats.org/markup-compatibility/2006">
-    <mc:Choice xmlns:p14="http://schemas.microsoft.com/office/powerpoint/2010/main" Requires="p14">
+  <mc:AlternateContent xmlns:mc="http://schemas.openxmlformats.org/markup-compatibility/2006" xmlns:p14="http://schemas.microsoft.com/office/powerpoint/2010/main">
+    <mc:Choice Requires="p14">
       <p:transition spd="slow" p14:dur="800">
         <p14:flythrough dir="out"/>
       </p:transition>
     </mc:Choice>
-    <mc:Fallback>
+    <mc:Fallback xmlns="">
       <p:transition spd="slow">
         <p:fade/>
       </p:transition>
@@ -13743,6 +13826,708 @@
 <file path=ppt/slides/slide5.xml><?xml version="1.0" encoding="utf-8"?>
 <p:sld xmlns:a="http://schemas.openxmlformats.org/drawingml/2006/main" xmlns:r="http://schemas.openxmlformats.org/officeDocument/2006/relationships" xmlns:p="http://schemas.openxmlformats.org/presentationml/2006/main">
   <p:cSld>
+    <p:bg>
+      <p:bgPr>
+        <a:solidFill>
+          <a:srgbClr val="00B0F0"/>
+        </a:solidFill>
+        <a:effectLst/>
+      </p:bgPr>
+    </p:bg>
+    <p:spTree>
+      <p:nvGrpSpPr>
+        <p:cNvPr id="1" name="Shape 171"/>
+        <p:cNvGrpSpPr/>
+        <p:nvPr/>
+      </p:nvGrpSpPr>
+      <p:grpSpPr>
+        <a:xfrm>
+          <a:off x="0" y="0"/>
+          <a:ext cx="0" cy="0"/>
+          <a:chOff x="0" y="0"/>
+          <a:chExt cx="0" cy="0"/>
+        </a:xfrm>
+      </p:grpSpPr>
+      <p:pic>
+        <p:nvPicPr>
+          <p:cNvPr id="6" name="Picture 8" descr="Free vector operating system concept illustration">
+            <a:extLst>
+              <a:ext uri="{FF2B5EF4-FFF2-40B4-BE49-F238E27FC236}">
+                <a16:creationId xmlns:a16="http://schemas.microsoft.com/office/drawing/2014/main" id="{EBBCA0BC-0956-379E-15CD-73028599E43D}"/>
+              </a:ext>
+            </a:extLst>
+          </p:cNvPr>
+          <p:cNvPicPr>
+            <a:picLocks noChangeAspect="1" noChangeArrowheads="1"/>
+          </p:cNvPicPr>
+          <p:nvPr/>
+        </p:nvPicPr>
+        <p:blipFill>
+          <a:blip r:embed="rId3">
+            <a:extLst>
+              <a:ext uri="{28A0092B-C50C-407E-A947-70E740481C1C}">
+                <a14:useLocalDpi xmlns:a14="http://schemas.microsoft.com/office/drawing/2010/main" val="0"/>
+              </a:ext>
+            </a:extLst>
+          </a:blip>
+          <a:srcRect/>
+          <a:stretch>
+            <a:fillRect/>
+          </a:stretch>
+        </p:blipFill>
+        <p:spPr bwMode="auto">
+          <a:xfrm>
+            <a:off x="7678519" y="239982"/>
+            <a:ext cx="1226346" cy="1226348"/>
+          </a:xfrm>
+          <a:prstGeom prst="rect">
+            <a:avLst/>
+          </a:prstGeom>
+          <a:noFill/>
+          <a:extLst>
+            <a:ext uri="{909E8E84-426E-40DD-AFC4-6F175D3DCCD1}">
+              <a14:hiddenFill xmlns:a14="http://schemas.microsoft.com/office/drawing/2010/main">
+                <a:solidFill>
+                  <a:srgbClr val="FFFFFF"/>
+                </a:solidFill>
+              </a14:hiddenFill>
+            </a:ext>
+          </a:extLst>
+        </p:spPr>
+      </p:pic>
+      <p:sp>
+        <p:nvSpPr>
+          <p:cNvPr id="172" name="Google Shape;172;p32"/>
+          <p:cNvSpPr txBox="1">
+            <a:spLocks noGrp="1"/>
+          </p:cNvSpPr>
+          <p:nvPr>
+            <p:ph type="title"/>
+          </p:nvPr>
+        </p:nvSpPr>
+        <p:spPr>
+          <a:xfrm>
+            <a:off x="582597" y="377943"/>
+            <a:ext cx="7206132" cy="650758"/>
+          </a:xfrm>
+          <a:prstGeom prst="rect">
+            <a:avLst/>
+          </a:prstGeom>
+        </p:spPr>
+        <p:txBody>
+          <a:bodyPr spcFirstLastPara="1" wrap="square" lIns="91425" tIns="91425" rIns="91425" bIns="91425" anchor="ctr" anchorCtr="0">
+            <a:noAutofit/>
+          </a:bodyPr>
+          <a:lstStyle/>
+          <a:p>
+            <a:pPr marL="0" lvl="0" indent="0" algn="l" rtl="0">
+              <a:spcBef>
+                <a:spcPts val="0"/>
+              </a:spcBef>
+              <a:spcAft>
+                <a:spcPts val="0"/>
+              </a:spcAft>
+              <a:buNone/>
+            </a:pPr>
+            <a:r>
+              <a:rPr lang="en-IN" sz="3200" dirty="0"/>
+              <a:t>Architecture of the project</a:t>
+            </a:r>
+            <a:endParaRPr sz="3200" dirty="0">
+              <a:solidFill>
+                <a:schemeClr val="lt2"/>
+              </a:solidFill>
+            </a:endParaRPr>
+          </a:p>
+        </p:txBody>
+      </p:sp>
+      <p:sp>
+        <p:nvSpPr>
+          <p:cNvPr id="5" name="TextBox 4">
+            <a:extLst>
+              <a:ext uri="{FF2B5EF4-FFF2-40B4-BE49-F238E27FC236}">
+                <a16:creationId xmlns:a16="http://schemas.microsoft.com/office/drawing/2014/main" id="{8797002A-9EF0-6CF2-3E34-4F020EF377C3}"/>
+              </a:ext>
+            </a:extLst>
+          </p:cNvPr>
+          <p:cNvSpPr txBox="1"/>
+          <p:nvPr/>
+        </p:nvSpPr>
+        <p:spPr>
+          <a:xfrm>
+            <a:off x="582597" y="1126672"/>
+            <a:ext cx="7532703" cy="4165243"/>
+          </a:xfrm>
+          <a:prstGeom prst="rect">
+            <a:avLst/>
+          </a:prstGeom>
+          <a:noFill/>
+        </p:spPr>
+        <p:txBody>
+          <a:bodyPr wrap="square">
+            <a:spAutoFit/>
+          </a:bodyPr>
+          <a:lstStyle/>
+          <a:p>
+            <a:pPr marR="0" lvl="0" algn="l" defTabSz="914400" rtl="0" eaLnBrk="1" fontAlgn="auto" latinLnBrk="0" hangingPunct="1">
+              <a:spcBef>
+                <a:spcPts val="360"/>
+              </a:spcBef>
+              <a:spcAft>
+                <a:spcPts val="0"/>
+              </a:spcAft>
+              <a:buClrTx/>
+              <a:buSzTx/>
+              <a:tabLst/>
+              <a:defRPr/>
+            </a:pPr>
+            <a:r>
+              <a:rPr kumimoji="0" lang="en-US" b="0" i="0" u="none" strike="noStrike" kern="1200" cap="none" spc="0" normalizeH="0" baseline="0" noProof="0" dirty="0">
+                <a:ln>
+                  <a:noFill/>
+                </a:ln>
+                <a:solidFill>
+                  <a:srgbClr val="000000"/>
+                </a:solidFill>
+                <a:effectLst/>
+                <a:uLnTx/>
+                <a:uFillTx/>
+                <a:latin typeface="Poppins SemiBold" panose="00000700000000000000" pitchFamily="2" charset="0"/>
+                <a:ea typeface="Calibri" panose="020F0502020204030204" pitchFamily="34" charset="0"/>
+                <a:cs typeface="Poppins SemiBold" panose="00000700000000000000" pitchFamily="2" charset="0"/>
+              </a:rPr>
+              <a:t>The architecture of the Expense Manager project follows a </a:t>
+            </a:r>
+            <a:r>
+              <a:rPr kumimoji="0" lang="en-US" b="0" i="0" u="none" strike="noStrike" kern="1200" cap="none" spc="0" normalizeH="0" baseline="0" noProof="0" dirty="0">
+                <a:ln>
+                  <a:noFill/>
+                </a:ln>
+                <a:solidFill>
+                  <a:srgbClr val="FF0000"/>
+                </a:solidFill>
+                <a:effectLst/>
+                <a:uLnTx/>
+                <a:uFillTx/>
+                <a:latin typeface="Poppins SemiBold" panose="00000700000000000000" pitchFamily="2" charset="0"/>
+                <a:ea typeface="Calibri" panose="020F0502020204030204" pitchFamily="34" charset="0"/>
+                <a:cs typeface="Poppins SemiBold" panose="00000700000000000000" pitchFamily="2" charset="0"/>
+              </a:rPr>
+              <a:t>layered and modular design</a:t>
+            </a:r>
+            <a:r>
+              <a:rPr kumimoji="0" lang="en-US" b="0" i="0" u="none" strike="noStrike" kern="1200" cap="none" spc="0" normalizeH="0" baseline="0" noProof="0" dirty="0">
+                <a:ln>
+                  <a:noFill/>
+                </a:ln>
+                <a:solidFill>
+                  <a:srgbClr val="000000"/>
+                </a:solidFill>
+                <a:effectLst/>
+                <a:uLnTx/>
+                <a:uFillTx/>
+                <a:latin typeface="Poppins SemiBold" panose="00000700000000000000" pitchFamily="2" charset="0"/>
+                <a:ea typeface="Calibri" panose="020F0502020204030204" pitchFamily="34" charset="0"/>
+                <a:cs typeface="Poppins SemiBold" panose="00000700000000000000" pitchFamily="2" charset="0"/>
+              </a:rPr>
+              <a:t>, incorporating key components and their interactions to provide an efficient expense management system.</a:t>
+            </a:r>
+          </a:p>
+          <a:p>
+            <a:pPr marL="347472" marR="0" lvl="0" indent="-347472" algn="just" defTabSz="914400" rtl="0" eaLnBrk="1" fontAlgn="auto" latinLnBrk="0" hangingPunct="1">
+              <a:spcBef>
+                <a:spcPts val="360"/>
+              </a:spcBef>
+              <a:spcAft>
+                <a:spcPts val="0"/>
+              </a:spcAft>
+              <a:buClrTx/>
+              <a:buSzTx/>
+              <a:buFont typeface="+mj-lt"/>
+              <a:buAutoNum type="arabicPeriod"/>
+              <a:tabLst/>
+              <a:defRPr/>
+            </a:pPr>
+            <a:r>
+              <a:rPr kumimoji="0" lang="en-US" b="1" i="0" u="none" strike="noStrike" kern="1200" cap="none" spc="0" normalizeH="0" baseline="0" noProof="0" dirty="0">
+                <a:ln>
+                  <a:noFill/>
+                </a:ln>
+                <a:solidFill>
+                  <a:schemeClr val="tx2">
+                    <a:lumMod val="50000"/>
+                  </a:schemeClr>
+                </a:solidFill>
+                <a:effectLst/>
+                <a:uLnTx/>
+                <a:uFillTx/>
+                <a:latin typeface="Poppins SemiBold" panose="00000700000000000000" pitchFamily="2" charset="0"/>
+                <a:ea typeface="Calibri" panose="020F0502020204030204" pitchFamily="34" charset="0"/>
+                <a:cs typeface="Poppins SemiBold" panose="00000700000000000000" pitchFamily="2" charset="0"/>
+              </a:rPr>
+              <a:t>Presentation Layer</a:t>
+            </a:r>
+            <a:r>
+              <a:rPr kumimoji="0" lang="en-US" b="1" i="0" u="none" strike="noStrike" kern="1200" cap="none" spc="0" normalizeH="0" baseline="0" noProof="0" dirty="0">
+                <a:ln>
+                  <a:noFill/>
+                </a:ln>
+                <a:solidFill>
+                  <a:srgbClr val="000000"/>
+                </a:solidFill>
+                <a:effectLst/>
+                <a:uLnTx/>
+                <a:uFillTx/>
+                <a:latin typeface="Poppins SemiBold" panose="00000700000000000000" pitchFamily="2" charset="0"/>
+                <a:ea typeface="Calibri" panose="020F0502020204030204" pitchFamily="34" charset="0"/>
+                <a:cs typeface="Poppins SemiBold" panose="00000700000000000000" pitchFamily="2" charset="0"/>
+              </a:rPr>
+              <a:t>:</a:t>
+            </a:r>
+          </a:p>
+          <a:p>
+            <a:pPr marL="800100" marR="0" lvl="1" indent="-342900" algn="just" defTabSz="914400" rtl="0" eaLnBrk="1" fontAlgn="auto" latinLnBrk="0" hangingPunct="1">
+              <a:spcBef>
+                <a:spcPts val="360"/>
+              </a:spcBef>
+              <a:spcAft>
+                <a:spcPts val="0"/>
+              </a:spcAft>
+              <a:buClrTx/>
+              <a:buSzTx/>
+              <a:buFont typeface="Arial" panose="020B0604020202020204" pitchFamily="34" charset="0"/>
+              <a:buChar char="•"/>
+              <a:tabLst/>
+              <a:defRPr/>
+            </a:pPr>
+            <a:r>
+              <a:rPr kumimoji="0" lang="en-US" b="0" i="0" u="none" strike="noStrike" kern="1200" cap="none" spc="0" normalizeH="0" baseline="0" noProof="0" dirty="0">
+                <a:ln>
+                  <a:noFill/>
+                </a:ln>
+                <a:solidFill>
+                  <a:srgbClr val="FF0000"/>
+                </a:solidFill>
+                <a:effectLst/>
+                <a:uLnTx/>
+                <a:uFillTx/>
+                <a:latin typeface="Poppins SemiBold" panose="00000700000000000000" pitchFamily="2" charset="0"/>
+                <a:ea typeface="Calibri" panose="020F0502020204030204" pitchFamily="34" charset="0"/>
+                <a:cs typeface="Poppins SemiBold" panose="00000700000000000000" pitchFamily="2" charset="0"/>
+              </a:rPr>
+              <a:t>User Interface</a:t>
+            </a:r>
+            <a:r>
+              <a:rPr kumimoji="0" lang="en-US" b="0" i="0" u="none" strike="noStrike" kern="1200" cap="none" spc="0" normalizeH="0" baseline="0" noProof="0" dirty="0">
+                <a:ln>
+                  <a:noFill/>
+                </a:ln>
+                <a:solidFill>
+                  <a:srgbClr val="000000"/>
+                </a:solidFill>
+                <a:effectLst/>
+                <a:uLnTx/>
+                <a:uFillTx/>
+                <a:latin typeface="Poppins SemiBold" panose="00000700000000000000" pitchFamily="2" charset="0"/>
+                <a:ea typeface="Calibri" panose="020F0502020204030204" pitchFamily="34" charset="0"/>
+                <a:cs typeface="Poppins SemiBold" panose="00000700000000000000" pitchFamily="2" charset="0"/>
+              </a:rPr>
+              <a:t>: It handles the user interaction and provides a user-friendly interface for accessing the application.</a:t>
+            </a:r>
+          </a:p>
+          <a:p>
+            <a:pPr marL="800100" marR="0" lvl="1" indent="-342900" algn="just" defTabSz="914400" rtl="0" eaLnBrk="1" fontAlgn="auto" latinLnBrk="0" hangingPunct="1">
+              <a:spcBef>
+                <a:spcPts val="360"/>
+              </a:spcBef>
+              <a:spcAft>
+                <a:spcPts val="0"/>
+              </a:spcAft>
+              <a:buClrTx/>
+              <a:buSzTx/>
+              <a:buFont typeface="Arial" panose="020B0604020202020204" pitchFamily="34" charset="0"/>
+              <a:buChar char="•"/>
+              <a:tabLst/>
+              <a:defRPr/>
+            </a:pPr>
+            <a:r>
+              <a:rPr kumimoji="0" lang="en-US" b="0" i="0" u="none" strike="noStrike" kern="1200" cap="none" spc="0" normalizeH="0" baseline="0" noProof="0" dirty="0">
+                <a:ln>
+                  <a:noFill/>
+                </a:ln>
+                <a:solidFill>
+                  <a:srgbClr val="FF0000"/>
+                </a:solidFill>
+                <a:effectLst/>
+                <a:uLnTx/>
+                <a:uFillTx/>
+                <a:latin typeface="Poppins SemiBold" panose="00000700000000000000" pitchFamily="2" charset="0"/>
+                <a:ea typeface="Calibri" panose="020F0502020204030204" pitchFamily="34" charset="0"/>
+                <a:cs typeface="Poppins SemiBold" panose="00000700000000000000" pitchFamily="2" charset="0"/>
+              </a:rPr>
+              <a:t>Views and Forms</a:t>
+            </a:r>
+            <a:r>
+              <a:rPr kumimoji="0" lang="en-US" b="0" i="0" u="none" strike="noStrike" kern="1200" cap="none" spc="0" normalizeH="0" baseline="0" noProof="0" dirty="0">
+                <a:ln>
+                  <a:noFill/>
+                </a:ln>
+                <a:solidFill>
+                  <a:srgbClr val="000000"/>
+                </a:solidFill>
+                <a:effectLst/>
+                <a:uLnTx/>
+                <a:uFillTx/>
+                <a:latin typeface="Poppins SemiBold" panose="00000700000000000000" pitchFamily="2" charset="0"/>
+                <a:ea typeface="Calibri" panose="020F0502020204030204" pitchFamily="34" charset="0"/>
+                <a:cs typeface="Poppins SemiBold" panose="00000700000000000000" pitchFamily="2" charset="0"/>
+              </a:rPr>
+              <a:t>: It comprises the screens and forms that allow users to input expenses, set budgets, and view reports.</a:t>
+            </a:r>
+          </a:p>
+          <a:p>
+            <a:pPr marL="347472" marR="0" lvl="0" indent="-347472" algn="just" defTabSz="914400" rtl="0" eaLnBrk="1" fontAlgn="auto" latinLnBrk="0" hangingPunct="1">
+              <a:spcBef>
+                <a:spcPts val="360"/>
+              </a:spcBef>
+              <a:spcAft>
+                <a:spcPts val="0"/>
+              </a:spcAft>
+              <a:buClrTx/>
+              <a:buSzTx/>
+              <a:buFont typeface="+mj-lt"/>
+              <a:buAutoNum type="arabicPeriod"/>
+              <a:tabLst/>
+              <a:defRPr/>
+            </a:pPr>
+            <a:r>
+              <a:rPr kumimoji="0" lang="en-US" b="1" i="0" u="none" strike="noStrike" kern="1200" cap="none" spc="0" normalizeH="0" baseline="0" noProof="0" dirty="0">
+                <a:ln>
+                  <a:noFill/>
+                </a:ln>
+                <a:solidFill>
+                  <a:schemeClr val="tx2">
+                    <a:lumMod val="50000"/>
+                  </a:schemeClr>
+                </a:solidFill>
+                <a:effectLst/>
+                <a:uLnTx/>
+                <a:uFillTx/>
+                <a:latin typeface="Poppins SemiBold" panose="00000700000000000000" pitchFamily="2" charset="0"/>
+                <a:ea typeface="+mn-ea"/>
+                <a:cs typeface="Poppins SemiBold" panose="00000700000000000000" pitchFamily="2" charset="0"/>
+              </a:rPr>
+              <a:t>Application Layer</a:t>
+            </a:r>
+            <a:r>
+              <a:rPr kumimoji="0" lang="en-US" b="1" i="0" u="none" strike="noStrike" kern="1200" cap="none" spc="0" normalizeH="0" baseline="0" noProof="0" dirty="0">
+                <a:ln>
+                  <a:noFill/>
+                </a:ln>
+                <a:solidFill>
+                  <a:srgbClr val="000000"/>
+                </a:solidFill>
+                <a:effectLst/>
+                <a:uLnTx/>
+                <a:uFillTx/>
+                <a:latin typeface="Poppins SemiBold" panose="00000700000000000000" pitchFamily="2" charset="0"/>
+                <a:ea typeface="+mn-ea"/>
+                <a:cs typeface="Poppins SemiBold" panose="00000700000000000000" pitchFamily="2" charset="0"/>
+              </a:rPr>
+              <a:t>:</a:t>
+            </a:r>
+          </a:p>
+          <a:p>
+            <a:pPr marL="742950" marR="0" lvl="1" indent="-285750" algn="just" defTabSz="914400" rtl="0" eaLnBrk="1" fontAlgn="auto" latinLnBrk="0" hangingPunct="1">
+              <a:spcBef>
+                <a:spcPts val="360"/>
+              </a:spcBef>
+              <a:spcAft>
+                <a:spcPts val="0"/>
+              </a:spcAft>
+              <a:buClrTx/>
+              <a:buSzTx/>
+              <a:buFont typeface="Arial" panose="020B0604020202020204" pitchFamily="34" charset="0"/>
+              <a:buChar char="•"/>
+              <a:tabLst/>
+              <a:defRPr/>
+            </a:pPr>
+            <a:r>
+              <a:rPr kumimoji="0" lang="en-US" b="0" i="0" u="none" strike="noStrike" kern="1200" cap="none" spc="0" normalizeH="0" baseline="0" noProof="0" dirty="0">
+                <a:ln>
+                  <a:noFill/>
+                </a:ln>
+                <a:solidFill>
+                  <a:srgbClr val="FF0000"/>
+                </a:solidFill>
+                <a:effectLst/>
+                <a:uLnTx/>
+                <a:uFillTx/>
+                <a:latin typeface="Poppins SemiBold" panose="00000700000000000000" pitchFamily="2" charset="0"/>
+                <a:ea typeface="+mn-ea"/>
+                <a:cs typeface="Poppins SemiBold" panose="00000700000000000000" pitchFamily="2" charset="0"/>
+              </a:rPr>
+              <a:t>Expense &amp; Income service</a:t>
+            </a:r>
+            <a:r>
+              <a:rPr kumimoji="0" lang="en-US" b="0" i="0" u="none" strike="noStrike" kern="1200" cap="none" spc="0" normalizeH="0" baseline="0" noProof="0" dirty="0">
+                <a:ln>
+                  <a:noFill/>
+                </a:ln>
+                <a:solidFill>
+                  <a:srgbClr val="000000"/>
+                </a:solidFill>
+                <a:effectLst/>
+                <a:uLnTx/>
+                <a:uFillTx/>
+                <a:latin typeface="Poppins SemiBold" panose="00000700000000000000" pitchFamily="2" charset="0"/>
+                <a:ea typeface="+mn-ea"/>
+                <a:cs typeface="Poppins SemiBold" panose="00000700000000000000" pitchFamily="2" charset="0"/>
+              </a:rPr>
+              <a:t>: It acts as the core functionality of the system, handling expense and income recording, categorization etc.</a:t>
+            </a:r>
+          </a:p>
+          <a:p>
+            <a:pPr marL="742950" marR="0" lvl="1" indent="-285750" algn="just" defTabSz="914400" rtl="0" eaLnBrk="1" fontAlgn="auto" latinLnBrk="0" hangingPunct="1">
+              <a:spcBef>
+                <a:spcPts val="360"/>
+              </a:spcBef>
+              <a:spcAft>
+                <a:spcPts val="0"/>
+              </a:spcAft>
+              <a:buClrTx/>
+              <a:buSzTx/>
+              <a:buFont typeface="Arial" panose="020B0604020202020204" pitchFamily="34" charset="0"/>
+              <a:buChar char="•"/>
+              <a:tabLst/>
+              <a:defRPr/>
+            </a:pPr>
+            <a:r>
+              <a:rPr kumimoji="0" lang="en-US" b="0" i="0" u="none" strike="noStrike" kern="1200" cap="none" spc="0" normalizeH="0" baseline="0" noProof="0" dirty="0">
+                <a:ln>
+                  <a:noFill/>
+                </a:ln>
+                <a:solidFill>
+                  <a:srgbClr val="FF0000"/>
+                </a:solidFill>
+                <a:effectLst/>
+                <a:uLnTx/>
+                <a:uFillTx/>
+                <a:latin typeface="Poppins SemiBold" panose="00000700000000000000" pitchFamily="2" charset="0"/>
+                <a:ea typeface="+mn-ea"/>
+                <a:cs typeface="Poppins SemiBold" panose="00000700000000000000" pitchFamily="2" charset="0"/>
+              </a:rPr>
+              <a:t>Use</a:t>
+            </a:r>
+            <a:r>
+              <a:rPr lang="en-US" kern="1200" dirty="0">
+                <a:solidFill>
+                  <a:srgbClr val="FF0000"/>
+                </a:solidFill>
+                <a:latin typeface="Poppins SemiBold" panose="00000700000000000000" pitchFamily="2" charset="0"/>
+                <a:ea typeface="+mn-ea"/>
+                <a:cs typeface="Poppins SemiBold" panose="00000700000000000000" pitchFamily="2" charset="0"/>
+              </a:rPr>
+              <a:t>r Service</a:t>
+            </a:r>
+            <a:r>
+              <a:rPr lang="en-US" kern="1200" dirty="0">
+                <a:latin typeface="Poppins SemiBold" panose="00000700000000000000" pitchFamily="2" charset="0"/>
+                <a:ea typeface="+mn-ea"/>
+                <a:cs typeface="Poppins SemiBold" panose="00000700000000000000" pitchFamily="2" charset="0"/>
+              </a:rPr>
+              <a:t>: It </a:t>
+            </a:r>
+            <a:r>
+              <a:rPr lang="en-US" b="0" i="0" dirty="0">
+                <a:solidFill>
+                  <a:schemeClr val="tx1">
+                    <a:lumMod val="95000"/>
+                    <a:lumOff val="5000"/>
+                  </a:schemeClr>
+                </a:solidFill>
+                <a:effectLst/>
+                <a:latin typeface="Poppins SemiBold" panose="00000700000000000000" pitchFamily="2" charset="0"/>
+                <a:cs typeface="Poppins SemiBold" panose="00000700000000000000" pitchFamily="2" charset="0"/>
+              </a:rPr>
+              <a:t>manages user-related operations such as user authentication, user registration, and profile management.</a:t>
+            </a:r>
+          </a:p>
+          <a:p>
+            <a:pPr marL="742950" marR="0" lvl="1" indent="-285750" algn="just" defTabSz="914400" rtl="0" eaLnBrk="1" fontAlgn="auto" latinLnBrk="0" hangingPunct="1">
+              <a:spcBef>
+                <a:spcPts val="360"/>
+              </a:spcBef>
+              <a:spcAft>
+                <a:spcPts val="0"/>
+              </a:spcAft>
+              <a:buClrTx/>
+              <a:buSzTx/>
+              <a:buFont typeface="Arial" panose="020B0604020202020204" pitchFamily="34" charset="0"/>
+              <a:buChar char="•"/>
+              <a:tabLst/>
+              <a:defRPr/>
+            </a:pPr>
+            <a:r>
+              <a:rPr kumimoji="0" lang="en-US" u="none" strike="noStrike" kern="1200" cap="none" spc="0" normalizeH="0" baseline="0" noProof="0" dirty="0">
+                <a:ln>
+                  <a:noFill/>
+                </a:ln>
+                <a:solidFill>
+                  <a:srgbClr val="FF0000"/>
+                </a:solidFill>
+                <a:uLnTx/>
+                <a:uFillTx/>
+                <a:latin typeface="Poppins SemiBold" panose="00000700000000000000" pitchFamily="2" charset="0"/>
+                <a:ea typeface="+mn-ea"/>
+                <a:cs typeface="Poppins SemiBold" panose="00000700000000000000" pitchFamily="2" charset="0"/>
+              </a:rPr>
+              <a:t>Reporting Service</a:t>
+            </a:r>
+            <a:r>
+              <a:rPr kumimoji="0" lang="en-US" u="none" strike="noStrike" kern="1200" cap="none" spc="0" normalizeH="0" baseline="0" noProof="0" dirty="0">
+                <a:ln>
+                  <a:noFill/>
+                </a:ln>
+                <a:solidFill>
+                  <a:schemeClr val="tx1">
+                    <a:lumMod val="95000"/>
+                    <a:lumOff val="5000"/>
+                  </a:schemeClr>
+                </a:solidFill>
+                <a:uLnTx/>
+                <a:uFillTx/>
+                <a:latin typeface="Poppins SemiBold" panose="00000700000000000000" pitchFamily="2" charset="0"/>
+                <a:ea typeface="+mn-ea"/>
+                <a:cs typeface="Poppins SemiBold" panose="00000700000000000000" pitchFamily="2" charset="0"/>
+              </a:rPr>
+              <a:t>: </a:t>
+            </a:r>
+            <a:r>
+              <a:rPr lang="en-US" kern="1200" dirty="0">
+                <a:solidFill>
+                  <a:schemeClr val="tx1">
+                    <a:lumMod val="95000"/>
+                    <a:lumOff val="5000"/>
+                  </a:schemeClr>
+                </a:solidFill>
+                <a:latin typeface="Poppins SemiBold" panose="00000700000000000000" pitchFamily="2" charset="0"/>
+                <a:ea typeface="+mn-ea"/>
+                <a:cs typeface="Poppins SemiBold" panose="00000700000000000000" pitchFamily="2" charset="0"/>
+              </a:rPr>
+              <a:t>I</a:t>
+            </a:r>
+            <a:r>
+              <a:rPr kumimoji="0" lang="en-US" u="none" strike="noStrike" kern="1200" cap="none" spc="0" normalizeH="0" baseline="0" noProof="0" dirty="0">
+                <a:ln>
+                  <a:noFill/>
+                </a:ln>
+                <a:solidFill>
+                  <a:schemeClr val="tx1">
+                    <a:lumMod val="95000"/>
+                    <a:lumOff val="5000"/>
+                  </a:schemeClr>
+                </a:solidFill>
+                <a:uLnTx/>
+                <a:uFillTx/>
+                <a:latin typeface="Poppins SemiBold" panose="00000700000000000000" pitchFamily="2" charset="0"/>
+                <a:ea typeface="+mn-ea"/>
+                <a:cs typeface="Poppins SemiBold" panose="00000700000000000000" pitchFamily="2" charset="0"/>
+              </a:rPr>
+              <a:t>t generates various types of reports based on expense data. </a:t>
+            </a:r>
+            <a:endParaRPr kumimoji="0" lang="en-US" b="0" i="0" u="none" strike="noStrike" kern="1200" cap="none" spc="0" normalizeH="0" baseline="0" noProof="0" dirty="0">
+              <a:ln>
+                <a:noFill/>
+              </a:ln>
+              <a:solidFill>
+                <a:schemeClr val="tx1">
+                  <a:lumMod val="95000"/>
+                  <a:lumOff val="5000"/>
+                </a:schemeClr>
+              </a:solidFill>
+              <a:effectLst/>
+              <a:uLnTx/>
+              <a:uFillTx/>
+              <a:latin typeface="Poppins SemiBold" panose="00000700000000000000" pitchFamily="2" charset="0"/>
+              <a:ea typeface="+mn-ea"/>
+              <a:cs typeface="Poppins SemiBold" panose="00000700000000000000" pitchFamily="2" charset="0"/>
+            </a:endParaRPr>
+          </a:p>
+          <a:p>
+            <a:pPr marL="457200" marR="0" lvl="1" indent="0" algn="l" defTabSz="914400" rtl="0" eaLnBrk="1" fontAlgn="auto" latinLnBrk="0" hangingPunct="1">
+              <a:spcBef>
+                <a:spcPts val="360"/>
+              </a:spcBef>
+              <a:spcAft>
+                <a:spcPts val="0"/>
+              </a:spcAft>
+              <a:buClrTx/>
+              <a:buSzTx/>
+              <a:buFont typeface="Arial" panose="020B0604020202020204" pitchFamily="34" charset="0"/>
+              <a:buNone/>
+              <a:tabLst/>
+              <a:defRPr/>
+            </a:pPr>
+            <a:endParaRPr kumimoji="0" lang="en-US" b="0" i="0" u="none" strike="noStrike" kern="1200" cap="none" spc="0" normalizeH="0" baseline="0" noProof="0" dirty="0">
+              <a:ln>
+                <a:noFill/>
+              </a:ln>
+              <a:solidFill>
+                <a:srgbClr val="000000"/>
+              </a:solidFill>
+              <a:effectLst/>
+              <a:uLnTx/>
+              <a:uFillTx/>
+              <a:latin typeface="Poppins SemiBold" panose="00000700000000000000" pitchFamily="2" charset="0"/>
+              <a:ea typeface="Calibri" panose="020F0502020204030204" pitchFamily="34" charset="0"/>
+              <a:cs typeface="Poppins SemiBold" panose="00000700000000000000" pitchFamily="2" charset="0"/>
+            </a:endParaRPr>
+          </a:p>
+          <a:p>
+            <a:endParaRPr lang="en-US" dirty="0">
+              <a:latin typeface="Poppins SemiBold" panose="00000700000000000000" pitchFamily="2" charset="0"/>
+              <a:cs typeface="Poppins SemiBold" panose="00000700000000000000" pitchFamily="2" charset="0"/>
+            </a:endParaRPr>
+          </a:p>
+        </p:txBody>
+      </p:sp>
+    </p:spTree>
+    <p:extLst>
+      <p:ext uri="{BB962C8B-B14F-4D97-AF65-F5344CB8AC3E}">
+        <p14:creationId xmlns:p14="http://schemas.microsoft.com/office/powerpoint/2010/main" val="1592661585"/>
+      </p:ext>
+    </p:extLst>
+  </p:cSld>
+  <p:clrMapOvr>
+    <a:masterClrMapping/>
+  </p:clrMapOvr>
+  <mc:AlternateContent xmlns:mc="http://schemas.openxmlformats.org/markup-compatibility/2006" xmlns:p14="http://schemas.microsoft.com/office/powerpoint/2010/main">
+    <mc:Choice Requires="p14">
+      <p:transition spd="slow" p14:dur="800">
+        <p14:flythrough dir="out"/>
+      </p:transition>
+    </mc:Choice>
+    <mc:Fallback xmlns="">
+      <p:transition spd="slow">
+        <p:fade/>
+      </p:transition>
+    </mc:Fallback>
+  </mc:AlternateContent>
+</p:sld>
+</file>
+
+<file path=ppt/slides/slide6.xml><?xml version="1.0" encoding="utf-8"?>
+<p:sld xmlns:a="http://schemas.openxmlformats.org/drawingml/2006/main" xmlns:r="http://schemas.openxmlformats.org/officeDocument/2006/relationships" xmlns:p="http://schemas.openxmlformats.org/presentationml/2006/main">
+  <p:cSld>
+    <p:bg>
+      <p:bgPr>
+        <a:solidFill>
+          <a:srgbClr val="00B0F0"/>
+        </a:solidFill>
+        <a:effectLst/>
+      </p:bgPr>
+    </p:bg>
     <p:spTree>
       <p:nvGrpSpPr>
         <p:cNvPr id="1" name="Shape 171"/>
@@ -13818,592 +14603,6 @@
         <p:spPr>
           <a:xfrm>
             <a:off x="582597" y="1126672"/>
-            <a:ext cx="7532703" cy="3467616"/>
-          </a:xfrm>
-          <a:prstGeom prst="rect">
-            <a:avLst/>
-          </a:prstGeom>
-          <a:noFill/>
-        </p:spPr>
-        <p:txBody>
-          <a:bodyPr wrap="square">
-            <a:spAutoFit/>
-          </a:bodyPr>
-          <a:lstStyle/>
-          <a:p>
-            <a:pPr marR="0" lvl="0" algn="l" defTabSz="914400" rtl="0" eaLnBrk="1" fontAlgn="auto" latinLnBrk="0" hangingPunct="1">
-              <a:spcBef>
-                <a:spcPts val="360"/>
-              </a:spcBef>
-              <a:spcAft>
-                <a:spcPts val="0"/>
-              </a:spcAft>
-              <a:buClrTx/>
-              <a:buSzTx/>
-              <a:tabLst/>
-              <a:defRPr/>
-            </a:pPr>
-            <a:r>
-              <a:rPr kumimoji="0" lang="en-US" b="0" i="0" u="none" strike="noStrike" kern="1200" cap="none" spc="0" normalizeH="0" baseline="0" noProof="0" dirty="0">
-                <a:ln>
-                  <a:noFill/>
-                </a:ln>
-                <a:solidFill>
-                  <a:srgbClr val="000000"/>
-                </a:solidFill>
-                <a:effectLst/>
-                <a:uLnTx/>
-                <a:uFillTx/>
-                <a:latin typeface="Poppins SemiBold" panose="00000700000000000000" pitchFamily="2" charset="0"/>
-                <a:ea typeface="Calibri" panose="020F0502020204030204" pitchFamily="34" charset="0"/>
-                <a:cs typeface="Poppins SemiBold" panose="00000700000000000000" pitchFamily="2" charset="0"/>
-              </a:rPr>
-              <a:t>The architecture of the Expense Manager project follows a layered and modular design, incorporating key components and their interactions to provide an efficient expense management system.</a:t>
-            </a:r>
-          </a:p>
-          <a:p>
-            <a:pPr marL="347472" marR="0" lvl="0" indent="-347472" algn="l" defTabSz="914400" rtl="0" eaLnBrk="1" fontAlgn="auto" latinLnBrk="0" hangingPunct="1">
-              <a:spcBef>
-                <a:spcPts val="360"/>
-              </a:spcBef>
-              <a:spcAft>
-                <a:spcPts val="0"/>
-              </a:spcAft>
-              <a:buClrTx/>
-              <a:buSzTx/>
-              <a:buFont typeface="+mj-lt"/>
-              <a:buAutoNum type="arabicPeriod"/>
-              <a:tabLst/>
-              <a:defRPr/>
-            </a:pPr>
-            <a:r>
-              <a:rPr kumimoji="0" lang="en-US" b="1" i="0" u="none" strike="noStrike" kern="1200" cap="none" spc="0" normalizeH="0" baseline="0" noProof="0" dirty="0">
-                <a:ln>
-                  <a:noFill/>
-                </a:ln>
-                <a:solidFill>
-                  <a:schemeClr val="tx2">
-                    <a:lumMod val="50000"/>
-                  </a:schemeClr>
-                </a:solidFill>
-                <a:effectLst/>
-                <a:uLnTx/>
-                <a:uFillTx/>
-                <a:latin typeface="Poppins SemiBold" panose="00000700000000000000" pitchFamily="2" charset="0"/>
-                <a:ea typeface="Calibri" panose="020F0502020204030204" pitchFamily="34" charset="0"/>
-                <a:cs typeface="Poppins SemiBold" panose="00000700000000000000" pitchFamily="2" charset="0"/>
-              </a:rPr>
-              <a:t>Presentation Layer</a:t>
-            </a:r>
-            <a:r>
-              <a:rPr kumimoji="0" lang="en-US" b="1" i="0" u="none" strike="noStrike" kern="1200" cap="none" spc="0" normalizeH="0" baseline="0" noProof="0" dirty="0">
-                <a:ln>
-                  <a:noFill/>
-                </a:ln>
-                <a:solidFill>
-                  <a:srgbClr val="000000"/>
-                </a:solidFill>
-                <a:effectLst/>
-                <a:uLnTx/>
-                <a:uFillTx/>
-                <a:latin typeface="Poppins SemiBold" panose="00000700000000000000" pitchFamily="2" charset="0"/>
-                <a:ea typeface="Calibri" panose="020F0502020204030204" pitchFamily="34" charset="0"/>
-                <a:cs typeface="Poppins SemiBold" panose="00000700000000000000" pitchFamily="2" charset="0"/>
-              </a:rPr>
-              <a:t>:</a:t>
-            </a:r>
-          </a:p>
-          <a:p>
-            <a:pPr marL="800100" marR="0" lvl="1" indent="-342900" algn="l" defTabSz="914400" rtl="0" eaLnBrk="1" fontAlgn="auto" latinLnBrk="0" hangingPunct="1">
-              <a:spcBef>
-                <a:spcPts val="360"/>
-              </a:spcBef>
-              <a:spcAft>
-                <a:spcPts val="0"/>
-              </a:spcAft>
-              <a:buClrTx/>
-              <a:buSzTx/>
-              <a:buFont typeface="Arial" panose="020B0604020202020204" pitchFamily="34" charset="0"/>
-              <a:buChar char="•"/>
-              <a:tabLst/>
-              <a:defRPr/>
-            </a:pPr>
-            <a:r>
-              <a:rPr kumimoji="0" lang="en-US" b="0" i="0" u="none" strike="noStrike" kern="1200" cap="none" spc="0" normalizeH="0" baseline="0" noProof="0" dirty="0">
-                <a:ln>
-                  <a:noFill/>
-                </a:ln>
-                <a:solidFill>
-                  <a:srgbClr val="FF0000"/>
-                </a:solidFill>
-                <a:effectLst/>
-                <a:uLnTx/>
-                <a:uFillTx/>
-                <a:latin typeface="Poppins SemiBold" panose="00000700000000000000" pitchFamily="2" charset="0"/>
-                <a:ea typeface="Calibri" panose="020F0502020204030204" pitchFamily="34" charset="0"/>
-                <a:cs typeface="Poppins SemiBold" panose="00000700000000000000" pitchFamily="2" charset="0"/>
-              </a:rPr>
-              <a:t>User Interface</a:t>
-            </a:r>
-            <a:r>
-              <a:rPr kumimoji="0" lang="en-US" b="0" i="0" u="none" strike="noStrike" kern="1200" cap="none" spc="0" normalizeH="0" baseline="0" noProof="0" dirty="0">
-                <a:ln>
-                  <a:noFill/>
-                </a:ln>
-                <a:solidFill>
-                  <a:srgbClr val="000000"/>
-                </a:solidFill>
-                <a:effectLst/>
-                <a:uLnTx/>
-                <a:uFillTx/>
-                <a:latin typeface="Poppins SemiBold" panose="00000700000000000000" pitchFamily="2" charset="0"/>
-                <a:ea typeface="Calibri" panose="020F0502020204030204" pitchFamily="34" charset="0"/>
-                <a:cs typeface="Poppins SemiBold" panose="00000700000000000000" pitchFamily="2" charset="0"/>
-              </a:rPr>
-              <a:t>: It handles the user interaction and provides a user-friendly interface for accessing the application.</a:t>
-            </a:r>
-          </a:p>
-          <a:p>
-            <a:pPr marL="800100" marR="0" lvl="1" indent="-342900" algn="l" defTabSz="914400" rtl="0" eaLnBrk="1" fontAlgn="auto" latinLnBrk="0" hangingPunct="1">
-              <a:spcBef>
-                <a:spcPts val="360"/>
-              </a:spcBef>
-              <a:spcAft>
-                <a:spcPts val="0"/>
-              </a:spcAft>
-              <a:buClrTx/>
-              <a:buSzTx/>
-              <a:buFont typeface="Arial" panose="020B0604020202020204" pitchFamily="34" charset="0"/>
-              <a:buChar char="•"/>
-              <a:tabLst/>
-              <a:defRPr/>
-            </a:pPr>
-            <a:r>
-              <a:rPr kumimoji="0" lang="en-US" b="0" i="0" u="none" strike="noStrike" kern="1200" cap="none" spc="0" normalizeH="0" baseline="0" noProof="0" dirty="0">
-                <a:ln>
-                  <a:noFill/>
-                </a:ln>
-                <a:solidFill>
-                  <a:srgbClr val="FF0000"/>
-                </a:solidFill>
-                <a:effectLst/>
-                <a:uLnTx/>
-                <a:uFillTx/>
-                <a:latin typeface="Poppins SemiBold" panose="00000700000000000000" pitchFamily="2" charset="0"/>
-                <a:ea typeface="Calibri" panose="020F0502020204030204" pitchFamily="34" charset="0"/>
-                <a:cs typeface="Poppins SemiBold" panose="00000700000000000000" pitchFamily="2" charset="0"/>
-              </a:rPr>
-              <a:t>Views and Forms</a:t>
-            </a:r>
-            <a:r>
-              <a:rPr kumimoji="0" lang="en-US" b="0" i="0" u="none" strike="noStrike" kern="1200" cap="none" spc="0" normalizeH="0" baseline="0" noProof="0" dirty="0">
-                <a:ln>
-                  <a:noFill/>
-                </a:ln>
-                <a:solidFill>
-                  <a:srgbClr val="000000"/>
-                </a:solidFill>
-                <a:effectLst/>
-                <a:uLnTx/>
-                <a:uFillTx/>
-                <a:latin typeface="Poppins SemiBold" panose="00000700000000000000" pitchFamily="2" charset="0"/>
-                <a:ea typeface="Calibri" panose="020F0502020204030204" pitchFamily="34" charset="0"/>
-                <a:cs typeface="Poppins SemiBold" panose="00000700000000000000" pitchFamily="2" charset="0"/>
-              </a:rPr>
-              <a:t>: It comprises the screens and forms that allow users to input expenses, set budgets, and view reports.</a:t>
-            </a:r>
-          </a:p>
-          <a:p>
-            <a:pPr marL="347472" marR="0" lvl="0" indent="-347472" algn="l" defTabSz="914400" rtl="0" eaLnBrk="1" fontAlgn="auto" latinLnBrk="0" hangingPunct="1">
-              <a:spcBef>
-                <a:spcPts val="360"/>
-              </a:spcBef>
-              <a:spcAft>
-                <a:spcPts val="0"/>
-              </a:spcAft>
-              <a:buClrTx/>
-              <a:buSzTx/>
-              <a:buFont typeface="+mj-lt"/>
-              <a:buAutoNum type="arabicPeriod"/>
-              <a:tabLst/>
-              <a:defRPr/>
-            </a:pPr>
-            <a:r>
-              <a:rPr kumimoji="0" lang="en-US" b="1" i="0" u="none" strike="noStrike" kern="1200" cap="none" spc="0" normalizeH="0" baseline="0" noProof="0" dirty="0">
-                <a:ln>
-                  <a:noFill/>
-                </a:ln>
-                <a:solidFill>
-                  <a:schemeClr val="tx2">
-                    <a:lumMod val="50000"/>
-                  </a:schemeClr>
-                </a:solidFill>
-                <a:effectLst/>
-                <a:uLnTx/>
-                <a:uFillTx/>
-                <a:latin typeface="Poppins SemiBold" panose="00000700000000000000" pitchFamily="2" charset="0"/>
-                <a:ea typeface="+mn-ea"/>
-                <a:cs typeface="Poppins SemiBold" panose="00000700000000000000" pitchFamily="2" charset="0"/>
-              </a:rPr>
-              <a:t>Application Layer</a:t>
-            </a:r>
-            <a:r>
-              <a:rPr kumimoji="0" lang="en-US" b="1" i="0" u="none" strike="noStrike" kern="1200" cap="none" spc="0" normalizeH="0" baseline="0" noProof="0" dirty="0">
-                <a:ln>
-                  <a:noFill/>
-                </a:ln>
-                <a:solidFill>
-                  <a:srgbClr val="000000"/>
-                </a:solidFill>
-                <a:effectLst/>
-                <a:uLnTx/>
-                <a:uFillTx/>
-                <a:latin typeface="Poppins SemiBold" panose="00000700000000000000" pitchFamily="2" charset="0"/>
-                <a:ea typeface="+mn-ea"/>
-                <a:cs typeface="Poppins SemiBold" panose="00000700000000000000" pitchFamily="2" charset="0"/>
-              </a:rPr>
-              <a:t>:</a:t>
-            </a:r>
-          </a:p>
-          <a:p>
-            <a:pPr marL="742950" marR="0" lvl="1" indent="-285750" algn="l" defTabSz="914400" rtl="0" eaLnBrk="1" fontAlgn="auto" latinLnBrk="0" hangingPunct="1">
-              <a:spcBef>
-                <a:spcPts val="360"/>
-              </a:spcBef>
-              <a:spcAft>
-                <a:spcPts val="0"/>
-              </a:spcAft>
-              <a:buClrTx/>
-              <a:buSzTx/>
-              <a:buFont typeface="Arial" panose="020B0604020202020204" pitchFamily="34" charset="0"/>
-              <a:buChar char="•"/>
-              <a:tabLst/>
-              <a:defRPr/>
-            </a:pPr>
-            <a:r>
-              <a:rPr kumimoji="0" lang="en-US" b="0" i="0" u="none" strike="noStrike" kern="1200" cap="none" spc="0" normalizeH="0" baseline="0" noProof="0" dirty="0" err="1">
-                <a:ln>
-                  <a:noFill/>
-                </a:ln>
-                <a:solidFill>
-                  <a:srgbClr val="FF0000"/>
-                </a:solidFill>
-                <a:effectLst/>
-                <a:uLnTx/>
-                <a:uFillTx/>
-                <a:latin typeface="Poppins SemiBold" panose="00000700000000000000" pitchFamily="2" charset="0"/>
-                <a:ea typeface="+mn-ea"/>
-                <a:cs typeface="Poppins SemiBold" panose="00000700000000000000" pitchFamily="2" charset="0"/>
-              </a:rPr>
-              <a:t>ExpenseMain</a:t>
-            </a:r>
-            <a:r>
-              <a:rPr kumimoji="0" lang="en-US" b="0" i="0" u="none" strike="noStrike" kern="1200" cap="none" spc="0" normalizeH="0" baseline="0" noProof="0" dirty="0">
-                <a:ln>
-                  <a:noFill/>
-                </a:ln>
-                <a:solidFill>
-                  <a:srgbClr val="FF0000"/>
-                </a:solidFill>
-                <a:effectLst/>
-                <a:uLnTx/>
-                <a:uFillTx/>
-                <a:latin typeface="Poppins SemiBold" panose="00000700000000000000" pitchFamily="2" charset="0"/>
-                <a:ea typeface="+mn-ea"/>
-                <a:cs typeface="Poppins SemiBold" panose="00000700000000000000" pitchFamily="2" charset="0"/>
-              </a:rPr>
-              <a:t> Module</a:t>
-            </a:r>
-            <a:r>
-              <a:rPr kumimoji="0" lang="en-US" b="0" i="0" u="none" strike="noStrike" kern="1200" cap="none" spc="0" normalizeH="0" baseline="0" noProof="0" dirty="0">
-                <a:ln>
-                  <a:noFill/>
-                </a:ln>
-                <a:solidFill>
-                  <a:srgbClr val="000000"/>
-                </a:solidFill>
-                <a:effectLst/>
-                <a:uLnTx/>
-                <a:uFillTx/>
-                <a:latin typeface="Poppins SemiBold" panose="00000700000000000000" pitchFamily="2" charset="0"/>
-                <a:ea typeface="+mn-ea"/>
-                <a:cs typeface="Poppins SemiBold" panose="00000700000000000000" pitchFamily="2" charset="0"/>
-              </a:rPr>
-              <a:t>: It acts as the core functionality of the system, handling expense recording, categorization, and budget visualizations.</a:t>
-            </a:r>
-          </a:p>
-          <a:p>
-            <a:pPr marL="742950" marR="0" lvl="1" indent="-285750" algn="l" defTabSz="914400" rtl="0" eaLnBrk="1" fontAlgn="auto" latinLnBrk="0" hangingPunct="1">
-              <a:spcBef>
-                <a:spcPts val="360"/>
-              </a:spcBef>
-              <a:spcAft>
-                <a:spcPts val="0"/>
-              </a:spcAft>
-              <a:buClrTx/>
-              <a:buSzTx/>
-              <a:buFont typeface="Arial" panose="020B0604020202020204" pitchFamily="34" charset="0"/>
-              <a:buChar char="•"/>
-              <a:tabLst/>
-              <a:defRPr/>
-            </a:pPr>
-            <a:r>
-              <a:rPr kumimoji="0" lang="en-US" b="0" i="0" u="none" strike="noStrike" kern="1200" cap="none" spc="0" normalizeH="0" baseline="0" noProof="0" dirty="0" err="1">
-                <a:ln>
-                  <a:noFill/>
-                </a:ln>
-                <a:solidFill>
-                  <a:srgbClr val="FF0000"/>
-                </a:solidFill>
-                <a:effectLst/>
-                <a:uLnTx/>
-                <a:uFillTx/>
-                <a:latin typeface="Poppins SemiBold" panose="00000700000000000000" pitchFamily="2" charset="0"/>
-                <a:ea typeface="+mn-ea"/>
-                <a:cs typeface="Poppins SemiBold" panose="00000700000000000000" pitchFamily="2" charset="0"/>
-              </a:rPr>
-              <a:t>ExpenseManager</a:t>
-            </a:r>
-            <a:r>
-              <a:rPr kumimoji="0" lang="en-US" b="0" i="0" u="none" strike="noStrike" kern="1200" cap="none" spc="0" normalizeH="0" baseline="0" noProof="0" dirty="0">
-                <a:ln>
-                  <a:noFill/>
-                </a:ln>
-                <a:solidFill>
-                  <a:srgbClr val="000000"/>
-                </a:solidFill>
-                <a:effectLst/>
-                <a:uLnTx/>
-                <a:uFillTx/>
-                <a:latin typeface="Poppins SemiBold" panose="00000700000000000000" pitchFamily="2" charset="0"/>
-                <a:ea typeface="+mn-ea"/>
-                <a:cs typeface="Poppins SemiBold" panose="00000700000000000000" pitchFamily="2" charset="0"/>
-              </a:rPr>
-              <a:t>: It handles the main </a:t>
-            </a:r>
-            <a:r>
-              <a:rPr kumimoji="0" lang="en-US" b="0" i="0" u="none" strike="noStrike" kern="1200" cap="none" spc="0" normalizeH="0" baseline="0" noProof="0" dirty="0" err="1">
-                <a:ln>
-                  <a:noFill/>
-                </a:ln>
-                <a:solidFill>
-                  <a:srgbClr val="000000"/>
-                </a:solidFill>
-                <a:effectLst/>
-                <a:uLnTx/>
-                <a:uFillTx/>
-                <a:latin typeface="Poppins SemiBold" panose="00000700000000000000" pitchFamily="2" charset="0"/>
-                <a:ea typeface="+mn-ea"/>
-                <a:cs typeface="Poppins SemiBold" panose="00000700000000000000" pitchFamily="2" charset="0"/>
-              </a:rPr>
-              <a:t>urls</a:t>
-            </a:r>
-            <a:r>
-              <a:rPr kumimoji="0" lang="en-US" b="0" i="0" u="none" strike="noStrike" kern="1200" cap="none" spc="0" normalizeH="0" baseline="0" noProof="0" dirty="0">
-                <a:ln>
-                  <a:noFill/>
-                </a:ln>
-                <a:solidFill>
-                  <a:srgbClr val="000000"/>
-                </a:solidFill>
-                <a:effectLst/>
-                <a:uLnTx/>
-                <a:uFillTx/>
-                <a:latin typeface="Poppins SemiBold" panose="00000700000000000000" pitchFamily="2" charset="0"/>
-                <a:ea typeface="+mn-ea"/>
-                <a:cs typeface="Poppins SemiBold" panose="00000700000000000000" pitchFamily="2" charset="0"/>
-              </a:rPr>
-              <a:t> that manages the application</a:t>
-            </a:r>
-          </a:p>
-          <a:p>
-            <a:pPr marL="457200" marR="0" lvl="1" indent="0" algn="l" defTabSz="914400" rtl="0" eaLnBrk="1" fontAlgn="auto" latinLnBrk="0" hangingPunct="1">
-              <a:spcBef>
-                <a:spcPts val="360"/>
-              </a:spcBef>
-              <a:spcAft>
-                <a:spcPts val="0"/>
-              </a:spcAft>
-              <a:buClrTx/>
-              <a:buSzTx/>
-              <a:buFont typeface="Arial" panose="020B0604020202020204" pitchFamily="34" charset="0"/>
-              <a:buNone/>
-              <a:tabLst/>
-              <a:defRPr/>
-            </a:pPr>
-            <a:endParaRPr kumimoji="0" lang="en-US" b="0" i="0" u="none" strike="noStrike" kern="1200" cap="none" spc="0" normalizeH="0" baseline="0" noProof="0" dirty="0">
-              <a:ln>
-                <a:noFill/>
-              </a:ln>
-              <a:solidFill>
-                <a:srgbClr val="000000"/>
-              </a:solidFill>
-              <a:effectLst/>
-              <a:uLnTx/>
-              <a:uFillTx/>
-              <a:latin typeface="Poppins SemiBold" panose="00000700000000000000" pitchFamily="2" charset="0"/>
-              <a:ea typeface="Calibri" panose="020F0502020204030204" pitchFamily="34" charset="0"/>
-              <a:cs typeface="Poppins SemiBold" panose="00000700000000000000" pitchFamily="2" charset="0"/>
-            </a:endParaRPr>
-          </a:p>
-          <a:p>
-            <a:endParaRPr lang="en-US" dirty="0">
-              <a:latin typeface="Poppins SemiBold" panose="00000700000000000000" pitchFamily="2" charset="0"/>
-              <a:cs typeface="Poppins SemiBold" panose="00000700000000000000" pitchFamily="2" charset="0"/>
-            </a:endParaRPr>
-          </a:p>
-        </p:txBody>
-      </p:sp>
-      <p:pic>
-        <p:nvPicPr>
-          <p:cNvPr id="6" name="Picture 8" descr="Free vector operating system concept illustration">
-            <a:extLst>
-              <a:ext uri="{FF2B5EF4-FFF2-40B4-BE49-F238E27FC236}">
-                <a16:creationId xmlns:a16="http://schemas.microsoft.com/office/drawing/2014/main" id="{EBBCA0BC-0956-379E-15CD-73028599E43D}"/>
-              </a:ext>
-            </a:extLst>
-          </p:cNvPr>
-          <p:cNvPicPr>
-            <a:picLocks noChangeAspect="1" noChangeArrowheads="1"/>
-          </p:cNvPicPr>
-          <p:nvPr/>
-        </p:nvPicPr>
-        <p:blipFill>
-          <a:blip r:embed="rId3">
-            <a:extLst>
-              <a:ext uri="{28A0092B-C50C-407E-A947-70E740481C1C}">
-                <a14:useLocalDpi xmlns:a14="http://schemas.microsoft.com/office/drawing/2010/main" val="0"/>
-              </a:ext>
-            </a:extLst>
-          </a:blip>
-          <a:srcRect/>
-          <a:stretch>
-            <a:fillRect/>
-          </a:stretch>
-        </p:blipFill>
-        <p:spPr bwMode="auto">
-          <a:xfrm>
-            <a:off x="7678519" y="239982"/>
-            <a:ext cx="1226346" cy="1226348"/>
-          </a:xfrm>
-          <a:prstGeom prst="rect">
-            <a:avLst/>
-          </a:prstGeom>
-          <a:noFill/>
-          <a:extLst>
-            <a:ext uri="{909E8E84-426E-40DD-AFC4-6F175D3DCCD1}">
-              <a14:hiddenFill xmlns:a14="http://schemas.microsoft.com/office/drawing/2010/main">
-                <a:solidFill>
-                  <a:srgbClr val="FFFFFF"/>
-                </a:solidFill>
-              </a14:hiddenFill>
-            </a:ext>
-          </a:extLst>
-        </p:spPr>
-      </p:pic>
-    </p:spTree>
-    <p:extLst>
-      <p:ext uri="{BB962C8B-B14F-4D97-AF65-F5344CB8AC3E}">
-        <p14:creationId xmlns:p14="http://schemas.microsoft.com/office/powerpoint/2010/main" val="1592661585"/>
-      </p:ext>
-    </p:extLst>
-  </p:cSld>
-  <p:clrMapOvr>
-    <a:masterClrMapping/>
-  </p:clrMapOvr>
-  <mc:AlternateContent xmlns:mc="http://schemas.openxmlformats.org/markup-compatibility/2006">
-    <mc:Choice xmlns:p14="http://schemas.microsoft.com/office/powerpoint/2010/main" Requires="p14">
-      <p:transition spd="slow" p14:dur="800">
-        <p14:flythrough dir="out"/>
-      </p:transition>
-    </mc:Choice>
-    <mc:Fallback>
-      <p:transition spd="slow">
-        <p:fade/>
-      </p:transition>
-    </mc:Fallback>
-  </mc:AlternateContent>
-</p:sld>
-</file>
-
-<file path=ppt/slides/slide6.xml><?xml version="1.0" encoding="utf-8"?>
-<p:sld xmlns:a="http://schemas.openxmlformats.org/drawingml/2006/main" xmlns:r="http://schemas.openxmlformats.org/officeDocument/2006/relationships" xmlns:p="http://schemas.openxmlformats.org/presentationml/2006/main">
-  <p:cSld>
-    <p:spTree>
-      <p:nvGrpSpPr>
-        <p:cNvPr id="1" name="Shape 171"/>
-        <p:cNvGrpSpPr/>
-        <p:nvPr/>
-      </p:nvGrpSpPr>
-      <p:grpSpPr>
-        <a:xfrm>
-          <a:off x="0" y="0"/>
-          <a:ext cx="0" cy="0"/>
-          <a:chOff x="0" y="0"/>
-          <a:chExt cx="0" cy="0"/>
-        </a:xfrm>
-      </p:grpSpPr>
-      <p:sp>
-        <p:nvSpPr>
-          <p:cNvPr id="172" name="Google Shape;172;p32"/>
-          <p:cNvSpPr txBox="1">
-            <a:spLocks noGrp="1"/>
-          </p:cNvSpPr>
-          <p:nvPr>
-            <p:ph type="title"/>
-          </p:nvPr>
-        </p:nvSpPr>
-        <p:spPr>
-          <a:xfrm>
-            <a:off x="582597" y="377943"/>
-            <a:ext cx="7206132" cy="650758"/>
-          </a:xfrm>
-          <a:prstGeom prst="rect">
-            <a:avLst/>
-          </a:prstGeom>
-        </p:spPr>
-        <p:txBody>
-          <a:bodyPr spcFirstLastPara="1" wrap="square" lIns="91425" tIns="91425" rIns="91425" bIns="91425" anchor="ctr" anchorCtr="0">
-            <a:noAutofit/>
-          </a:bodyPr>
-          <a:lstStyle/>
-          <a:p>
-            <a:pPr marL="0" lvl="0" indent="0" algn="l" rtl="0">
-              <a:spcBef>
-                <a:spcPts val="0"/>
-              </a:spcBef>
-              <a:spcAft>
-                <a:spcPts val="0"/>
-              </a:spcAft>
-              <a:buNone/>
-            </a:pPr>
-            <a:r>
-              <a:rPr lang="en-IN" sz="3200" dirty="0"/>
-              <a:t>Architecture of the project</a:t>
-            </a:r>
-            <a:endParaRPr sz="3200" dirty="0">
-              <a:solidFill>
-                <a:schemeClr val="lt2"/>
-              </a:solidFill>
-            </a:endParaRPr>
-          </a:p>
-        </p:txBody>
-      </p:sp>
-      <p:sp>
-        <p:nvSpPr>
-          <p:cNvPr id="5" name="TextBox 4">
-            <a:extLst>
-              <a:ext uri="{FF2B5EF4-FFF2-40B4-BE49-F238E27FC236}">
-                <a16:creationId xmlns:a16="http://schemas.microsoft.com/office/drawing/2014/main" id="{8797002A-9EF0-6CF2-3E34-4F020EF377C3}"/>
-              </a:ext>
-            </a:extLst>
-          </p:cNvPr>
-          <p:cNvSpPr txBox="1"/>
-          <p:nvPr/>
-        </p:nvSpPr>
-        <p:spPr>
-          <a:xfrm>
-            <a:off x="582597" y="1126672"/>
             <a:ext cx="7532703" cy="3683060"/>
           </a:xfrm>
           <a:prstGeom prst="rect">
@@ -14595,7 +14794,7 @@
             </a:r>
           </a:p>
           <a:p>
-            <a:pPr marL="0" marR="0" lvl="0" indent="0" algn="l" defTabSz="914400" rtl="0" eaLnBrk="1" fontAlgn="auto" latinLnBrk="0" hangingPunct="1">
+            <a:pPr marL="0" marR="0" lvl="0" indent="0" algn="just" defTabSz="914400" rtl="0" eaLnBrk="1" fontAlgn="auto" latinLnBrk="0" hangingPunct="1">
               <a:lnSpc>
                 <a:spcPct val="100000"/>
               </a:lnSpc>
@@ -14667,7 +14866,7 @@
             </a:r>
           </a:p>
           <a:p>
-            <a:pPr marL="800100" marR="0" lvl="1" indent="-342900" algn="l" defTabSz="914400" rtl="0" eaLnBrk="1" fontAlgn="auto" latinLnBrk="0" hangingPunct="1">
+            <a:pPr marL="800100" marR="0" lvl="1" indent="-342900" algn="just" defTabSz="914400" rtl="0" eaLnBrk="1" fontAlgn="auto" latinLnBrk="0" hangingPunct="1">
               <a:lnSpc>
                 <a:spcPct val="100000"/>
               </a:lnSpc>
@@ -14788,7 +14987,7 @@
             </a:r>
           </a:p>
           <a:p>
-            <a:pPr marL="0" marR="0" lvl="0" indent="0" algn="l" defTabSz="914400" rtl="0" eaLnBrk="1" fontAlgn="auto" latinLnBrk="0" hangingPunct="1">
+            <a:pPr marL="0" marR="0" lvl="0" indent="0" algn="just" defTabSz="914400" rtl="0" eaLnBrk="1" fontAlgn="auto" latinLnBrk="0" hangingPunct="1">
               <a:lnSpc>
                 <a:spcPct val="100000"/>
               </a:lnSpc>
@@ -14860,7 +15059,7 @@
             </a:r>
           </a:p>
           <a:p>
-            <a:pPr marL="800100" marR="0" lvl="1" indent="-342900" algn="l" defTabSz="914400" rtl="0" eaLnBrk="1" fontAlgn="auto" latinLnBrk="0" hangingPunct="1">
+            <a:pPr marL="800100" marR="0" lvl="1" indent="-342900" algn="just" defTabSz="914400" rtl="0" eaLnBrk="1" fontAlgn="auto" latinLnBrk="0" hangingPunct="1">
               <a:lnSpc>
                 <a:spcPct val="100000"/>
               </a:lnSpc>
@@ -15018,13 +15217,13 @@
   <p:clrMapOvr>
     <a:masterClrMapping/>
   </p:clrMapOvr>
-  <mc:AlternateContent xmlns:mc="http://schemas.openxmlformats.org/markup-compatibility/2006">
-    <mc:Choice xmlns:p14="http://schemas.microsoft.com/office/powerpoint/2010/main" Requires="p14">
+  <mc:AlternateContent xmlns:mc="http://schemas.openxmlformats.org/markup-compatibility/2006" xmlns:p14="http://schemas.microsoft.com/office/powerpoint/2010/main">
+    <mc:Choice Requires="p14">
       <p:transition spd="slow" p14:dur="800">
         <p14:flythrough dir="out"/>
       </p:transition>
     </mc:Choice>
-    <mc:Fallback>
+    <mc:Fallback xmlns="">
       <p:transition spd="slow">
         <p:fade/>
       </p:transition>
@@ -15036,6 +15235,14 @@
 <file path=ppt/slides/slide7.xml><?xml version="1.0" encoding="utf-8"?>
 <p:sld xmlns:a="http://schemas.openxmlformats.org/drawingml/2006/main" xmlns:r="http://schemas.openxmlformats.org/officeDocument/2006/relationships" xmlns:p="http://schemas.openxmlformats.org/presentationml/2006/main">
   <p:cSld>
+    <p:bg>
+      <p:bgPr>
+        <a:solidFill>
+          <a:srgbClr val="00B0F0"/>
+        </a:solidFill>
+        <a:effectLst/>
+      </p:bgPr>
+    </p:bg>
     <p:spTree>
       <p:nvGrpSpPr>
         <p:cNvPr id="1" name="Shape 210"/>
@@ -15131,13 +15338,13 @@
   <p:clrMapOvr>
     <a:masterClrMapping/>
   </p:clrMapOvr>
-  <mc:AlternateContent xmlns:mc="http://schemas.openxmlformats.org/markup-compatibility/2006">
-    <mc:Choice xmlns:p14="http://schemas.microsoft.com/office/powerpoint/2010/main" Requires="p14">
+  <mc:AlternateContent xmlns:mc="http://schemas.openxmlformats.org/markup-compatibility/2006" xmlns:p14="http://schemas.microsoft.com/office/powerpoint/2010/main">
+    <mc:Choice Requires="p14">
       <p:transition spd="slow" p14:dur="800">
         <p14:flythrough dir="out"/>
       </p:transition>
     </mc:Choice>
-    <mc:Fallback>
+    <mc:Fallback xmlns="">
       <p:transition spd="slow">
         <p:fade/>
       </p:transition>
@@ -15149,6 +15356,14 @@
 <file path=ppt/slides/slide8.xml><?xml version="1.0" encoding="utf-8"?>
 <p:sld xmlns:a="http://schemas.openxmlformats.org/drawingml/2006/main" xmlns:r="http://schemas.openxmlformats.org/officeDocument/2006/relationships" xmlns:p="http://schemas.openxmlformats.org/presentationml/2006/main">
   <p:cSld>
+    <p:bg>
+      <p:bgPr>
+        <a:solidFill>
+          <a:srgbClr val="00B0F0"/>
+        </a:solidFill>
+        <a:effectLst/>
+      </p:bgPr>
+    </p:bg>
     <p:spTree>
       <p:nvGrpSpPr>
         <p:cNvPr id="1" name="Shape 171"/>
@@ -16122,13 +16337,13 @@
   <p:clrMapOvr>
     <a:masterClrMapping/>
   </p:clrMapOvr>
-  <mc:AlternateContent xmlns:mc="http://schemas.openxmlformats.org/markup-compatibility/2006">
-    <mc:Choice xmlns:p14="http://schemas.microsoft.com/office/powerpoint/2010/main" Requires="p14">
+  <mc:AlternateContent xmlns:mc="http://schemas.openxmlformats.org/markup-compatibility/2006" xmlns:p14="http://schemas.microsoft.com/office/powerpoint/2010/main">
+    <mc:Choice Requires="p14">
       <p:transition spd="slow" p14:dur="800">
         <p14:flythrough dir="out"/>
       </p:transition>
     </mc:Choice>
-    <mc:Fallback>
+    <mc:Fallback xmlns="">
       <p:transition spd="slow">
         <p:fade/>
       </p:transition>
@@ -16140,6 +16355,14 @@
 <file path=ppt/slides/slide9.xml><?xml version="1.0" encoding="utf-8"?>
 <p:sld xmlns:a="http://schemas.openxmlformats.org/drawingml/2006/main" xmlns:r="http://schemas.openxmlformats.org/officeDocument/2006/relationships" xmlns:p="http://schemas.openxmlformats.org/presentationml/2006/main">
   <p:cSld>
+    <p:bg>
+      <p:bgPr>
+        <a:solidFill>
+          <a:srgbClr val="00B0F0"/>
+        </a:solidFill>
+        <a:effectLst/>
+      </p:bgPr>
+    </p:bg>
     <p:spTree>
       <p:nvGrpSpPr>
         <p:cNvPr id="1" name="Shape 171"/>
@@ -16621,13 +16844,13 @@
   <p:clrMapOvr>
     <a:masterClrMapping/>
   </p:clrMapOvr>
-  <mc:AlternateContent xmlns:mc="http://schemas.openxmlformats.org/markup-compatibility/2006">
-    <mc:Choice xmlns:p14="http://schemas.microsoft.com/office/powerpoint/2010/main" Requires="p14">
+  <mc:AlternateContent xmlns:mc="http://schemas.openxmlformats.org/markup-compatibility/2006" xmlns:p14="http://schemas.microsoft.com/office/powerpoint/2010/main">
+    <mc:Choice Requires="p14">
       <p:transition spd="slow" p14:dur="800">
         <p14:flythrough dir="out"/>
       </p:transition>
     </mc:Choice>
-    <mc:Fallback>
+    <mc:Fallback xmlns="">
       <p:transition spd="slow">
         <p:fade/>
       </p:transition>
